--- a/10. Sidang/Sidang.pptx
+++ b/10. Sidang/Sidang.pptx
@@ -4,6 +4,9 @@
   <p:sldMasterIdLst>
     <p:sldMasterId id="2147484316" r:id="rId1"/>
   </p:sldMasterIdLst>
+  <p:notesMasterIdLst>
+    <p:notesMasterId r:id="rId29"/>
+  </p:notesMasterIdLst>
   <p:sldIdLst>
     <p:sldId id="256" r:id="rId2"/>
     <p:sldId id="261" r:id="rId3"/>
@@ -11,16 +14,27 @@
     <p:sldId id="259" r:id="rId5"/>
     <p:sldId id="260" r:id="rId6"/>
     <p:sldId id="262" r:id="rId7"/>
-    <p:sldId id="272" r:id="rId8"/>
-    <p:sldId id="273" r:id="rId9"/>
+    <p:sldId id="273" r:id="rId8"/>
+    <p:sldId id="272" r:id="rId9"/>
     <p:sldId id="274" r:id="rId10"/>
-    <p:sldId id="277" r:id="rId11"/>
-    <p:sldId id="278" r:id="rId12"/>
-    <p:sldId id="279" r:id="rId13"/>
-    <p:sldId id="280" r:id="rId14"/>
-    <p:sldId id="281" r:id="rId15"/>
-    <p:sldId id="282" r:id="rId16"/>
-    <p:sldId id="283" r:id="rId17"/>
+    <p:sldId id="286" r:id="rId11"/>
+    <p:sldId id="281" r:id="rId12"/>
+    <p:sldId id="285" r:id="rId13"/>
+    <p:sldId id="277" r:id="rId14"/>
+    <p:sldId id="278" r:id="rId15"/>
+    <p:sldId id="287" r:id="rId16"/>
+    <p:sldId id="289" r:id="rId17"/>
+    <p:sldId id="290" r:id="rId18"/>
+    <p:sldId id="291" r:id="rId19"/>
+    <p:sldId id="292" r:id="rId20"/>
+    <p:sldId id="293" r:id="rId21"/>
+    <p:sldId id="295" r:id="rId22"/>
+    <p:sldId id="296" r:id="rId23"/>
+    <p:sldId id="279" r:id="rId24"/>
+    <p:sldId id="284" r:id="rId25"/>
+    <p:sldId id="280" r:id="rId26"/>
+    <p:sldId id="297" r:id="rId27"/>
+    <p:sldId id="283" r:id="rId28"/>
   </p:sldIdLst>
   <p:sldSz cx="12192000" cy="6858000"/>
   <p:notesSz cx="6858000" cy="9144000"/>
@@ -125,6 +139,2455 @@
     </p:ext>
   </p:extLst>
 </p:presentation>
+</file>
+
+<file path=ppt/commentAuthors.xml><?xml version="1.0" encoding="utf-8"?>
+<p:cmAuthorLst xmlns:a="http://schemas.openxmlformats.org/drawingml/2006/main" xmlns:r="http://schemas.openxmlformats.org/officeDocument/2006/relationships" xmlns:p="http://schemas.openxmlformats.org/presentationml/2006/main">
+  <p:cmAuthor id="1" name="Lucky Senjaya Darmawan" initials="LSD" lastIdx="1" clrIdx="0">
+    <p:extLst>
+      <p:ext uri="{19B8F6BF-5375-455C-9EA6-DF929625EA0E}">
+        <p15:presenceInfo xmlns:p15="http://schemas.microsoft.com/office/powerpoint/2012/main" userId="863939f9483223b4" providerId="Windows Live"/>
+      </p:ext>
+    </p:extLst>
+  </p:cmAuthor>
+</p:cmAuthorLst>
+</file>
+
+<file path=ppt/notesMasters/notesMaster1.xml><?xml version="1.0" encoding="utf-8"?>
+<p:notesMaster xmlns:a="http://schemas.openxmlformats.org/drawingml/2006/main" xmlns:r="http://schemas.openxmlformats.org/officeDocument/2006/relationships" xmlns:p="http://schemas.openxmlformats.org/presentationml/2006/main">
+  <p:cSld>
+    <p:bg>
+      <p:bgRef idx="1001">
+        <a:schemeClr val="bg1"/>
+      </p:bgRef>
+    </p:bg>
+    <p:spTree>
+      <p:nvGrpSpPr>
+        <p:cNvPr id="1" name=""/>
+        <p:cNvGrpSpPr/>
+        <p:nvPr/>
+      </p:nvGrpSpPr>
+      <p:grpSpPr>
+        <a:xfrm>
+          <a:off x="0" y="0"/>
+          <a:ext cx="0" cy="0"/>
+          <a:chOff x="0" y="0"/>
+          <a:chExt cx="0" cy="0"/>
+        </a:xfrm>
+      </p:grpSpPr>
+      <p:sp>
+        <p:nvSpPr>
+          <p:cNvPr id="2" name="Header Placeholder 1"/>
+          <p:cNvSpPr>
+            <a:spLocks noGrp="1"/>
+          </p:cNvSpPr>
+          <p:nvPr>
+            <p:ph type="hdr" sz="quarter"/>
+          </p:nvPr>
+        </p:nvSpPr>
+        <p:spPr>
+          <a:xfrm>
+            <a:off x="0" y="0"/>
+            <a:ext cx="2971800" cy="458788"/>
+          </a:xfrm>
+          <a:prstGeom prst="rect">
+            <a:avLst/>
+          </a:prstGeom>
+        </p:spPr>
+        <p:txBody>
+          <a:bodyPr vert="horz" lIns="91440" tIns="45720" rIns="91440" bIns="45720" rtlCol="0"/>
+          <a:lstStyle>
+            <a:lvl1pPr algn="l">
+              <a:defRPr sz="1200"/>
+            </a:lvl1pPr>
+          </a:lstStyle>
+          <a:p>
+            <a:endParaRPr lang="en-US"/>
+          </a:p>
+        </p:txBody>
+      </p:sp>
+      <p:sp>
+        <p:nvSpPr>
+          <p:cNvPr id="3" name="Date Placeholder 2"/>
+          <p:cNvSpPr>
+            <a:spLocks noGrp="1"/>
+          </p:cNvSpPr>
+          <p:nvPr>
+            <p:ph type="dt" idx="1"/>
+          </p:nvPr>
+        </p:nvSpPr>
+        <p:spPr>
+          <a:xfrm>
+            <a:off x="3884613" y="0"/>
+            <a:ext cx="2971800" cy="458788"/>
+          </a:xfrm>
+          <a:prstGeom prst="rect">
+            <a:avLst/>
+          </a:prstGeom>
+        </p:spPr>
+        <p:txBody>
+          <a:bodyPr vert="horz" lIns="91440" tIns="45720" rIns="91440" bIns="45720" rtlCol="0"/>
+          <a:lstStyle>
+            <a:lvl1pPr algn="r">
+              <a:defRPr sz="1200"/>
+            </a:lvl1pPr>
+          </a:lstStyle>
+          <a:p>
+            <a:fld id="{85BEACF0-6F12-46CB-B0AD-AE0B80BA2736}" type="datetimeFigureOut">
+              <a:rPr lang="en-US" smtClean="0"/>
+              <a:t>5/29/2017</a:t>
+            </a:fld>
+            <a:endParaRPr lang="en-US"/>
+          </a:p>
+        </p:txBody>
+      </p:sp>
+      <p:sp>
+        <p:nvSpPr>
+          <p:cNvPr id="4" name="Slide Image Placeholder 3"/>
+          <p:cNvSpPr>
+            <a:spLocks noGrp="1" noRot="1" noChangeAspect="1"/>
+          </p:cNvSpPr>
+          <p:nvPr>
+            <p:ph type="sldImg" idx="2"/>
+          </p:nvPr>
+        </p:nvSpPr>
+        <p:spPr>
+          <a:xfrm>
+            <a:off x="685800" y="1143000"/>
+            <a:ext cx="5486400" cy="3086100"/>
+          </a:xfrm>
+          <a:prstGeom prst="rect">
+            <a:avLst/>
+          </a:prstGeom>
+          <a:noFill/>
+          <a:ln w="12700">
+            <a:solidFill>
+              <a:prstClr val="black"/>
+            </a:solidFill>
+          </a:ln>
+        </p:spPr>
+        <p:txBody>
+          <a:bodyPr vert="horz" lIns="91440" tIns="45720" rIns="91440" bIns="45720" rtlCol="0" anchor="ctr"/>
+          <a:lstStyle/>
+          <a:p>
+            <a:endParaRPr lang="en-US"/>
+          </a:p>
+        </p:txBody>
+      </p:sp>
+      <p:sp>
+        <p:nvSpPr>
+          <p:cNvPr id="5" name="Notes Placeholder 4"/>
+          <p:cNvSpPr>
+            <a:spLocks noGrp="1"/>
+          </p:cNvSpPr>
+          <p:nvPr>
+            <p:ph type="body" sz="quarter" idx="3"/>
+          </p:nvPr>
+        </p:nvSpPr>
+        <p:spPr>
+          <a:xfrm>
+            <a:off x="685800" y="4400550"/>
+            <a:ext cx="5486400" cy="3600450"/>
+          </a:xfrm>
+          <a:prstGeom prst="rect">
+            <a:avLst/>
+          </a:prstGeom>
+        </p:spPr>
+        <p:txBody>
+          <a:bodyPr vert="horz" lIns="91440" tIns="45720" rIns="91440" bIns="45720" rtlCol="0"/>
+          <a:lstStyle/>
+          <a:p>
+            <a:pPr lvl="0"/>
+            <a:r>
+              <a:rPr lang="en-US" smtClean="0"/>
+              <a:t>Click to edit Master text styles</a:t>
+            </a:r>
+          </a:p>
+          <a:p>
+            <a:pPr lvl="1"/>
+            <a:r>
+              <a:rPr lang="en-US" smtClean="0"/>
+              <a:t>Second level</a:t>
+            </a:r>
+          </a:p>
+          <a:p>
+            <a:pPr lvl="2"/>
+            <a:r>
+              <a:rPr lang="en-US" smtClean="0"/>
+              <a:t>Third level</a:t>
+            </a:r>
+          </a:p>
+          <a:p>
+            <a:pPr lvl="3"/>
+            <a:r>
+              <a:rPr lang="en-US" smtClean="0"/>
+              <a:t>Fourth level</a:t>
+            </a:r>
+          </a:p>
+          <a:p>
+            <a:pPr lvl="4"/>
+            <a:r>
+              <a:rPr lang="en-US" smtClean="0"/>
+              <a:t>Fifth level</a:t>
+            </a:r>
+            <a:endParaRPr lang="en-US"/>
+          </a:p>
+        </p:txBody>
+      </p:sp>
+      <p:sp>
+        <p:nvSpPr>
+          <p:cNvPr id="6" name="Footer Placeholder 5"/>
+          <p:cNvSpPr>
+            <a:spLocks noGrp="1"/>
+          </p:cNvSpPr>
+          <p:nvPr>
+            <p:ph type="ftr" sz="quarter" idx="4"/>
+          </p:nvPr>
+        </p:nvSpPr>
+        <p:spPr>
+          <a:xfrm>
+            <a:off x="0" y="8685213"/>
+            <a:ext cx="2971800" cy="458787"/>
+          </a:xfrm>
+          <a:prstGeom prst="rect">
+            <a:avLst/>
+          </a:prstGeom>
+        </p:spPr>
+        <p:txBody>
+          <a:bodyPr vert="horz" lIns="91440" tIns="45720" rIns="91440" bIns="45720" rtlCol="0" anchor="b"/>
+          <a:lstStyle>
+            <a:lvl1pPr algn="l">
+              <a:defRPr sz="1200"/>
+            </a:lvl1pPr>
+          </a:lstStyle>
+          <a:p>
+            <a:endParaRPr lang="en-US"/>
+          </a:p>
+        </p:txBody>
+      </p:sp>
+      <p:sp>
+        <p:nvSpPr>
+          <p:cNvPr id="7" name="Slide Number Placeholder 6"/>
+          <p:cNvSpPr>
+            <a:spLocks noGrp="1"/>
+          </p:cNvSpPr>
+          <p:nvPr>
+            <p:ph type="sldNum" sz="quarter" idx="5"/>
+          </p:nvPr>
+        </p:nvSpPr>
+        <p:spPr>
+          <a:xfrm>
+            <a:off x="3884613" y="8685213"/>
+            <a:ext cx="2971800" cy="458787"/>
+          </a:xfrm>
+          <a:prstGeom prst="rect">
+            <a:avLst/>
+          </a:prstGeom>
+        </p:spPr>
+        <p:txBody>
+          <a:bodyPr vert="horz" lIns="91440" tIns="45720" rIns="91440" bIns="45720" rtlCol="0" anchor="b"/>
+          <a:lstStyle>
+            <a:lvl1pPr algn="r">
+              <a:defRPr sz="1200"/>
+            </a:lvl1pPr>
+          </a:lstStyle>
+          <a:p>
+            <a:fld id="{59700E2D-599E-4FDC-8A15-369AA87525D7}" type="slidenum">
+              <a:rPr lang="en-US" smtClean="0"/>
+              <a:t>‹#›</a:t>
+            </a:fld>
+            <a:endParaRPr lang="en-US"/>
+          </a:p>
+        </p:txBody>
+      </p:sp>
+    </p:spTree>
+    <p:extLst>
+      <p:ext uri="{BB962C8B-B14F-4D97-AF65-F5344CB8AC3E}">
+        <p14:creationId xmlns:p14="http://schemas.microsoft.com/office/powerpoint/2010/main" val="3822824201"/>
+      </p:ext>
+    </p:extLst>
+  </p:cSld>
+  <p:clrMap bg1="lt1" tx1="dk1" bg2="lt2" tx2="dk2" accent1="accent1" accent2="accent2" accent3="accent3" accent4="accent4" accent5="accent5" accent6="accent6" hlink="hlink" folHlink="folHlink"/>
+  <p:notesStyle>
+    <a:lvl1pPr marL="0" algn="l" defTabSz="914400" rtl="0" eaLnBrk="1" latinLnBrk="0" hangingPunct="1">
+      <a:defRPr sz="1200" kern="1200">
+        <a:solidFill>
+          <a:schemeClr val="tx1"/>
+        </a:solidFill>
+        <a:latin typeface="+mn-lt"/>
+        <a:ea typeface="+mn-ea"/>
+        <a:cs typeface="+mn-cs"/>
+      </a:defRPr>
+    </a:lvl1pPr>
+    <a:lvl2pPr marL="457200" algn="l" defTabSz="914400" rtl="0" eaLnBrk="1" latinLnBrk="0" hangingPunct="1">
+      <a:defRPr sz="1200" kern="1200">
+        <a:solidFill>
+          <a:schemeClr val="tx1"/>
+        </a:solidFill>
+        <a:latin typeface="+mn-lt"/>
+        <a:ea typeface="+mn-ea"/>
+        <a:cs typeface="+mn-cs"/>
+      </a:defRPr>
+    </a:lvl2pPr>
+    <a:lvl3pPr marL="914400" algn="l" defTabSz="914400" rtl="0" eaLnBrk="1" latinLnBrk="0" hangingPunct="1">
+      <a:defRPr sz="1200" kern="1200">
+        <a:solidFill>
+          <a:schemeClr val="tx1"/>
+        </a:solidFill>
+        <a:latin typeface="+mn-lt"/>
+        <a:ea typeface="+mn-ea"/>
+        <a:cs typeface="+mn-cs"/>
+      </a:defRPr>
+    </a:lvl3pPr>
+    <a:lvl4pPr marL="1371600" algn="l" defTabSz="914400" rtl="0" eaLnBrk="1" latinLnBrk="0" hangingPunct="1">
+      <a:defRPr sz="1200" kern="1200">
+        <a:solidFill>
+          <a:schemeClr val="tx1"/>
+        </a:solidFill>
+        <a:latin typeface="+mn-lt"/>
+        <a:ea typeface="+mn-ea"/>
+        <a:cs typeface="+mn-cs"/>
+      </a:defRPr>
+    </a:lvl4pPr>
+    <a:lvl5pPr marL="1828800" algn="l" defTabSz="914400" rtl="0" eaLnBrk="1" latinLnBrk="0" hangingPunct="1">
+      <a:defRPr sz="1200" kern="1200">
+        <a:solidFill>
+          <a:schemeClr val="tx1"/>
+        </a:solidFill>
+        <a:latin typeface="+mn-lt"/>
+        <a:ea typeface="+mn-ea"/>
+        <a:cs typeface="+mn-cs"/>
+      </a:defRPr>
+    </a:lvl5pPr>
+    <a:lvl6pPr marL="2286000" algn="l" defTabSz="914400" rtl="0" eaLnBrk="1" latinLnBrk="0" hangingPunct="1">
+      <a:defRPr sz="1200" kern="1200">
+        <a:solidFill>
+          <a:schemeClr val="tx1"/>
+        </a:solidFill>
+        <a:latin typeface="+mn-lt"/>
+        <a:ea typeface="+mn-ea"/>
+        <a:cs typeface="+mn-cs"/>
+      </a:defRPr>
+    </a:lvl6pPr>
+    <a:lvl7pPr marL="2743200" algn="l" defTabSz="914400" rtl="0" eaLnBrk="1" latinLnBrk="0" hangingPunct="1">
+      <a:defRPr sz="1200" kern="1200">
+        <a:solidFill>
+          <a:schemeClr val="tx1"/>
+        </a:solidFill>
+        <a:latin typeface="+mn-lt"/>
+        <a:ea typeface="+mn-ea"/>
+        <a:cs typeface="+mn-cs"/>
+      </a:defRPr>
+    </a:lvl7pPr>
+    <a:lvl8pPr marL="3200400" algn="l" defTabSz="914400" rtl="0" eaLnBrk="1" latinLnBrk="0" hangingPunct="1">
+      <a:defRPr sz="1200" kern="1200">
+        <a:solidFill>
+          <a:schemeClr val="tx1"/>
+        </a:solidFill>
+        <a:latin typeface="+mn-lt"/>
+        <a:ea typeface="+mn-ea"/>
+        <a:cs typeface="+mn-cs"/>
+      </a:defRPr>
+    </a:lvl8pPr>
+    <a:lvl9pPr marL="3657600" algn="l" defTabSz="914400" rtl="0" eaLnBrk="1" latinLnBrk="0" hangingPunct="1">
+      <a:defRPr sz="1200" kern="1200">
+        <a:solidFill>
+          <a:schemeClr val="tx1"/>
+        </a:solidFill>
+        <a:latin typeface="+mn-lt"/>
+        <a:ea typeface="+mn-ea"/>
+        <a:cs typeface="+mn-cs"/>
+      </a:defRPr>
+    </a:lvl9pPr>
+  </p:notesStyle>
+</p:notesMaster>
+</file>
+
+<file path=ppt/notesSlides/notesSlide1.xml><?xml version="1.0" encoding="utf-8"?>
+<p:notes xmlns:a="http://schemas.openxmlformats.org/drawingml/2006/main" xmlns:r="http://schemas.openxmlformats.org/officeDocument/2006/relationships" xmlns:p="http://schemas.openxmlformats.org/presentationml/2006/main">
+  <p:cSld>
+    <p:spTree>
+      <p:nvGrpSpPr>
+        <p:cNvPr id="1" name=""/>
+        <p:cNvGrpSpPr/>
+        <p:nvPr/>
+      </p:nvGrpSpPr>
+      <p:grpSpPr>
+        <a:xfrm>
+          <a:off x="0" y="0"/>
+          <a:ext cx="0" cy="0"/>
+          <a:chOff x="0" y="0"/>
+          <a:chExt cx="0" cy="0"/>
+        </a:xfrm>
+      </p:grpSpPr>
+      <p:sp>
+        <p:nvSpPr>
+          <p:cNvPr id="2" name="Slide Image Placeholder 1"/>
+          <p:cNvSpPr>
+            <a:spLocks noGrp="1" noRot="1" noChangeAspect="1"/>
+          </p:cNvSpPr>
+          <p:nvPr>
+            <p:ph type="sldImg"/>
+          </p:nvPr>
+        </p:nvSpPr>
+        <p:spPr/>
+      </p:sp>
+      <p:sp>
+        <p:nvSpPr>
+          <p:cNvPr id="3" name="Notes Placeholder 2"/>
+          <p:cNvSpPr>
+            <a:spLocks noGrp="1"/>
+          </p:cNvSpPr>
+          <p:nvPr>
+            <p:ph type="body" idx="1"/>
+          </p:nvPr>
+        </p:nvSpPr>
+        <p:spPr/>
+        <p:txBody>
+          <a:bodyPr/>
+          <a:lstStyle/>
+          <a:p>
+            <a:r>
+              <a:rPr lang="en-US" dirty="0" err="1" smtClean="0"/>
+              <a:t>Efisien</a:t>
+            </a:r>
+            <a:r>
+              <a:rPr lang="en-US" dirty="0" smtClean="0"/>
+              <a:t> -&gt;</a:t>
+            </a:r>
+            <a:r>
+              <a:rPr lang="en-US" baseline="0" dirty="0" smtClean="0"/>
+              <a:t> </a:t>
+            </a:r>
+            <a:r>
+              <a:rPr lang="en-US" baseline="0" dirty="0" err="1" smtClean="0"/>
+              <a:t>waktu</a:t>
+            </a:r>
+            <a:r>
+              <a:rPr lang="en-US" baseline="0" dirty="0" smtClean="0"/>
+              <a:t> </a:t>
+            </a:r>
+          </a:p>
+          <a:p>
+            <a:r>
+              <a:rPr lang="en-US" baseline="0" dirty="0" err="1" smtClean="0"/>
+              <a:t>Pemodelan</a:t>
+            </a:r>
+            <a:r>
+              <a:rPr lang="en-US" baseline="0" dirty="0" smtClean="0"/>
+              <a:t> yang </a:t>
+            </a:r>
+            <a:r>
+              <a:rPr lang="en-US" baseline="0" dirty="0" err="1" smtClean="0"/>
+              <a:t>digambarkan</a:t>
+            </a:r>
+            <a:r>
+              <a:rPr lang="en-US" baseline="0" dirty="0" smtClean="0"/>
+              <a:t> </a:t>
+            </a:r>
+            <a:r>
+              <a:rPr lang="en-US" baseline="0" dirty="0" err="1" smtClean="0"/>
+              <a:t>sebagai</a:t>
+            </a:r>
+            <a:r>
+              <a:rPr lang="en-US" baseline="0" dirty="0" smtClean="0"/>
+              <a:t> </a:t>
+            </a:r>
+            <a:r>
+              <a:rPr lang="en-US" baseline="0" dirty="0" err="1" smtClean="0"/>
+              <a:t>aliran</a:t>
+            </a:r>
+            <a:r>
+              <a:rPr lang="en-US" baseline="0" dirty="0" smtClean="0"/>
+              <a:t> data </a:t>
+            </a:r>
+            <a:r>
+              <a:rPr lang="en-US" baseline="0" dirty="0" err="1" smtClean="0"/>
+              <a:t>maupun</a:t>
+            </a:r>
+            <a:r>
+              <a:rPr lang="en-US" baseline="0" dirty="0" smtClean="0"/>
+              <a:t> </a:t>
+            </a:r>
+            <a:r>
+              <a:rPr lang="en-US" baseline="0" dirty="0" err="1" smtClean="0"/>
+              <a:t>pekerjaan</a:t>
+            </a:r>
+            <a:endParaRPr lang="en-US" baseline="0" dirty="0" smtClean="0"/>
+          </a:p>
+          <a:p>
+            <a:endParaRPr lang="en-US" dirty="0"/>
+          </a:p>
+        </p:txBody>
+      </p:sp>
+      <p:sp>
+        <p:nvSpPr>
+          <p:cNvPr id="4" name="Slide Number Placeholder 3"/>
+          <p:cNvSpPr>
+            <a:spLocks noGrp="1"/>
+          </p:cNvSpPr>
+          <p:nvPr>
+            <p:ph type="sldNum" sz="quarter" idx="10"/>
+          </p:nvPr>
+        </p:nvSpPr>
+        <p:spPr/>
+        <p:txBody>
+          <a:bodyPr/>
+          <a:lstStyle/>
+          <a:p>
+            <a:fld id="{59700E2D-599E-4FDC-8A15-369AA87525D7}" type="slidenum">
+              <a:rPr lang="en-US" smtClean="0"/>
+              <a:t>2</a:t>
+            </a:fld>
+            <a:endParaRPr lang="en-US"/>
+          </a:p>
+        </p:txBody>
+      </p:sp>
+    </p:spTree>
+    <p:extLst>
+      <p:ext uri="{BB962C8B-B14F-4D97-AF65-F5344CB8AC3E}">
+        <p14:creationId xmlns:p14="http://schemas.microsoft.com/office/powerpoint/2010/main" val="908855777"/>
+      </p:ext>
+    </p:extLst>
+  </p:cSld>
+  <p:clrMapOvr>
+    <a:masterClrMapping/>
+  </p:clrMapOvr>
+</p:notes>
+</file>
+
+<file path=ppt/notesSlides/notesSlide10.xml><?xml version="1.0" encoding="utf-8"?>
+<p:notes xmlns:a="http://schemas.openxmlformats.org/drawingml/2006/main" xmlns:r="http://schemas.openxmlformats.org/officeDocument/2006/relationships" xmlns:p="http://schemas.openxmlformats.org/presentationml/2006/main">
+  <p:cSld>
+    <p:spTree>
+      <p:nvGrpSpPr>
+        <p:cNvPr id="1" name=""/>
+        <p:cNvGrpSpPr/>
+        <p:nvPr/>
+      </p:nvGrpSpPr>
+      <p:grpSpPr>
+        <a:xfrm>
+          <a:off x="0" y="0"/>
+          <a:ext cx="0" cy="0"/>
+          <a:chOff x="0" y="0"/>
+          <a:chExt cx="0" cy="0"/>
+        </a:xfrm>
+      </p:grpSpPr>
+      <p:sp>
+        <p:nvSpPr>
+          <p:cNvPr id="2" name="Slide Image Placeholder 1"/>
+          <p:cNvSpPr>
+            <a:spLocks noGrp="1" noRot="1" noChangeAspect="1"/>
+          </p:cNvSpPr>
+          <p:nvPr>
+            <p:ph type="sldImg"/>
+          </p:nvPr>
+        </p:nvSpPr>
+        <p:spPr/>
+      </p:sp>
+      <p:sp>
+        <p:nvSpPr>
+          <p:cNvPr id="3" name="Notes Placeholder 2"/>
+          <p:cNvSpPr>
+            <a:spLocks noGrp="1"/>
+          </p:cNvSpPr>
+          <p:nvPr>
+            <p:ph type="body" idx="1"/>
+          </p:nvPr>
+        </p:nvSpPr>
+        <p:spPr/>
+        <p:txBody>
+          <a:bodyPr/>
+          <a:lstStyle/>
+          <a:p>
+            <a:r>
+              <a:rPr lang="en-US" dirty="0" err="1" smtClean="0"/>
+              <a:t>Melihat</a:t>
+            </a:r>
+            <a:r>
+              <a:rPr lang="en-US" dirty="0" smtClean="0"/>
+              <a:t> </a:t>
+            </a:r>
+            <a:r>
+              <a:rPr lang="en-US" dirty="0" err="1" smtClean="0"/>
+              <a:t>apakah</a:t>
+            </a:r>
+            <a:r>
+              <a:rPr lang="en-US" dirty="0" smtClean="0"/>
+              <a:t> </a:t>
+            </a:r>
+            <a:r>
+              <a:rPr lang="en-US" dirty="0" err="1" smtClean="0"/>
+              <a:t>ada</a:t>
+            </a:r>
+            <a:r>
+              <a:rPr lang="en-US" dirty="0" smtClean="0"/>
+              <a:t> candidate</a:t>
+            </a:r>
+            <a:r>
+              <a:rPr lang="en-US" baseline="0" dirty="0" smtClean="0"/>
+              <a:t> / </a:t>
+            </a:r>
+            <a:r>
+              <a:rPr lang="en-US" baseline="0" dirty="0" err="1" smtClean="0"/>
+              <a:t>tidak</a:t>
+            </a:r>
+            <a:endParaRPr lang="en-US" dirty="0"/>
+          </a:p>
+        </p:txBody>
+      </p:sp>
+      <p:sp>
+        <p:nvSpPr>
+          <p:cNvPr id="4" name="Slide Number Placeholder 3"/>
+          <p:cNvSpPr>
+            <a:spLocks noGrp="1"/>
+          </p:cNvSpPr>
+          <p:nvPr>
+            <p:ph type="sldNum" sz="quarter" idx="10"/>
+          </p:nvPr>
+        </p:nvSpPr>
+        <p:spPr/>
+        <p:txBody>
+          <a:bodyPr/>
+          <a:lstStyle/>
+          <a:p>
+            <a:fld id="{59700E2D-599E-4FDC-8A15-369AA87525D7}" type="slidenum">
+              <a:rPr lang="en-US" smtClean="0"/>
+              <a:t>18</a:t>
+            </a:fld>
+            <a:endParaRPr lang="en-US"/>
+          </a:p>
+        </p:txBody>
+      </p:sp>
+    </p:spTree>
+    <p:extLst>
+      <p:ext uri="{BB962C8B-B14F-4D97-AF65-F5344CB8AC3E}">
+        <p14:creationId xmlns:p14="http://schemas.microsoft.com/office/powerpoint/2010/main" val="145115938"/>
+      </p:ext>
+    </p:extLst>
+  </p:cSld>
+  <p:clrMapOvr>
+    <a:masterClrMapping/>
+  </p:clrMapOvr>
+</p:notes>
+</file>
+
+<file path=ppt/notesSlides/notesSlide11.xml><?xml version="1.0" encoding="utf-8"?>
+<p:notes xmlns:a="http://schemas.openxmlformats.org/drawingml/2006/main" xmlns:r="http://schemas.openxmlformats.org/officeDocument/2006/relationships" xmlns:p="http://schemas.openxmlformats.org/presentationml/2006/main">
+  <p:cSld>
+    <p:spTree>
+      <p:nvGrpSpPr>
+        <p:cNvPr id="1" name=""/>
+        <p:cNvGrpSpPr/>
+        <p:nvPr/>
+      </p:nvGrpSpPr>
+      <p:grpSpPr>
+        <a:xfrm>
+          <a:off x="0" y="0"/>
+          <a:ext cx="0" cy="0"/>
+          <a:chOff x="0" y="0"/>
+          <a:chExt cx="0" cy="0"/>
+        </a:xfrm>
+      </p:grpSpPr>
+      <p:sp>
+        <p:nvSpPr>
+          <p:cNvPr id="2" name="Slide Image Placeholder 1"/>
+          <p:cNvSpPr>
+            <a:spLocks noGrp="1" noRot="1" noChangeAspect="1"/>
+          </p:cNvSpPr>
+          <p:nvPr>
+            <p:ph type="sldImg"/>
+          </p:nvPr>
+        </p:nvSpPr>
+        <p:spPr/>
+      </p:sp>
+      <p:sp>
+        <p:nvSpPr>
+          <p:cNvPr id="3" name="Notes Placeholder 2"/>
+          <p:cNvSpPr>
+            <a:spLocks noGrp="1"/>
+          </p:cNvSpPr>
+          <p:nvPr>
+            <p:ph type="body" idx="1"/>
+          </p:nvPr>
+        </p:nvSpPr>
+        <p:spPr/>
+        <p:txBody>
+          <a:bodyPr/>
+          <a:lstStyle/>
+          <a:p>
+            <a:r>
+              <a:rPr lang="en-US" dirty="0" err="1" smtClean="0"/>
+              <a:t>Mengisi</a:t>
+            </a:r>
+            <a:r>
+              <a:rPr lang="en-US" dirty="0" smtClean="0"/>
+              <a:t> email</a:t>
+            </a:r>
+            <a:endParaRPr lang="en-US" dirty="0"/>
+          </a:p>
+        </p:txBody>
+      </p:sp>
+      <p:sp>
+        <p:nvSpPr>
+          <p:cNvPr id="4" name="Slide Number Placeholder 3"/>
+          <p:cNvSpPr>
+            <a:spLocks noGrp="1"/>
+          </p:cNvSpPr>
+          <p:nvPr>
+            <p:ph type="sldNum" sz="quarter" idx="10"/>
+          </p:nvPr>
+        </p:nvSpPr>
+        <p:spPr/>
+        <p:txBody>
+          <a:bodyPr/>
+          <a:lstStyle/>
+          <a:p>
+            <a:fld id="{59700E2D-599E-4FDC-8A15-369AA87525D7}" type="slidenum">
+              <a:rPr lang="en-US" smtClean="0"/>
+              <a:t>21</a:t>
+            </a:fld>
+            <a:endParaRPr lang="en-US"/>
+          </a:p>
+        </p:txBody>
+      </p:sp>
+    </p:spTree>
+    <p:extLst>
+      <p:ext uri="{BB962C8B-B14F-4D97-AF65-F5344CB8AC3E}">
+        <p14:creationId xmlns:p14="http://schemas.microsoft.com/office/powerpoint/2010/main" val="1541379415"/>
+      </p:ext>
+    </p:extLst>
+  </p:cSld>
+  <p:clrMapOvr>
+    <a:masterClrMapping/>
+  </p:clrMapOvr>
+</p:notes>
+</file>
+
+<file path=ppt/notesSlides/notesSlide12.xml><?xml version="1.0" encoding="utf-8"?>
+<p:notes xmlns:a="http://schemas.openxmlformats.org/drawingml/2006/main" xmlns:r="http://schemas.openxmlformats.org/officeDocument/2006/relationships" xmlns:p="http://schemas.openxmlformats.org/presentationml/2006/main">
+  <p:cSld>
+    <p:spTree>
+      <p:nvGrpSpPr>
+        <p:cNvPr id="1" name=""/>
+        <p:cNvGrpSpPr/>
+        <p:nvPr/>
+      </p:nvGrpSpPr>
+      <p:grpSpPr>
+        <a:xfrm>
+          <a:off x="0" y="0"/>
+          <a:ext cx="0" cy="0"/>
+          <a:chOff x="0" y="0"/>
+          <a:chExt cx="0" cy="0"/>
+        </a:xfrm>
+      </p:grpSpPr>
+      <p:sp>
+        <p:nvSpPr>
+          <p:cNvPr id="2" name="Slide Image Placeholder 1"/>
+          <p:cNvSpPr>
+            <a:spLocks noGrp="1" noRot="1" noChangeAspect="1"/>
+          </p:cNvSpPr>
+          <p:nvPr>
+            <p:ph type="sldImg"/>
+          </p:nvPr>
+        </p:nvSpPr>
+        <p:spPr/>
+      </p:sp>
+      <p:sp>
+        <p:nvSpPr>
+          <p:cNvPr id="3" name="Notes Placeholder 2"/>
+          <p:cNvSpPr>
+            <a:spLocks noGrp="1"/>
+          </p:cNvSpPr>
+          <p:nvPr>
+            <p:ph type="body" idx="1"/>
+          </p:nvPr>
+        </p:nvSpPr>
+        <p:spPr/>
+        <p:txBody>
+          <a:bodyPr/>
+          <a:lstStyle/>
+          <a:p>
+            <a:endParaRPr lang="en-US" dirty="0"/>
+          </a:p>
+        </p:txBody>
+      </p:sp>
+      <p:sp>
+        <p:nvSpPr>
+          <p:cNvPr id="4" name="Slide Number Placeholder 3"/>
+          <p:cNvSpPr>
+            <a:spLocks noGrp="1"/>
+          </p:cNvSpPr>
+          <p:nvPr>
+            <p:ph type="sldNum" sz="quarter" idx="10"/>
+          </p:nvPr>
+        </p:nvSpPr>
+        <p:spPr/>
+        <p:txBody>
+          <a:bodyPr/>
+          <a:lstStyle/>
+          <a:p>
+            <a:fld id="{59700E2D-599E-4FDC-8A15-369AA87525D7}" type="slidenum">
+              <a:rPr lang="en-US" smtClean="0"/>
+              <a:t>25</a:t>
+            </a:fld>
+            <a:endParaRPr lang="en-US"/>
+          </a:p>
+        </p:txBody>
+      </p:sp>
+    </p:spTree>
+    <p:extLst>
+      <p:ext uri="{BB962C8B-B14F-4D97-AF65-F5344CB8AC3E}">
+        <p14:creationId xmlns:p14="http://schemas.microsoft.com/office/powerpoint/2010/main" val="961439852"/>
+      </p:ext>
+    </p:extLst>
+  </p:cSld>
+  <p:clrMapOvr>
+    <a:masterClrMapping/>
+  </p:clrMapOvr>
+</p:notes>
+</file>
+
+<file path=ppt/notesSlides/notesSlide13.xml><?xml version="1.0" encoding="utf-8"?>
+<p:notes xmlns:a="http://schemas.openxmlformats.org/drawingml/2006/main" xmlns:r="http://schemas.openxmlformats.org/officeDocument/2006/relationships" xmlns:p="http://schemas.openxmlformats.org/presentationml/2006/main">
+  <p:cSld>
+    <p:spTree>
+      <p:nvGrpSpPr>
+        <p:cNvPr id="1" name=""/>
+        <p:cNvGrpSpPr/>
+        <p:nvPr/>
+      </p:nvGrpSpPr>
+      <p:grpSpPr>
+        <a:xfrm>
+          <a:off x="0" y="0"/>
+          <a:ext cx="0" cy="0"/>
+          <a:chOff x="0" y="0"/>
+          <a:chExt cx="0" cy="0"/>
+        </a:xfrm>
+      </p:grpSpPr>
+      <p:sp>
+        <p:nvSpPr>
+          <p:cNvPr id="2" name="Slide Image Placeholder 1"/>
+          <p:cNvSpPr>
+            <a:spLocks noGrp="1" noRot="1" noChangeAspect="1"/>
+          </p:cNvSpPr>
+          <p:nvPr>
+            <p:ph type="sldImg"/>
+          </p:nvPr>
+        </p:nvSpPr>
+        <p:spPr/>
+      </p:sp>
+      <p:sp>
+        <p:nvSpPr>
+          <p:cNvPr id="3" name="Notes Placeholder 2"/>
+          <p:cNvSpPr>
+            <a:spLocks noGrp="1"/>
+          </p:cNvSpPr>
+          <p:nvPr>
+            <p:ph type="body" idx="1"/>
+          </p:nvPr>
+        </p:nvSpPr>
+        <p:spPr/>
+        <p:txBody>
+          <a:bodyPr/>
+          <a:lstStyle/>
+          <a:p>
+            <a:r>
+              <a:rPr lang="en-US" dirty="0" err="1" smtClean="0"/>
+              <a:t>Efisiensi</a:t>
+            </a:r>
+            <a:r>
+              <a:rPr lang="en-US" dirty="0" smtClean="0"/>
+              <a:t> </a:t>
+            </a:r>
+            <a:r>
+              <a:rPr lang="en-US" dirty="0" err="1" smtClean="0"/>
+              <a:t>Waktu</a:t>
+            </a:r>
+            <a:endParaRPr lang="en-US" dirty="0" smtClean="0"/>
+          </a:p>
+          <a:p>
+            <a:r>
+              <a:rPr lang="en-US" dirty="0" err="1" smtClean="0"/>
+              <a:t>Efektifitas</a:t>
+            </a:r>
+            <a:r>
+              <a:rPr lang="en-US" dirty="0" smtClean="0"/>
+              <a:t> </a:t>
+            </a:r>
+            <a:r>
+              <a:rPr lang="en-US" dirty="0" err="1" smtClean="0"/>
+              <a:t>Potensi</a:t>
+            </a:r>
+            <a:r>
+              <a:rPr lang="en-US" dirty="0" smtClean="0"/>
+              <a:t> Task</a:t>
+            </a:r>
+            <a:r>
+              <a:rPr lang="en-US" baseline="0" dirty="0" smtClean="0"/>
+              <a:t> </a:t>
+            </a:r>
+            <a:r>
+              <a:rPr lang="en-US" baseline="0" dirty="0" err="1" smtClean="0"/>
+              <a:t>dapat</a:t>
+            </a:r>
+            <a:r>
+              <a:rPr lang="en-US" baseline="0" dirty="0" smtClean="0"/>
+              <a:t> </a:t>
+            </a:r>
+            <a:r>
+              <a:rPr lang="en-US" baseline="0" dirty="0" err="1" smtClean="0"/>
+              <a:t>selesai</a:t>
+            </a:r>
+            <a:r>
+              <a:rPr lang="en-US" baseline="0" dirty="0" smtClean="0"/>
+              <a:t> </a:t>
+            </a:r>
+            <a:r>
+              <a:rPr lang="en-US" baseline="0" dirty="0" err="1" smtClean="0"/>
+              <a:t>lebih</a:t>
+            </a:r>
+            <a:r>
+              <a:rPr lang="en-US" baseline="0" dirty="0" smtClean="0"/>
+              <a:t> </a:t>
+            </a:r>
+            <a:r>
+              <a:rPr lang="en-US" baseline="0" dirty="0" err="1" smtClean="0"/>
+              <a:t>besar</a:t>
+            </a:r>
+            <a:endParaRPr lang="en-US" dirty="0"/>
+          </a:p>
+        </p:txBody>
+      </p:sp>
+      <p:sp>
+        <p:nvSpPr>
+          <p:cNvPr id="4" name="Slide Number Placeholder 3"/>
+          <p:cNvSpPr>
+            <a:spLocks noGrp="1"/>
+          </p:cNvSpPr>
+          <p:nvPr>
+            <p:ph type="sldNum" sz="quarter" idx="10"/>
+          </p:nvPr>
+        </p:nvSpPr>
+        <p:spPr/>
+        <p:txBody>
+          <a:bodyPr/>
+          <a:lstStyle/>
+          <a:p>
+            <a:fld id="{59700E2D-599E-4FDC-8A15-369AA87525D7}" type="slidenum">
+              <a:rPr lang="en-US" smtClean="0"/>
+              <a:t>27</a:t>
+            </a:fld>
+            <a:endParaRPr lang="en-US"/>
+          </a:p>
+        </p:txBody>
+      </p:sp>
+    </p:spTree>
+    <p:extLst>
+      <p:ext uri="{BB962C8B-B14F-4D97-AF65-F5344CB8AC3E}">
+        <p14:creationId xmlns:p14="http://schemas.microsoft.com/office/powerpoint/2010/main" val="3758033735"/>
+      </p:ext>
+    </p:extLst>
+  </p:cSld>
+  <p:clrMapOvr>
+    <a:masterClrMapping/>
+  </p:clrMapOvr>
+</p:notes>
+</file>
+
+<file path=ppt/notesSlides/notesSlide2.xml><?xml version="1.0" encoding="utf-8"?>
+<p:notes xmlns:a="http://schemas.openxmlformats.org/drawingml/2006/main" xmlns:r="http://schemas.openxmlformats.org/officeDocument/2006/relationships" xmlns:p="http://schemas.openxmlformats.org/presentationml/2006/main">
+  <p:cSld>
+    <p:spTree>
+      <p:nvGrpSpPr>
+        <p:cNvPr id="1" name=""/>
+        <p:cNvGrpSpPr/>
+        <p:nvPr/>
+      </p:nvGrpSpPr>
+      <p:grpSpPr>
+        <a:xfrm>
+          <a:off x="0" y="0"/>
+          <a:ext cx="0" cy="0"/>
+          <a:chOff x="0" y="0"/>
+          <a:chExt cx="0" cy="0"/>
+        </a:xfrm>
+      </p:grpSpPr>
+      <p:sp>
+        <p:nvSpPr>
+          <p:cNvPr id="2" name="Slide Image Placeholder 1"/>
+          <p:cNvSpPr>
+            <a:spLocks noGrp="1" noRot="1" noChangeAspect="1"/>
+          </p:cNvSpPr>
+          <p:nvPr>
+            <p:ph type="sldImg"/>
+          </p:nvPr>
+        </p:nvSpPr>
+        <p:spPr/>
+      </p:sp>
+      <p:sp>
+        <p:nvSpPr>
+          <p:cNvPr id="3" name="Notes Placeholder 2"/>
+          <p:cNvSpPr>
+            <a:spLocks noGrp="1"/>
+          </p:cNvSpPr>
+          <p:nvPr>
+            <p:ph type="body" idx="1"/>
+          </p:nvPr>
+        </p:nvSpPr>
+        <p:spPr/>
+        <p:txBody>
+          <a:bodyPr/>
+          <a:lstStyle/>
+          <a:p>
+            <a:r>
+              <a:rPr lang="en-US" dirty="0" err="1" smtClean="0"/>
+              <a:t>Propagasi</a:t>
+            </a:r>
+            <a:r>
+              <a:rPr lang="en-US" dirty="0" smtClean="0"/>
+              <a:t> : </a:t>
+            </a:r>
+            <a:r>
+              <a:rPr lang="en-US" dirty="0" err="1" smtClean="0"/>
+              <a:t>penyebaran</a:t>
+            </a:r>
+            <a:r>
+              <a:rPr lang="en-US" dirty="0" smtClean="0"/>
+              <a:t> task </a:t>
+            </a:r>
+            <a:endParaRPr lang="en-US" dirty="0"/>
+          </a:p>
+        </p:txBody>
+      </p:sp>
+      <p:sp>
+        <p:nvSpPr>
+          <p:cNvPr id="4" name="Slide Number Placeholder 3"/>
+          <p:cNvSpPr>
+            <a:spLocks noGrp="1"/>
+          </p:cNvSpPr>
+          <p:nvPr>
+            <p:ph type="sldNum" sz="quarter" idx="10"/>
+          </p:nvPr>
+        </p:nvSpPr>
+        <p:spPr/>
+        <p:txBody>
+          <a:bodyPr/>
+          <a:lstStyle/>
+          <a:p>
+            <a:fld id="{59700E2D-599E-4FDC-8A15-369AA87525D7}" type="slidenum">
+              <a:rPr lang="en-US" smtClean="0"/>
+              <a:t>3</a:t>
+            </a:fld>
+            <a:endParaRPr lang="en-US"/>
+          </a:p>
+        </p:txBody>
+      </p:sp>
+    </p:spTree>
+    <p:extLst>
+      <p:ext uri="{BB962C8B-B14F-4D97-AF65-F5344CB8AC3E}">
+        <p14:creationId xmlns:p14="http://schemas.microsoft.com/office/powerpoint/2010/main" val="2223086256"/>
+      </p:ext>
+    </p:extLst>
+  </p:cSld>
+  <p:clrMapOvr>
+    <a:masterClrMapping/>
+  </p:clrMapOvr>
+</p:notes>
+</file>
+
+<file path=ppt/notesSlides/notesSlide3.xml><?xml version="1.0" encoding="utf-8"?>
+<p:notes xmlns:a="http://schemas.openxmlformats.org/drawingml/2006/main" xmlns:r="http://schemas.openxmlformats.org/officeDocument/2006/relationships" xmlns:p="http://schemas.openxmlformats.org/presentationml/2006/main">
+  <p:cSld>
+    <p:spTree>
+      <p:nvGrpSpPr>
+        <p:cNvPr id="1" name=""/>
+        <p:cNvGrpSpPr/>
+        <p:nvPr/>
+      </p:nvGrpSpPr>
+      <p:grpSpPr>
+        <a:xfrm>
+          <a:off x="0" y="0"/>
+          <a:ext cx="0" cy="0"/>
+          <a:chOff x="0" y="0"/>
+          <a:chExt cx="0" cy="0"/>
+        </a:xfrm>
+      </p:grpSpPr>
+      <p:sp>
+        <p:nvSpPr>
+          <p:cNvPr id="2" name="Slide Image Placeholder 1"/>
+          <p:cNvSpPr>
+            <a:spLocks noGrp="1" noRot="1" noChangeAspect="1"/>
+          </p:cNvSpPr>
+          <p:nvPr>
+            <p:ph type="sldImg"/>
+          </p:nvPr>
+        </p:nvSpPr>
+        <p:spPr/>
+      </p:sp>
+      <p:sp>
+        <p:nvSpPr>
+          <p:cNvPr id="3" name="Notes Placeholder 2"/>
+          <p:cNvSpPr>
+            <a:spLocks noGrp="1"/>
+          </p:cNvSpPr>
+          <p:nvPr>
+            <p:ph type="body" idx="1"/>
+          </p:nvPr>
+        </p:nvSpPr>
+        <p:spPr/>
+        <p:txBody>
+          <a:bodyPr/>
+          <a:lstStyle/>
+          <a:p>
+            <a:r>
+              <a:rPr lang="en-US" dirty="0" smtClean="0"/>
+              <a:t>Object : data,</a:t>
+            </a:r>
+            <a:r>
+              <a:rPr lang="en-US" baseline="0" dirty="0" smtClean="0"/>
+              <a:t> </a:t>
+            </a:r>
+            <a:r>
+              <a:rPr lang="en-US" baseline="0" dirty="0" err="1" smtClean="0"/>
+              <a:t>dokumen</a:t>
+            </a:r>
+            <a:r>
+              <a:rPr lang="en-US" baseline="0" dirty="0" smtClean="0"/>
+              <a:t>, </a:t>
+            </a:r>
+            <a:r>
+              <a:rPr lang="en-US" baseline="0" dirty="0" err="1" smtClean="0"/>
+              <a:t>bahan</a:t>
+            </a:r>
+            <a:r>
+              <a:rPr lang="en-US" baseline="0" dirty="0" smtClean="0"/>
+              <a:t> </a:t>
+            </a:r>
+            <a:r>
+              <a:rPr lang="en-US" baseline="0" dirty="0" err="1" smtClean="0"/>
+              <a:t>baku</a:t>
+            </a:r>
+            <a:r>
+              <a:rPr lang="en-US" baseline="0" dirty="0" smtClean="0"/>
+              <a:t>, </a:t>
+            </a:r>
+            <a:r>
+              <a:rPr lang="en-US" baseline="0" dirty="0" err="1" smtClean="0"/>
+              <a:t>dll</a:t>
+            </a:r>
+            <a:endParaRPr lang="en-US" baseline="0" dirty="0" smtClean="0"/>
+          </a:p>
+          <a:p>
+            <a:r>
+              <a:rPr lang="en-US" baseline="0" dirty="0" smtClean="0"/>
+              <a:t>Event : </a:t>
+            </a:r>
+            <a:r>
+              <a:rPr lang="en-US" baseline="0" dirty="0" err="1" smtClean="0"/>
+              <a:t>kejadian</a:t>
+            </a:r>
+            <a:endParaRPr lang="en-US" baseline="0" dirty="0" smtClean="0"/>
+          </a:p>
+          <a:p>
+            <a:r>
+              <a:rPr lang="en-US" baseline="0" dirty="0" smtClean="0"/>
+              <a:t>Activity : </a:t>
+            </a:r>
+            <a:r>
+              <a:rPr lang="en-US" baseline="0" dirty="0" err="1" smtClean="0"/>
+              <a:t>pekerjaan</a:t>
+            </a:r>
+            <a:endParaRPr lang="en-US" baseline="0" dirty="0" smtClean="0"/>
+          </a:p>
+          <a:p>
+            <a:r>
+              <a:rPr lang="en-US" baseline="0" dirty="0" smtClean="0"/>
+              <a:t>Decision point : </a:t>
+            </a:r>
+            <a:r>
+              <a:rPr lang="en-US" baseline="0" dirty="0" err="1" smtClean="0"/>
+              <a:t>keputusan</a:t>
+            </a:r>
+            <a:r>
+              <a:rPr lang="en-US" baseline="0" dirty="0" smtClean="0"/>
+              <a:t> yang </a:t>
+            </a:r>
+            <a:r>
+              <a:rPr lang="en-US" baseline="0" dirty="0" err="1" smtClean="0"/>
+              <a:t>mempengaruhi</a:t>
+            </a:r>
+            <a:r>
+              <a:rPr lang="en-US" baseline="0" dirty="0" smtClean="0"/>
+              <a:t> proses </a:t>
+            </a:r>
+            <a:r>
+              <a:rPr lang="en-US" baseline="0" dirty="0" err="1" smtClean="0"/>
+              <a:t>selanjutnya</a:t>
+            </a:r>
+            <a:endParaRPr lang="en-US" baseline="0" dirty="0" smtClean="0"/>
+          </a:p>
+          <a:p>
+            <a:r>
+              <a:rPr lang="en-US" baseline="0" dirty="0" smtClean="0"/>
+              <a:t>Actor : </a:t>
+            </a:r>
+            <a:r>
+              <a:rPr lang="en-US" baseline="0" dirty="0" err="1" smtClean="0"/>
+              <a:t>ind</a:t>
+            </a:r>
+            <a:r>
+              <a:rPr lang="en-US" baseline="0" dirty="0" smtClean="0"/>
+              <a:t>, org, system</a:t>
+            </a:r>
+          </a:p>
+          <a:p>
+            <a:endParaRPr lang="en-US" dirty="0"/>
+          </a:p>
+        </p:txBody>
+      </p:sp>
+      <p:sp>
+        <p:nvSpPr>
+          <p:cNvPr id="4" name="Slide Number Placeholder 3"/>
+          <p:cNvSpPr>
+            <a:spLocks noGrp="1"/>
+          </p:cNvSpPr>
+          <p:nvPr>
+            <p:ph type="sldNum" sz="quarter" idx="10"/>
+          </p:nvPr>
+        </p:nvSpPr>
+        <p:spPr/>
+        <p:txBody>
+          <a:bodyPr/>
+          <a:lstStyle/>
+          <a:p>
+            <a:fld id="{59700E2D-599E-4FDC-8A15-369AA87525D7}" type="slidenum">
+              <a:rPr lang="en-US" smtClean="0"/>
+              <a:t>4</a:t>
+            </a:fld>
+            <a:endParaRPr lang="en-US"/>
+          </a:p>
+        </p:txBody>
+      </p:sp>
+    </p:spTree>
+    <p:extLst>
+      <p:ext uri="{BB962C8B-B14F-4D97-AF65-F5344CB8AC3E}">
+        <p14:creationId xmlns:p14="http://schemas.microsoft.com/office/powerpoint/2010/main" val="1357473188"/>
+      </p:ext>
+    </p:extLst>
+  </p:cSld>
+  <p:clrMapOvr>
+    <a:masterClrMapping/>
+  </p:clrMapOvr>
+</p:notes>
+</file>
+
+<file path=ppt/notesSlides/notesSlide4.xml><?xml version="1.0" encoding="utf-8"?>
+<p:notes xmlns:a="http://schemas.openxmlformats.org/drawingml/2006/main" xmlns:r="http://schemas.openxmlformats.org/officeDocument/2006/relationships" xmlns:p="http://schemas.openxmlformats.org/presentationml/2006/main">
+  <p:cSld>
+    <p:spTree>
+      <p:nvGrpSpPr>
+        <p:cNvPr id="1" name=""/>
+        <p:cNvGrpSpPr/>
+        <p:nvPr/>
+      </p:nvGrpSpPr>
+      <p:grpSpPr>
+        <a:xfrm>
+          <a:off x="0" y="0"/>
+          <a:ext cx="0" cy="0"/>
+          <a:chOff x="0" y="0"/>
+          <a:chExt cx="0" cy="0"/>
+        </a:xfrm>
+      </p:grpSpPr>
+      <p:sp>
+        <p:nvSpPr>
+          <p:cNvPr id="2" name="Slide Image Placeholder 1"/>
+          <p:cNvSpPr>
+            <a:spLocks noGrp="1" noRot="1" noChangeAspect="1"/>
+          </p:cNvSpPr>
+          <p:nvPr>
+            <p:ph type="sldImg"/>
+          </p:nvPr>
+        </p:nvSpPr>
+        <p:spPr/>
+      </p:sp>
+      <p:sp>
+        <p:nvSpPr>
+          <p:cNvPr id="3" name="Notes Placeholder 2"/>
+          <p:cNvSpPr>
+            <a:spLocks noGrp="1"/>
+          </p:cNvSpPr>
+          <p:nvPr>
+            <p:ph type="body" idx="1"/>
+          </p:nvPr>
+        </p:nvSpPr>
+        <p:spPr/>
+        <p:txBody>
+          <a:bodyPr/>
+          <a:lstStyle/>
+          <a:p>
+            <a:r>
+              <a:rPr lang="en-US" dirty="0" smtClean="0"/>
+              <a:t>Exclusive </a:t>
+            </a:r>
+            <a:r>
+              <a:rPr lang="en-US" dirty="0" err="1" smtClean="0"/>
+              <a:t>pilih</a:t>
+            </a:r>
+            <a:r>
+              <a:rPr lang="en-US" dirty="0" smtClean="0"/>
+              <a:t> </a:t>
+            </a:r>
+            <a:r>
+              <a:rPr lang="en-US" dirty="0" err="1" smtClean="0"/>
+              <a:t>salah</a:t>
+            </a:r>
+            <a:r>
+              <a:rPr lang="en-US" dirty="0" smtClean="0"/>
+              <a:t> </a:t>
+            </a:r>
+            <a:r>
+              <a:rPr lang="en-US" dirty="0" err="1" smtClean="0"/>
+              <a:t>satu</a:t>
+            </a:r>
+            <a:r>
+              <a:rPr lang="en-US" dirty="0" smtClean="0"/>
+              <a:t> </a:t>
+            </a:r>
+            <a:r>
+              <a:rPr lang="en-US" dirty="0" err="1" smtClean="0"/>
+              <a:t>cabang</a:t>
+            </a:r>
+            <a:endParaRPr lang="en-US" dirty="0" smtClean="0"/>
+          </a:p>
+          <a:p>
+            <a:r>
+              <a:rPr lang="en-US" dirty="0" smtClean="0"/>
+              <a:t>Inclusive </a:t>
+            </a:r>
+            <a:r>
+              <a:rPr lang="en-US" dirty="0" err="1" smtClean="0"/>
+              <a:t>pilih</a:t>
+            </a:r>
+            <a:r>
+              <a:rPr lang="en-US" dirty="0" smtClean="0"/>
+              <a:t> </a:t>
+            </a:r>
+            <a:r>
+              <a:rPr lang="en-US" dirty="0" err="1" smtClean="0"/>
+              <a:t>satu</a:t>
+            </a:r>
+            <a:r>
+              <a:rPr lang="en-US" dirty="0" smtClean="0"/>
+              <a:t>, </a:t>
+            </a:r>
+            <a:r>
+              <a:rPr lang="en-US" dirty="0" err="1" smtClean="0"/>
+              <a:t>beberapa</a:t>
+            </a:r>
+            <a:r>
+              <a:rPr lang="en-US" dirty="0" smtClean="0"/>
+              <a:t>,</a:t>
+            </a:r>
+            <a:r>
+              <a:rPr lang="en-US" baseline="0" dirty="0" smtClean="0"/>
+              <a:t> </a:t>
+            </a:r>
+            <a:r>
+              <a:rPr lang="en-US" baseline="0" dirty="0" err="1" smtClean="0"/>
+              <a:t>atau</a:t>
+            </a:r>
+            <a:r>
+              <a:rPr lang="en-US" baseline="0" dirty="0" smtClean="0"/>
+              <a:t> </a:t>
+            </a:r>
+            <a:r>
+              <a:rPr lang="en-US" baseline="0" dirty="0" err="1" smtClean="0"/>
+              <a:t>seluruh</a:t>
+            </a:r>
+            <a:r>
+              <a:rPr lang="en-US" baseline="0" dirty="0" smtClean="0"/>
+              <a:t> </a:t>
+            </a:r>
+            <a:r>
+              <a:rPr lang="en-US" baseline="0" dirty="0" err="1" smtClean="0"/>
+              <a:t>cabang</a:t>
+            </a:r>
+            <a:endParaRPr lang="en-US" baseline="0" dirty="0" smtClean="0"/>
+          </a:p>
+          <a:p>
+            <a:r>
+              <a:rPr lang="en-US" baseline="0" dirty="0" smtClean="0"/>
+              <a:t>Parallel, </a:t>
+            </a:r>
+            <a:r>
+              <a:rPr lang="en-US" baseline="0" dirty="0" err="1" smtClean="0"/>
+              <a:t>seluruh</a:t>
+            </a:r>
+            <a:r>
+              <a:rPr lang="en-US" baseline="0" dirty="0" smtClean="0"/>
+              <a:t> </a:t>
+            </a:r>
+            <a:r>
+              <a:rPr lang="en-US" baseline="0" dirty="0" err="1" smtClean="0"/>
+              <a:t>cabang</a:t>
+            </a:r>
+            <a:endParaRPr lang="en-US" baseline="0" dirty="0" smtClean="0"/>
+          </a:p>
+          <a:p>
+            <a:r>
+              <a:rPr lang="en-US" baseline="0" dirty="0" smtClean="0"/>
+              <a:t>Event, </a:t>
+            </a:r>
+            <a:r>
+              <a:rPr lang="en-US" baseline="0" dirty="0" err="1" smtClean="0"/>
+              <a:t>mengerjakan</a:t>
+            </a:r>
+            <a:r>
+              <a:rPr lang="en-US" baseline="0" dirty="0" smtClean="0"/>
+              <a:t> </a:t>
+            </a:r>
+            <a:r>
+              <a:rPr lang="en-US" baseline="0" dirty="0" err="1" smtClean="0"/>
+              <a:t>setelah</a:t>
+            </a:r>
+            <a:r>
+              <a:rPr lang="en-US" baseline="0" dirty="0" smtClean="0"/>
+              <a:t> </a:t>
+            </a:r>
+            <a:r>
+              <a:rPr lang="en-US" baseline="0" dirty="0" err="1" smtClean="0"/>
+              <a:t>suatu</a:t>
+            </a:r>
+            <a:r>
+              <a:rPr lang="en-US" baseline="0" dirty="0" smtClean="0"/>
+              <a:t> event </a:t>
+            </a:r>
+            <a:r>
+              <a:rPr lang="en-US" baseline="0" dirty="0" err="1" smtClean="0"/>
+              <a:t>berakhir</a:t>
+            </a:r>
+            <a:endParaRPr lang="en-US" dirty="0"/>
+          </a:p>
+        </p:txBody>
+      </p:sp>
+      <p:sp>
+        <p:nvSpPr>
+          <p:cNvPr id="4" name="Slide Number Placeholder 3"/>
+          <p:cNvSpPr>
+            <a:spLocks noGrp="1"/>
+          </p:cNvSpPr>
+          <p:nvPr>
+            <p:ph type="sldNum" sz="quarter" idx="10"/>
+          </p:nvPr>
+        </p:nvSpPr>
+        <p:spPr/>
+        <p:txBody>
+          <a:bodyPr/>
+          <a:lstStyle/>
+          <a:p>
+            <a:fld id="{59700E2D-599E-4FDC-8A15-369AA87525D7}" type="slidenum">
+              <a:rPr lang="en-US" smtClean="0"/>
+              <a:t>7</a:t>
+            </a:fld>
+            <a:endParaRPr lang="en-US"/>
+          </a:p>
+        </p:txBody>
+      </p:sp>
+    </p:spTree>
+    <p:extLst>
+      <p:ext uri="{BB962C8B-B14F-4D97-AF65-F5344CB8AC3E}">
+        <p14:creationId xmlns:p14="http://schemas.microsoft.com/office/powerpoint/2010/main" val="1276713060"/>
+      </p:ext>
+    </p:extLst>
+  </p:cSld>
+  <p:clrMapOvr>
+    <a:masterClrMapping/>
+  </p:clrMapOvr>
+</p:notes>
+</file>
+
+<file path=ppt/notesSlides/notesSlide5.xml><?xml version="1.0" encoding="utf-8"?>
+<p:notes xmlns:a="http://schemas.openxmlformats.org/drawingml/2006/main" xmlns:r="http://schemas.openxmlformats.org/officeDocument/2006/relationships" xmlns:p="http://schemas.openxmlformats.org/presentationml/2006/main">
+  <p:cSld>
+    <p:spTree>
+      <p:nvGrpSpPr>
+        <p:cNvPr id="1" name=""/>
+        <p:cNvGrpSpPr/>
+        <p:nvPr/>
+      </p:nvGrpSpPr>
+      <p:grpSpPr>
+        <a:xfrm>
+          <a:off x="0" y="0"/>
+          <a:ext cx="0" cy="0"/>
+          <a:chOff x="0" y="0"/>
+          <a:chExt cx="0" cy="0"/>
+        </a:xfrm>
+      </p:grpSpPr>
+      <p:sp>
+        <p:nvSpPr>
+          <p:cNvPr id="2" name="Slide Image Placeholder 1"/>
+          <p:cNvSpPr>
+            <a:spLocks noGrp="1" noRot="1" noChangeAspect="1"/>
+          </p:cNvSpPr>
+          <p:nvPr>
+            <p:ph type="sldImg"/>
+          </p:nvPr>
+        </p:nvSpPr>
+        <p:spPr/>
+      </p:sp>
+      <p:sp>
+        <p:nvSpPr>
+          <p:cNvPr id="3" name="Notes Placeholder 2"/>
+          <p:cNvSpPr>
+            <a:spLocks noGrp="1"/>
+          </p:cNvSpPr>
+          <p:nvPr>
+            <p:ph type="body" idx="1"/>
+          </p:nvPr>
+        </p:nvSpPr>
+        <p:spPr/>
+        <p:txBody>
+          <a:bodyPr/>
+          <a:lstStyle/>
+          <a:p>
+            <a:r>
+              <a:rPr lang="en-US" dirty="0" smtClean="0"/>
+              <a:t>User Task : </a:t>
+            </a:r>
+            <a:r>
+              <a:rPr lang="en-US" dirty="0" err="1" smtClean="0"/>
+              <a:t>melalui</a:t>
+            </a:r>
+            <a:r>
+              <a:rPr lang="en-US" dirty="0" smtClean="0"/>
+              <a:t> system</a:t>
+            </a:r>
+          </a:p>
+          <a:p>
+            <a:r>
+              <a:rPr lang="en-US" dirty="0" smtClean="0"/>
+              <a:t>Service task : </a:t>
+            </a:r>
+            <a:r>
+              <a:rPr lang="en-US" dirty="0" err="1" smtClean="0"/>
+              <a:t>oleh</a:t>
+            </a:r>
+            <a:r>
+              <a:rPr lang="en-US" dirty="0" smtClean="0"/>
+              <a:t> system </a:t>
+            </a:r>
+            <a:r>
+              <a:rPr lang="en-US" dirty="0" err="1" smtClean="0"/>
+              <a:t>dengan</a:t>
+            </a:r>
+            <a:r>
+              <a:rPr lang="en-US" dirty="0" smtClean="0"/>
+              <a:t> </a:t>
+            </a:r>
+            <a:r>
+              <a:rPr lang="en-US" dirty="0" err="1" smtClean="0"/>
+              <a:t>kode</a:t>
+            </a:r>
+            <a:endParaRPr lang="en-US" dirty="0"/>
+          </a:p>
+        </p:txBody>
+      </p:sp>
+      <p:sp>
+        <p:nvSpPr>
+          <p:cNvPr id="4" name="Slide Number Placeholder 3"/>
+          <p:cNvSpPr>
+            <a:spLocks noGrp="1"/>
+          </p:cNvSpPr>
+          <p:nvPr>
+            <p:ph type="sldNum" sz="quarter" idx="10"/>
+          </p:nvPr>
+        </p:nvSpPr>
+        <p:spPr/>
+        <p:txBody>
+          <a:bodyPr/>
+          <a:lstStyle/>
+          <a:p>
+            <a:fld id="{59700E2D-599E-4FDC-8A15-369AA87525D7}" type="slidenum">
+              <a:rPr lang="en-US" smtClean="0"/>
+              <a:t>8</a:t>
+            </a:fld>
+            <a:endParaRPr lang="en-US"/>
+          </a:p>
+        </p:txBody>
+      </p:sp>
+    </p:spTree>
+    <p:extLst>
+      <p:ext uri="{BB962C8B-B14F-4D97-AF65-F5344CB8AC3E}">
+        <p14:creationId xmlns:p14="http://schemas.microsoft.com/office/powerpoint/2010/main" val="3195210426"/>
+      </p:ext>
+    </p:extLst>
+  </p:cSld>
+  <p:clrMapOvr>
+    <a:masterClrMapping/>
+  </p:clrMapOvr>
+</p:notes>
+</file>
+
+<file path=ppt/notesSlides/notesSlide6.xml><?xml version="1.0" encoding="utf-8"?>
+<p:notes xmlns:a="http://schemas.openxmlformats.org/drawingml/2006/main" xmlns:r="http://schemas.openxmlformats.org/officeDocument/2006/relationships" xmlns:p="http://schemas.openxmlformats.org/presentationml/2006/main">
+  <p:cSld>
+    <p:spTree>
+      <p:nvGrpSpPr>
+        <p:cNvPr id="1" name=""/>
+        <p:cNvGrpSpPr/>
+        <p:nvPr/>
+      </p:nvGrpSpPr>
+      <p:grpSpPr>
+        <a:xfrm>
+          <a:off x="0" y="0"/>
+          <a:ext cx="0" cy="0"/>
+          <a:chOff x="0" y="0"/>
+          <a:chExt cx="0" cy="0"/>
+        </a:xfrm>
+      </p:grpSpPr>
+      <p:sp>
+        <p:nvSpPr>
+          <p:cNvPr id="2" name="Slide Image Placeholder 1"/>
+          <p:cNvSpPr>
+            <a:spLocks noGrp="1" noRot="1" noChangeAspect="1"/>
+          </p:cNvSpPr>
+          <p:nvPr>
+            <p:ph type="sldImg"/>
+          </p:nvPr>
+        </p:nvSpPr>
+        <p:spPr/>
+      </p:sp>
+      <p:sp>
+        <p:nvSpPr>
+          <p:cNvPr id="3" name="Notes Placeholder 2"/>
+          <p:cNvSpPr>
+            <a:spLocks noGrp="1"/>
+          </p:cNvSpPr>
+          <p:nvPr>
+            <p:ph type="body" idx="1"/>
+          </p:nvPr>
+        </p:nvSpPr>
+        <p:spPr/>
+        <p:txBody>
+          <a:bodyPr/>
+          <a:lstStyle/>
+          <a:p>
+            <a:r>
+              <a:rPr lang="en-US" dirty="0" smtClean="0"/>
+              <a:t>Id :</a:t>
+            </a:r>
+            <a:r>
+              <a:rPr lang="en-US" baseline="0" dirty="0" smtClean="0"/>
+              <a:t> id task</a:t>
+            </a:r>
+          </a:p>
+          <a:p>
+            <a:r>
+              <a:rPr lang="en-US" baseline="0" dirty="0" smtClean="0"/>
+              <a:t>Assignee : actor yang </a:t>
+            </a:r>
+            <a:r>
+              <a:rPr lang="en-US" baseline="0" dirty="0" err="1" smtClean="0"/>
+              <a:t>akan</a:t>
+            </a:r>
+            <a:r>
+              <a:rPr lang="en-US" baseline="0" dirty="0" smtClean="0"/>
+              <a:t> </a:t>
+            </a:r>
+            <a:r>
+              <a:rPr lang="en-US" baseline="0" dirty="0" err="1" smtClean="0"/>
+              <a:t>mengerjakan</a:t>
+            </a:r>
+            <a:r>
+              <a:rPr lang="en-US" baseline="0" dirty="0" smtClean="0"/>
+              <a:t> task</a:t>
+            </a:r>
+          </a:p>
+          <a:p>
+            <a:r>
+              <a:rPr lang="en-US" baseline="0" dirty="0" smtClean="0"/>
+              <a:t>Form Key : </a:t>
+            </a:r>
+            <a:r>
+              <a:rPr lang="en-US" baseline="0" dirty="0" err="1" smtClean="0"/>
+              <a:t>tautan</a:t>
+            </a:r>
+            <a:r>
+              <a:rPr lang="en-US" baseline="0" dirty="0" smtClean="0"/>
+              <a:t> </a:t>
+            </a:r>
+            <a:r>
+              <a:rPr lang="en-US" baseline="0" dirty="0" err="1" smtClean="0"/>
+              <a:t>ke</a:t>
+            </a:r>
+            <a:r>
+              <a:rPr lang="en-US" baseline="0" dirty="0" smtClean="0"/>
+              <a:t> file HTML yang </a:t>
+            </a:r>
+            <a:r>
+              <a:rPr lang="en-US" baseline="0" dirty="0" err="1" smtClean="0"/>
+              <a:t>merupakan</a:t>
+            </a:r>
+            <a:r>
+              <a:rPr lang="en-US" baseline="0" dirty="0" smtClean="0"/>
+              <a:t> </a:t>
+            </a:r>
+            <a:r>
+              <a:rPr lang="en-US" baseline="0" dirty="0" err="1" smtClean="0"/>
+              <a:t>tampilan</a:t>
+            </a:r>
+            <a:r>
+              <a:rPr lang="en-US" baseline="0" dirty="0" smtClean="0"/>
+              <a:t> </a:t>
+            </a:r>
+            <a:r>
+              <a:rPr lang="en-US" baseline="0" dirty="0" err="1" smtClean="0"/>
+              <a:t>dari</a:t>
+            </a:r>
+            <a:r>
+              <a:rPr lang="en-US" baseline="0" dirty="0" smtClean="0"/>
+              <a:t> task yang </a:t>
+            </a:r>
+            <a:r>
+              <a:rPr lang="en-US" baseline="0" dirty="0" err="1" smtClean="0"/>
+              <a:t>akan</a:t>
+            </a:r>
+            <a:r>
+              <a:rPr lang="en-US" baseline="0" dirty="0" smtClean="0"/>
+              <a:t> </a:t>
+            </a:r>
+            <a:r>
+              <a:rPr lang="en-US" baseline="0" dirty="0" err="1" smtClean="0"/>
+              <a:t>dikerjakan</a:t>
+            </a:r>
+            <a:endParaRPr lang="en-US" baseline="0" dirty="0" smtClean="0"/>
+          </a:p>
+          <a:p>
+            <a:r>
+              <a:rPr lang="en-US" baseline="0" dirty="0" smtClean="0"/>
+              <a:t>Candidate User, Candidate Group : Kumpulan user/group yang </a:t>
+            </a:r>
+            <a:r>
+              <a:rPr lang="en-US" baseline="0" dirty="0" err="1" smtClean="0"/>
+              <a:t>dapat</a:t>
+            </a:r>
+            <a:r>
+              <a:rPr lang="en-US" baseline="0" dirty="0" smtClean="0"/>
+              <a:t> </a:t>
+            </a:r>
+            <a:r>
+              <a:rPr lang="en-US" baseline="0" dirty="0" err="1" smtClean="0"/>
+              <a:t>mengerjakan</a:t>
+            </a:r>
+            <a:r>
+              <a:rPr lang="en-US" baseline="0" dirty="0" smtClean="0"/>
+              <a:t> task</a:t>
+            </a:r>
+          </a:p>
+          <a:p>
+            <a:r>
+              <a:rPr lang="en-US" baseline="0" dirty="0" smtClean="0"/>
+              <a:t>Due date :</a:t>
+            </a:r>
+          </a:p>
+          <a:p>
+            <a:r>
+              <a:rPr lang="en-US" baseline="0" dirty="0" smtClean="0"/>
+              <a:t>Follow up date :</a:t>
+            </a:r>
+          </a:p>
+          <a:p>
+            <a:r>
+              <a:rPr lang="en-US" baseline="0" dirty="0" smtClean="0"/>
+              <a:t>Priority :</a:t>
+            </a:r>
+            <a:endParaRPr lang="en-US" dirty="0"/>
+          </a:p>
+        </p:txBody>
+      </p:sp>
+      <p:sp>
+        <p:nvSpPr>
+          <p:cNvPr id="4" name="Slide Number Placeholder 3"/>
+          <p:cNvSpPr>
+            <a:spLocks noGrp="1"/>
+          </p:cNvSpPr>
+          <p:nvPr>
+            <p:ph type="sldNum" sz="quarter" idx="10"/>
+          </p:nvPr>
+        </p:nvSpPr>
+        <p:spPr/>
+        <p:txBody>
+          <a:bodyPr/>
+          <a:lstStyle/>
+          <a:p>
+            <a:fld id="{59700E2D-599E-4FDC-8A15-369AA87525D7}" type="slidenum">
+              <a:rPr lang="en-US" smtClean="0"/>
+              <a:t>10</a:t>
+            </a:fld>
+            <a:endParaRPr lang="en-US"/>
+          </a:p>
+        </p:txBody>
+      </p:sp>
+    </p:spTree>
+    <p:extLst>
+      <p:ext uri="{BB962C8B-B14F-4D97-AF65-F5344CB8AC3E}">
+        <p14:creationId xmlns:p14="http://schemas.microsoft.com/office/powerpoint/2010/main" val="283295957"/>
+      </p:ext>
+    </p:extLst>
+  </p:cSld>
+  <p:clrMapOvr>
+    <a:masterClrMapping/>
+  </p:clrMapOvr>
+</p:notes>
+</file>
+
+<file path=ppt/notesSlides/notesSlide7.xml><?xml version="1.0" encoding="utf-8"?>
+<p:notes xmlns:a="http://schemas.openxmlformats.org/drawingml/2006/main" xmlns:r="http://schemas.openxmlformats.org/officeDocument/2006/relationships" xmlns:p="http://schemas.openxmlformats.org/presentationml/2006/main">
+  <p:cSld>
+    <p:spTree>
+      <p:nvGrpSpPr>
+        <p:cNvPr id="1" name=""/>
+        <p:cNvGrpSpPr/>
+        <p:nvPr/>
+      </p:nvGrpSpPr>
+      <p:grpSpPr>
+        <a:xfrm>
+          <a:off x="0" y="0"/>
+          <a:ext cx="0" cy="0"/>
+          <a:chOff x="0" y="0"/>
+          <a:chExt cx="0" cy="0"/>
+        </a:xfrm>
+      </p:grpSpPr>
+      <p:sp>
+        <p:nvSpPr>
+          <p:cNvPr id="2" name="Slide Image Placeholder 1"/>
+          <p:cNvSpPr>
+            <a:spLocks noGrp="1" noRot="1" noChangeAspect="1"/>
+          </p:cNvSpPr>
+          <p:nvPr>
+            <p:ph type="sldImg"/>
+          </p:nvPr>
+        </p:nvSpPr>
+        <p:spPr/>
+      </p:sp>
+      <p:sp>
+        <p:nvSpPr>
+          <p:cNvPr id="3" name="Notes Placeholder 2"/>
+          <p:cNvSpPr>
+            <a:spLocks noGrp="1"/>
+          </p:cNvSpPr>
+          <p:nvPr>
+            <p:ph type="body" idx="1"/>
+          </p:nvPr>
+        </p:nvSpPr>
+        <p:spPr/>
+        <p:txBody>
+          <a:bodyPr/>
+          <a:lstStyle/>
+          <a:p>
+            <a:r>
+              <a:rPr lang="en-US" dirty="0" smtClean="0"/>
+              <a:t>Create : </a:t>
+            </a:r>
+            <a:r>
+              <a:rPr lang="en-US" dirty="0" err="1" smtClean="0"/>
+              <a:t>eksekusi</a:t>
+            </a:r>
+            <a:r>
+              <a:rPr lang="en-US" dirty="0" smtClean="0"/>
+              <a:t> </a:t>
+            </a:r>
+            <a:r>
+              <a:rPr lang="en-US" dirty="0" err="1" smtClean="0"/>
+              <a:t>saat</a:t>
+            </a:r>
+            <a:r>
+              <a:rPr lang="en-US" dirty="0" smtClean="0"/>
+              <a:t> task </a:t>
+            </a:r>
+            <a:r>
+              <a:rPr lang="en-US" dirty="0" err="1" smtClean="0"/>
+              <a:t>dibuat</a:t>
+            </a:r>
+            <a:endParaRPr lang="en-US" dirty="0" smtClean="0"/>
+          </a:p>
+          <a:p>
+            <a:r>
+              <a:rPr lang="en-US" dirty="0" smtClean="0"/>
+              <a:t>Assignment</a:t>
+            </a:r>
+            <a:r>
+              <a:rPr lang="en-US" baseline="0" dirty="0" smtClean="0"/>
+              <a:t> : </a:t>
+            </a:r>
+            <a:r>
+              <a:rPr lang="en-US" baseline="0" dirty="0" err="1" smtClean="0"/>
+              <a:t>eksekusi</a:t>
+            </a:r>
+            <a:r>
+              <a:rPr lang="en-US" baseline="0" dirty="0" smtClean="0"/>
+              <a:t> </a:t>
+            </a:r>
+            <a:r>
+              <a:rPr lang="en-US" baseline="0" dirty="0" err="1" smtClean="0"/>
+              <a:t>ketika</a:t>
+            </a:r>
+            <a:r>
+              <a:rPr lang="en-US" baseline="0" dirty="0" smtClean="0"/>
+              <a:t> actor </a:t>
+            </a:r>
+            <a:r>
+              <a:rPr lang="en-US" baseline="0" dirty="0" err="1" smtClean="0"/>
+              <a:t>sudah</a:t>
+            </a:r>
+            <a:r>
+              <a:rPr lang="en-US" baseline="0" dirty="0" smtClean="0"/>
+              <a:t> </a:t>
+            </a:r>
+            <a:r>
+              <a:rPr lang="en-US" baseline="0" dirty="0" err="1" smtClean="0"/>
+              <a:t>ditentukan</a:t>
+            </a:r>
+            <a:r>
+              <a:rPr lang="en-US" baseline="0" dirty="0" smtClean="0"/>
+              <a:t> </a:t>
+            </a:r>
+          </a:p>
+          <a:p>
+            <a:r>
+              <a:rPr lang="en-US" baseline="0" dirty="0" smtClean="0"/>
+              <a:t>Complete : </a:t>
+            </a:r>
+            <a:r>
+              <a:rPr lang="en-US" baseline="0" dirty="0" err="1" smtClean="0"/>
+              <a:t>ketika</a:t>
+            </a:r>
+            <a:r>
+              <a:rPr lang="en-US" baseline="0" dirty="0" smtClean="0"/>
+              <a:t> task </a:t>
+            </a:r>
+            <a:r>
+              <a:rPr lang="en-US" baseline="0" dirty="0" err="1" smtClean="0"/>
+              <a:t>sudah</a:t>
+            </a:r>
+            <a:r>
+              <a:rPr lang="en-US" baseline="0" dirty="0" smtClean="0"/>
+              <a:t> </a:t>
+            </a:r>
+            <a:r>
+              <a:rPr lang="en-US" baseline="0" dirty="0" err="1" smtClean="0"/>
+              <a:t>dikerjakan</a:t>
+            </a:r>
+            <a:r>
+              <a:rPr lang="en-US" baseline="0" dirty="0" smtClean="0"/>
+              <a:t> </a:t>
+            </a:r>
+            <a:r>
+              <a:rPr lang="en-US" baseline="0" dirty="0" err="1" smtClean="0"/>
+              <a:t>dan</a:t>
+            </a:r>
+            <a:r>
+              <a:rPr lang="en-US" baseline="0" dirty="0" smtClean="0"/>
+              <a:t> </a:t>
+            </a:r>
+            <a:r>
+              <a:rPr lang="en-US" baseline="0" dirty="0" err="1" smtClean="0"/>
+              <a:t>belum</a:t>
+            </a:r>
+            <a:r>
+              <a:rPr lang="en-US" baseline="0" dirty="0" smtClean="0"/>
+              <a:t> </a:t>
+            </a:r>
+            <a:r>
+              <a:rPr lang="en-US" baseline="0" dirty="0" err="1" smtClean="0"/>
+              <a:t>dihapus</a:t>
+            </a:r>
+            <a:endParaRPr lang="en-US" baseline="0" dirty="0" smtClean="0"/>
+          </a:p>
+          <a:p>
+            <a:r>
+              <a:rPr lang="en-US" baseline="0" dirty="0" smtClean="0"/>
+              <a:t>Delete : </a:t>
+            </a:r>
+            <a:r>
+              <a:rPr lang="en-US" baseline="0" dirty="0" err="1" smtClean="0"/>
+              <a:t>Perintah</a:t>
+            </a:r>
+            <a:r>
+              <a:rPr lang="en-US" baseline="0" dirty="0" smtClean="0"/>
+              <a:t> </a:t>
+            </a:r>
+            <a:r>
+              <a:rPr lang="en-US" baseline="0" dirty="0" err="1" smtClean="0"/>
+              <a:t>dieksekusi</a:t>
+            </a:r>
+            <a:r>
+              <a:rPr lang="en-US" baseline="0" dirty="0" smtClean="0"/>
+              <a:t> </a:t>
+            </a:r>
+            <a:r>
+              <a:rPr lang="en-US" baseline="0" dirty="0" err="1" smtClean="0"/>
+              <a:t>setelah</a:t>
+            </a:r>
+            <a:r>
+              <a:rPr lang="en-US" baseline="0" dirty="0" smtClean="0"/>
+              <a:t> task </a:t>
+            </a:r>
+            <a:r>
+              <a:rPr lang="en-US" baseline="0" dirty="0" err="1" smtClean="0"/>
+              <a:t>dihapus</a:t>
+            </a:r>
+            <a:endParaRPr lang="en-US" baseline="0" dirty="0" smtClean="0"/>
+          </a:p>
+          <a:p>
+            <a:endParaRPr lang="en-US" dirty="0"/>
+          </a:p>
+        </p:txBody>
+      </p:sp>
+      <p:sp>
+        <p:nvSpPr>
+          <p:cNvPr id="4" name="Slide Number Placeholder 3"/>
+          <p:cNvSpPr>
+            <a:spLocks noGrp="1"/>
+          </p:cNvSpPr>
+          <p:nvPr>
+            <p:ph type="sldNum" sz="quarter" idx="10"/>
+          </p:nvPr>
+        </p:nvSpPr>
+        <p:spPr/>
+        <p:txBody>
+          <a:bodyPr/>
+          <a:lstStyle/>
+          <a:p>
+            <a:fld id="{59700E2D-599E-4FDC-8A15-369AA87525D7}" type="slidenum">
+              <a:rPr lang="en-US" smtClean="0"/>
+              <a:t>11</a:t>
+            </a:fld>
+            <a:endParaRPr lang="en-US"/>
+          </a:p>
+        </p:txBody>
+      </p:sp>
+    </p:spTree>
+    <p:extLst>
+      <p:ext uri="{BB962C8B-B14F-4D97-AF65-F5344CB8AC3E}">
+        <p14:creationId xmlns:p14="http://schemas.microsoft.com/office/powerpoint/2010/main" val="3918206647"/>
+      </p:ext>
+    </p:extLst>
+  </p:cSld>
+  <p:clrMapOvr>
+    <a:masterClrMapping/>
+  </p:clrMapOvr>
+</p:notes>
+</file>
+
+<file path=ppt/notesSlides/notesSlide8.xml><?xml version="1.0" encoding="utf-8"?>
+<p:notes xmlns:a="http://schemas.openxmlformats.org/drawingml/2006/main" xmlns:r="http://schemas.openxmlformats.org/officeDocument/2006/relationships" xmlns:p="http://schemas.openxmlformats.org/presentationml/2006/main">
+  <p:cSld>
+    <p:spTree>
+      <p:nvGrpSpPr>
+        <p:cNvPr id="1" name=""/>
+        <p:cNvGrpSpPr/>
+        <p:nvPr/>
+      </p:nvGrpSpPr>
+      <p:grpSpPr>
+        <a:xfrm>
+          <a:off x="0" y="0"/>
+          <a:ext cx="0" cy="0"/>
+          <a:chOff x="0" y="0"/>
+          <a:chExt cx="0" cy="0"/>
+        </a:xfrm>
+      </p:grpSpPr>
+      <p:sp>
+        <p:nvSpPr>
+          <p:cNvPr id="2" name="Slide Image Placeholder 1"/>
+          <p:cNvSpPr>
+            <a:spLocks noGrp="1" noRot="1" noChangeAspect="1"/>
+          </p:cNvSpPr>
+          <p:nvPr>
+            <p:ph type="sldImg"/>
+          </p:nvPr>
+        </p:nvSpPr>
+        <p:spPr/>
+      </p:sp>
+      <p:sp>
+        <p:nvSpPr>
+          <p:cNvPr id="3" name="Notes Placeholder 2"/>
+          <p:cNvSpPr>
+            <a:spLocks noGrp="1"/>
+          </p:cNvSpPr>
+          <p:nvPr>
+            <p:ph type="body" idx="1"/>
+          </p:nvPr>
+        </p:nvSpPr>
+        <p:spPr/>
+        <p:txBody>
+          <a:bodyPr/>
+          <a:lstStyle/>
+          <a:p>
+            <a:r>
+              <a:rPr lang="en-US" dirty="0" smtClean="0"/>
+              <a:t>Modeler</a:t>
+            </a:r>
+            <a:r>
+              <a:rPr lang="en-US" baseline="0" dirty="0" smtClean="0"/>
+              <a:t> : tool </a:t>
+            </a:r>
+            <a:r>
+              <a:rPr lang="en-US" baseline="0" dirty="0" err="1" smtClean="0"/>
+              <a:t>untuk</a:t>
+            </a:r>
+            <a:r>
+              <a:rPr lang="en-US" baseline="0" dirty="0" smtClean="0"/>
+              <a:t> </a:t>
+            </a:r>
+            <a:r>
+              <a:rPr lang="en-US" baseline="0" dirty="0" err="1" smtClean="0"/>
+              <a:t>membuat</a:t>
+            </a:r>
+            <a:r>
+              <a:rPr lang="en-US" baseline="0" dirty="0" smtClean="0"/>
+              <a:t> diagram </a:t>
+            </a:r>
+            <a:r>
+              <a:rPr lang="en-US" baseline="0" dirty="0" err="1" smtClean="0"/>
+              <a:t>bpmn</a:t>
+            </a:r>
+            <a:endParaRPr lang="en-US" baseline="0" dirty="0" smtClean="0"/>
+          </a:p>
+          <a:p>
+            <a:r>
+              <a:rPr lang="en-US" baseline="0" dirty="0" err="1" smtClean="0"/>
+              <a:t>Tasklist</a:t>
+            </a:r>
+            <a:r>
+              <a:rPr lang="en-US" baseline="0" dirty="0" smtClean="0"/>
+              <a:t> : </a:t>
+            </a:r>
+            <a:r>
+              <a:rPr lang="en-US" baseline="0" dirty="0" err="1" smtClean="0"/>
+              <a:t>tempat</a:t>
+            </a:r>
+            <a:r>
+              <a:rPr lang="en-US" baseline="0" dirty="0" smtClean="0"/>
+              <a:t> actor </a:t>
+            </a:r>
+            <a:r>
+              <a:rPr lang="en-US" baseline="0" dirty="0" err="1" smtClean="0"/>
+              <a:t>mengakses</a:t>
+            </a:r>
+            <a:r>
+              <a:rPr lang="en-US" baseline="0" dirty="0" smtClean="0"/>
+              <a:t> </a:t>
+            </a:r>
+            <a:r>
+              <a:rPr lang="en-US" baseline="0" dirty="0" err="1" smtClean="0"/>
+              <a:t>dan</a:t>
+            </a:r>
+            <a:r>
+              <a:rPr lang="en-US" baseline="0" dirty="0" smtClean="0"/>
+              <a:t> </a:t>
+            </a:r>
+            <a:r>
+              <a:rPr lang="en-US" baseline="0" dirty="0" err="1" smtClean="0"/>
+              <a:t>mengerjakan</a:t>
+            </a:r>
+            <a:r>
+              <a:rPr lang="en-US" baseline="0" dirty="0" smtClean="0"/>
+              <a:t> task</a:t>
+            </a:r>
+          </a:p>
+          <a:p>
+            <a:r>
+              <a:rPr lang="en-US" baseline="0" dirty="0" err="1" smtClean="0"/>
+              <a:t>Cockit</a:t>
+            </a:r>
+            <a:r>
+              <a:rPr lang="en-US" baseline="0" dirty="0" smtClean="0"/>
+              <a:t> : </a:t>
+            </a:r>
+            <a:r>
+              <a:rPr lang="en-US" baseline="0" dirty="0" err="1" smtClean="0"/>
+              <a:t>memeriksa</a:t>
+            </a:r>
+            <a:r>
+              <a:rPr lang="en-US" baseline="0" dirty="0" smtClean="0"/>
+              <a:t> proses yang </a:t>
+            </a:r>
+            <a:r>
+              <a:rPr lang="en-US" baseline="0" dirty="0" err="1" smtClean="0"/>
+              <a:t>sedang</a:t>
+            </a:r>
+            <a:r>
+              <a:rPr lang="en-US" baseline="0" dirty="0" smtClean="0"/>
+              <a:t> </a:t>
+            </a:r>
+            <a:r>
+              <a:rPr lang="en-US" baseline="0" dirty="0" err="1" smtClean="0"/>
+              <a:t>berjalan</a:t>
+            </a:r>
+            <a:r>
+              <a:rPr lang="en-US" baseline="0" dirty="0" smtClean="0"/>
+              <a:t>/</a:t>
+            </a:r>
+            <a:r>
+              <a:rPr lang="en-US" baseline="0" dirty="0" err="1" smtClean="0"/>
+              <a:t>sudah</a:t>
+            </a:r>
+            <a:r>
+              <a:rPr lang="en-US" baseline="0" dirty="0" smtClean="0"/>
+              <a:t> </a:t>
+            </a:r>
+            <a:r>
+              <a:rPr lang="en-US" baseline="0" dirty="0" err="1" smtClean="0"/>
+              <a:t>selesai</a:t>
+            </a:r>
+            <a:endParaRPr lang="en-US" baseline="0" dirty="0" smtClean="0"/>
+          </a:p>
+          <a:p>
+            <a:r>
+              <a:rPr lang="en-US" baseline="0" dirty="0" smtClean="0"/>
+              <a:t>Admin : </a:t>
+            </a:r>
+            <a:r>
+              <a:rPr lang="en-US" baseline="0" dirty="0" err="1" smtClean="0"/>
+              <a:t>memiliki</a:t>
+            </a:r>
+            <a:r>
+              <a:rPr lang="en-US" baseline="0" dirty="0" smtClean="0"/>
+              <a:t> </a:t>
+            </a:r>
+            <a:r>
+              <a:rPr lang="en-US" baseline="0" dirty="0" err="1" smtClean="0"/>
+              <a:t>tugas</a:t>
+            </a:r>
+            <a:r>
+              <a:rPr lang="en-US" baseline="0" dirty="0" smtClean="0"/>
+              <a:t> </a:t>
+            </a:r>
+            <a:r>
+              <a:rPr lang="en-US" baseline="0" dirty="0" err="1" smtClean="0"/>
+              <a:t>untuk</a:t>
+            </a:r>
+            <a:r>
+              <a:rPr lang="en-US" baseline="0" dirty="0" smtClean="0"/>
+              <a:t> </a:t>
+            </a:r>
+            <a:r>
+              <a:rPr lang="en-US" baseline="0" dirty="0" err="1" smtClean="0"/>
+              <a:t>mengatur</a:t>
+            </a:r>
+            <a:r>
+              <a:rPr lang="en-US" baseline="0" dirty="0" smtClean="0"/>
+              <a:t> actor</a:t>
+            </a:r>
+          </a:p>
+          <a:p>
+            <a:r>
+              <a:rPr lang="en-US" baseline="0" dirty="0" smtClean="0"/>
+              <a:t>Custom App : </a:t>
+            </a:r>
+            <a:r>
+              <a:rPr lang="en-US" baseline="0" dirty="0" err="1" smtClean="0"/>
+              <a:t>aplikasi</a:t>
+            </a:r>
+            <a:r>
+              <a:rPr lang="en-US" baseline="0" dirty="0" smtClean="0"/>
+              <a:t> lain </a:t>
+            </a:r>
+            <a:r>
+              <a:rPr lang="en-US" baseline="0" dirty="0" err="1" smtClean="0"/>
+              <a:t>yg</a:t>
+            </a:r>
+            <a:r>
+              <a:rPr lang="en-US" baseline="0" dirty="0" smtClean="0"/>
+              <a:t> </a:t>
+            </a:r>
+            <a:r>
+              <a:rPr lang="en-US" baseline="0" dirty="0" err="1" smtClean="0"/>
+              <a:t>dihubungkan</a:t>
+            </a:r>
+            <a:r>
+              <a:rPr lang="en-US" baseline="0" dirty="0" smtClean="0"/>
+              <a:t> </a:t>
+            </a:r>
+            <a:r>
+              <a:rPr lang="en-US" baseline="0" dirty="0" err="1" smtClean="0"/>
+              <a:t>mengunakan</a:t>
+            </a:r>
+            <a:r>
+              <a:rPr lang="en-US" baseline="0" dirty="0" smtClean="0"/>
+              <a:t> REST / Java API</a:t>
+            </a:r>
+          </a:p>
+          <a:p>
+            <a:endParaRPr lang="en-US" baseline="0" dirty="0" smtClean="0"/>
+          </a:p>
+          <a:p>
+            <a:r>
+              <a:rPr lang="en-US" sz="1200" b="0" i="0" kern="1200" dirty="0" smtClean="0">
+                <a:solidFill>
+                  <a:schemeClr val="tx1"/>
+                </a:solidFill>
+                <a:effectLst/>
+                <a:latin typeface="+mn-lt"/>
+                <a:ea typeface="+mn-ea"/>
+                <a:cs typeface="+mn-cs"/>
+              </a:rPr>
+              <a:t>representational state transfer</a:t>
+            </a:r>
+            <a:endParaRPr lang="en-US" baseline="0" dirty="0" smtClean="0"/>
+          </a:p>
+          <a:p>
+            <a:r>
+              <a:rPr lang="en-US" sz="1200" b="0" i="0" kern="1200" dirty="0" smtClean="0">
+                <a:solidFill>
+                  <a:schemeClr val="tx1"/>
+                </a:solidFill>
+                <a:effectLst/>
+                <a:latin typeface="+mn-lt"/>
+                <a:ea typeface="+mn-ea"/>
+                <a:cs typeface="+mn-cs"/>
+              </a:rPr>
+              <a:t>method of allowing communication between a web-based client and server that </a:t>
+            </a:r>
+            <a:endParaRPr lang="en-US" dirty="0"/>
+          </a:p>
+        </p:txBody>
+      </p:sp>
+      <p:sp>
+        <p:nvSpPr>
+          <p:cNvPr id="4" name="Slide Number Placeholder 3"/>
+          <p:cNvSpPr>
+            <a:spLocks noGrp="1"/>
+          </p:cNvSpPr>
+          <p:nvPr>
+            <p:ph type="sldNum" sz="quarter" idx="10"/>
+          </p:nvPr>
+        </p:nvSpPr>
+        <p:spPr/>
+        <p:txBody>
+          <a:bodyPr/>
+          <a:lstStyle/>
+          <a:p>
+            <a:fld id="{59700E2D-599E-4FDC-8A15-369AA87525D7}" type="slidenum">
+              <a:rPr lang="en-US" smtClean="0"/>
+              <a:t>14</a:t>
+            </a:fld>
+            <a:endParaRPr lang="en-US"/>
+          </a:p>
+        </p:txBody>
+      </p:sp>
+    </p:spTree>
+    <p:extLst>
+      <p:ext uri="{BB962C8B-B14F-4D97-AF65-F5344CB8AC3E}">
+        <p14:creationId xmlns:p14="http://schemas.microsoft.com/office/powerpoint/2010/main" val="697185168"/>
+      </p:ext>
+    </p:extLst>
+  </p:cSld>
+  <p:clrMapOvr>
+    <a:masterClrMapping/>
+  </p:clrMapOvr>
+</p:notes>
+</file>
+
+<file path=ppt/notesSlides/notesSlide9.xml><?xml version="1.0" encoding="utf-8"?>
+<p:notes xmlns:a="http://schemas.openxmlformats.org/drawingml/2006/main" xmlns:r="http://schemas.openxmlformats.org/officeDocument/2006/relationships" xmlns:p="http://schemas.openxmlformats.org/presentationml/2006/main">
+  <p:cSld>
+    <p:spTree>
+      <p:nvGrpSpPr>
+        <p:cNvPr id="1" name=""/>
+        <p:cNvGrpSpPr/>
+        <p:nvPr/>
+      </p:nvGrpSpPr>
+      <p:grpSpPr>
+        <a:xfrm>
+          <a:off x="0" y="0"/>
+          <a:ext cx="0" cy="0"/>
+          <a:chOff x="0" y="0"/>
+          <a:chExt cx="0" cy="0"/>
+        </a:xfrm>
+      </p:grpSpPr>
+      <p:sp>
+        <p:nvSpPr>
+          <p:cNvPr id="2" name="Slide Image Placeholder 1"/>
+          <p:cNvSpPr>
+            <a:spLocks noGrp="1" noRot="1" noChangeAspect="1"/>
+          </p:cNvSpPr>
+          <p:nvPr>
+            <p:ph type="sldImg"/>
+          </p:nvPr>
+        </p:nvSpPr>
+        <p:spPr/>
+      </p:sp>
+      <p:sp>
+        <p:nvSpPr>
+          <p:cNvPr id="3" name="Notes Placeholder 2"/>
+          <p:cNvSpPr>
+            <a:spLocks noGrp="1"/>
+          </p:cNvSpPr>
+          <p:nvPr>
+            <p:ph type="body" idx="1"/>
+          </p:nvPr>
+        </p:nvSpPr>
+        <p:spPr/>
+        <p:txBody>
+          <a:bodyPr/>
+          <a:lstStyle/>
+          <a:p>
+            <a:r>
+              <a:rPr lang="en-US" dirty="0" err="1" smtClean="0"/>
+              <a:t>Mengambil</a:t>
+            </a:r>
+            <a:r>
+              <a:rPr lang="en-US" dirty="0" smtClean="0"/>
+              <a:t> id task </a:t>
+            </a:r>
+            <a:r>
+              <a:rPr lang="en-US" dirty="0" err="1" smtClean="0"/>
+              <a:t>dan</a:t>
+            </a:r>
+            <a:r>
+              <a:rPr lang="en-US" dirty="0" smtClean="0"/>
+              <a:t> assignee</a:t>
+            </a:r>
+            <a:endParaRPr lang="en-US" dirty="0"/>
+          </a:p>
+        </p:txBody>
+      </p:sp>
+      <p:sp>
+        <p:nvSpPr>
+          <p:cNvPr id="4" name="Slide Number Placeholder 3"/>
+          <p:cNvSpPr>
+            <a:spLocks noGrp="1"/>
+          </p:cNvSpPr>
+          <p:nvPr>
+            <p:ph type="sldNum" sz="quarter" idx="10"/>
+          </p:nvPr>
+        </p:nvSpPr>
+        <p:spPr/>
+        <p:txBody>
+          <a:bodyPr/>
+          <a:lstStyle/>
+          <a:p>
+            <a:fld id="{59700E2D-599E-4FDC-8A15-369AA87525D7}" type="slidenum">
+              <a:rPr lang="en-US" smtClean="0"/>
+              <a:t>17</a:t>
+            </a:fld>
+            <a:endParaRPr lang="en-US"/>
+          </a:p>
+        </p:txBody>
+      </p:sp>
+    </p:spTree>
+    <p:extLst>
+      <p:ext uri="{BB962C8B-B14F-4D97-AF65-F5344CB8AC3E}">
+        <p14:creationId xmlns:p14="http://schemas.microsoft.com/office/powerpoint/2010/main" val="1821390455"/>
+      </p:ext>
+    </p:extLst>
+  </p:cSld>
+  <p:clrMapOvr>
+    <a:masterClrMapping/>
+  </p:clrMapOvr>
+</p:notes>
 </file>
 
 <file path=ppt/slideLayouts/slideLayout1.xml><?xml version="1.0" encoding="utf-8"?>
@@ -462,7 +2925,7 @@
           <a:p>
             <a:fld id="{5AE8CEB2-1C38-49BD-8D06-712FD872530B}" type="datetimeFigureOut">
               <a:rPr lang="en-US" smtClean="0"/>
-              <a:t>5/28/2017</a:t>
+              <a:t>5/29/2017</a:t>
             </a:fld>
             <a:endParaRPr lang="en-US"/>
           </a:p>
@@ -1555,7 +4018,7 @@
           <a:p>
             <a:fld id="{5AE8CEB2-1C38-49BD-8D06-712FD872530B}" type="datetimeFigureOut">
               <a:rPr lang="en-US" smtClean="0"/>
-              <a:t>5/28/2017</a:t>
+              <a:t>5/29/2017</a:t>
             </a:fld>
             <a:endParaRPr lang="en-US"/>
           </a:p>
@@ -2535,7 +4998,7 @@
           <a:p>
             <a:fld id="{5AE8CEB2-1C38-49BD-8D06-712FD872530B}" type="datetimeFigureOut">
               <a:rPr lang="en-US" smtClean="0"/>
-              <a:t>5/28/2017</a:t>
+              <a:t>5/29/2017</a:t>
             </a:fld>
             <a:endParaRPr lang="en-US"/>
           </a:p>
@@ -3669,7 +6132,7 @@
           <a:p>
             <a:fld id="{5AE8CEB2-1C38-49BD-8D06-712FD872530B}" type="datetimeFigureOut">
               <a:rPr lang="en-US" smtClean="0"/>
-              <a:t>5/28/2017</a:t>
+              <a:t>5/29/2017</a:t>
             </a:fld>
             <a:endParaRPr lang="en-US"/>
           </a:p>
@@ -4702,7 +7165,7 @@
           <a:p>
             <a:fld id="{5AE8CEB2-1C38-49BD-8D06-712FD872530B}" type="datetimeFigureOut">
               <a:rPr lang="en-US" smtClean="0"/>
-              <a:t>5/28/2017</a:t>
+              <a:t>5/29/2017</a:t>
             </a:fld>
             <a:endParaRPr lang="en-US"/>
           </a:p>
@@ -5362,7 +7825,7 @@
           <a:p>
             <a:fld id="{5AE8CEB2-1C38-49BD-8D06-712FD872530B}" type="datetimeFigureOut">
               <a:rPr lang="en-US" smtClean="0"/>
-              <a:t>5/28/2017</a:t>
+              <a:t>5/29/2017</a:t>
             </a:fld>
             <a:endParaRPr lang="en-US"/>
           </a:p>
@@ -6223,7 +8686,7 @@
           <a:p>
             <a:fld id="{5AE8CEB2-1C38-49BD-8D06-712FD872530B}" type="datetimeFigureOut">
               <a:rPr lang="en-US" smtClean="0"/>
-              <a:t>5/28/2017</a:t>
+              <a:t>5/29/2017</a:t>
             </a:fld>
             <a:endParaRPr lang="en-US"/>
           </a:p>
@@ -6413,7 +8876,7 @@
           <a:p>
             <a:fld id="{5AE8CEB2-1C38-49BD-8D06-712FD872530B}" type="datetimeFigureOut">
               <a:rPr lang="en-US" smtClean="0"/>
-              <a:t>5/28/2017</a:t>
+              <a:t>5/29/2017</a:t>
             </a:fld>
             <a:endParaRPr lang="en-US"/>
           </a:p>
@@ -7385,7 +9848,7 @@
           <a:p>
             <a:fld id="{5AE8CEB2-1C38-49BD-8D06-712FD872530B}" type="datetimeFigureOut">
               <a:rPr lang="en-US" smtClean="0"/>
-              <a:t>5/28/2017</a:t>
+              <a:t>5/29/2017</a:t>
             </a:fld>
             <a:endParaRPr lang="en-US"/>
           </a:p>
@@ -7601,7 +10064,7 @@
           <a:p>
             <a:fld id="{5AE8CEB2-1C38-49BD-8D06-712FD872530B}" type="datetimeFigureOut">
               <a:rPr lang="en-US" smtClean="0"/>
-              <a:t>5/28/2017</a:t>
+              <a:t>5/29/2017</a:t>
             </a:fld>
             <a:endParaRPr lang="en-US"/>
           </a:p>
@@ -8635,7 +11098,7 @@
           <a:p>
             <a:fld id="{5AE8CEB2-1C38-49BD-8D06-712FD872530B}" type="datetimeFigureOut">
               <a:rPr lang="en-US" smtClean="0"/>
-              <a:t>5/28/2017</a:t>
+              <a:t>5/29/2017</a:t>
             </a:fld>
             <a:endParaRPr lang="en-US"/>
           </a:p>
@@ -8912,7 +11375,7 @@
           <a:p>
             <a:fld id="{5AE8CEB2-1C38-49BD-8D06-712FD872530B}" type="datetimeFigureOut">
               <a:rPr lang="en-US" smtClean="0"/>
-              <a:t>5/28/2017</a:t>
+              <a:t>5/29/2017</a:t>
             </a:fld>
             <a:endParaRPr lang="en-US"/>
           </a:p>
@@ -9322,7 +11785,7 @@
           <a:p>
             <a:fld id="{5AE8CEB2-1C38-49BD-8D06-712FD872530B}" type="datetimeFigureOut">
               <a:rPr lang="en-US" smtClean="0"/>
-              <a:t>5/28/2017</a:t>
+              <a:t>5/29/2017</a:t>
             </a:fld>
             <a:endParaRPr lang="en-US"/>
           </a:p>
@@ -9449,7 +11912,7 @@
           <a:p>
             <a:fld id="{5AE8CEB2-1C38-49BD-8D06-712FD872530B}" type="datetimeFigureOut">
               <a:rPr lang="en-US" smtClean="0"/>
-              <a:t>5/28/2017</a:t>
+              <a:t>5/29/2017</a:t>
             </a:fld>
             <a:endParaRPr lang="en-US"/>
           </a:p>
@@ -9544,7 +12007,7 @@
           <a:p>
             <a:fld id="{5AE8CEB2-1C38-49BD-8D06-712FD872530B}" type="datetimeFigureOut">
               <a:rPr lang="en-US" smtClean="0"/>
-              <a:t>5/28/2017</a:t>
+              <a:t>5/29/2017</a:t>
             </a:fld>
             <a:endParaRPr lang="en-US"/>
           </a:p>
@@ -10630,7 +13093,7 @@
           <a:p>
             <a:fld id="{5AE8CEB2-1C38-49BD-8D06-712FD872530B}" type="datetimeFigureOut">
               <a:rPr lang="en-US" smtClean="0"/>
-              <a:t>5/28/2017</a:t>
+              <a:t>5/29/2017</a:t>
             </a:fld>
             <a:endParaRPr lang="en-US"/>
           </a:p>
@@ -11743,7 +14206,7 @@
           <a:p>
             <a:fld id="{5AE8CEB2-1C38-49BD-8D06-712FD872530B}" type="datetimeFigureOut">
               <a:rPr lang="en-US" smtClean="0"/>
-              <a:t>5/28/2017</a:t>
+              <a:t>5/29/2017</a:t>
             </a:fld>
             <a:endParaRPr lang="en-US"/>
           </a:p>
@@ -12740,7 +15203,7 @@
           <a:p>
             <a:fld id="{5AE8CEB2-1C38-49BD-8D06-712FD872530B}" type="datetimeFigureOut">
               <a:rPr lang="en-US" smtClean="0"/>
-              <a:t>5/28/2017</a:t>
+              <a:t>5/29/2017</a:t>
             </a:fld>
             <a:endParaRPr lang="en-US"/>
           </a:p>
@@ -13509,14 +15972,10 @@
           <a:lstStyle/>
           <a:p>
             <a:r>
-              <a:rPr lang="en-US" dirty="0" smtClean="0"/>
-              <a:t>BPMS </a:t>
-            </a:r>
-            <a:r>
-              <a:rPr lang="en-US" dirty="0" err="1" smtClean="0"/>
-              <a:t>Camunda</a:t>
-            </a:r>
-            <a:endParaRPr lang="en-US" dirty="0"/>
+              <a:rPr lang="en-US" i="1" dirty="0" smtClean="0"/>
+              <a:t>User Task</a:t>
+            </a:r>
+            <a:endParaRPr lang="en-US" i="1" dirty="0"/>
           </a:p>
         </p:txBody>
       </p:sp>
@@ -13532,8 +15991,8 @@
         </p:nvSpPr>
         <p:spPr>
           <a:xfrm>
-            <a:off x="1154954" y="2649995"/>
-            <a:ext cx="8825659" cy="3416300"/>
+            <a:off x="478299" y="2438908"/>
+            <a:ext cx="7787878" cy="4144772"/>
           </a:xfrm>
         </p:spPr>
         <p:txBody>
@@ -13543,162 +16002,153 @@
           <a:lstStyle/>
           <a:p>
             <a:r>
-              <a:rPr lang="en-US" sz="2000" dirty="0" smtClean="0"/>
-              <a:t>Business Process Management System : </a:t>
-            </a:r>
-            <a:r>
-              <a:rPr lang="en-US" sz="2000" dirty="0" err="1" smtClean="0"/>
+              <a:rPr lang="en-US" sz="2400" i="1" dirty="0" smtClean="0"/>
+              <a:t>User Task : </a:t>
+            </a:r>
+            <a:r>
+              <a:rPr lang="en-US" sz="2400" dirty="0" err="1" smtClean="0"/>
+              <a:t>pekerjaan</a:t>
+            </a:r>
+            <a:r>
+              <a:rPr lang="en-US" sz="2400" dirty="0" smtClean="0"/>
+              <a:t> yang </a:t>
+            </a:r>
+            <a:r>
+              <a:rPr lang="en-US" sz="2400" dirty="0" err="1" smtClean="0"/>
+              <a:t>dilakukan</a:t>
+            </a:r>
+            <a:r>
+              <a:rPr lang="en-US" sz="2400" dirty="0" smtClean="0"/>
+              <a:t> actor </a:t>
+            </a:r>
+            <a:r>
+              <a:rPr lang="en-US" sz="2400" dirty="0" err="1" smtClean="0"/>
+              <a:t>melalui</a:t>
+            </a:r>
+            <a:r>
+              <a:rPr lang="en-US" sz="2400" dirty="0" smtClean="0"/>
+              <a:t> </a:t>
+            </a:r>
+            <a:r>
+              <a:rPr lang="en-US" sz="2400" dirty="0" err="1" smtClean="0"/>
               <a:t>sistem</a:t>
             </a:r>
-            <a:r>
-              <a:rPr lang="en-US" sz="2000" dirty="0" smtClean="0"/>
-              <a:t> yang </a:t>
-            </a:r>
-            <a:r>
-              <a:rPr lang="en-US" sz="2000" dirty="0" err="1" smtClean="0"/>
-              <a:t>mengkoordinasikan</a:t>
-            </a:r>
-            <a:r>
-              <a:rPr lang="en-US" sz="2000" dirty="0"/>
-              <a:t> </a:t>
-            </a:r>
-            <a:r>
-              <a:rPr lang="en-US" sz="2000" dirty="0" err="1" smtClean="0"/>
-              <a:t>otomasi</a:t>
-            </a:r>
-            <a:r>
-              <a:rPr lang="en-US" sz="2000" dirty="0" smtClean="0"/>
-              <a:t> proses </a:t>
-            </a:r>
-            <a:r>
-              <a:rPr lang="en-US" sz="2000" dirty="0" err="1" smtClean="0"/>
-              <a:t>bisnis</a:t>
-            </a:r>
-            <a:endParaRPr lang="en-US" sz="2000" dirty="0" smtClean="0"/>
-          </a:p>
-          <a:p>
-            <a:r>
-              <a:rPr lang="en-US" sz="2000" dirty="0" err="1" smtClean="0"/>
-              <a:t>Tujuan</a:t>
-            </a:r>
-            <a:r>
-              <a:rPr lang="en-US" sz="2000" dirty="0" smtClean="0"/>
-              <a:t> : </a:t>
-            </a:r>
-            <a:r>
-              <a:rPr lang="en-US" sz="2000" dirty="0" err="1" smtClean="0"/>
-              <a:t>menyelesaikan</a:t>
-            </a:r>
-            <a:r>
-              <a:rPr lang="en-US" sz="2000" dirty="0" smtClean="0"/>
-              <a:t> proses </a:t>
-            </a:r>
-            <a:r>
-              <a:rPr lang="en-US" sz="2000" dirty="0" err="1" smtClean="0"/>
-              <a:t>pada</a:t>
-            </a:r>
-            <a:r>
-              <a:rPr lang="en-US" sz="2000" dirty="0" smtClean="0"/>
-              <a:t> </a:t>
-            </a:r>
-            <a:r>
-              <a:rPr lang="en-US" sz="2000" dirty="0" err="1" smtClean="0"/>
-              <a:t>waktu</a:t>
-            </a:r>
-            <a:r>
-              <a:rPr lang="en-US" sz="2000" dirty="0" smtClean="0"/>
-              <a:t> yang </a:t>
-            </a:r>
-            <a:r>
-              <a:rPr lang="en-US" sz="2000" dirty="0" err="1" smtClean="0"/>
-              <a:t>ditentukan</a:t>
-            </a:r>
-            <a:r>
-              <a:rPr lang="en-US" sz="2000" dirty="0" smtClean="0"/>
-              <a:t> </a:t>
-            </a:r>
-            <a:r>
-              <a:rPr lang="en-US" sz="2000" dirty="0" err="1" smtClean="0"/>
+            <a:endParaRPr lang="en-US" sz="2400" dirty="0" smtClean="0"/>
+          </a:p>
+          <a:p>
+            <a:r>
+              <a:rPr lang="en-US" sz="2400" dirty="0" err="1" smtClean="0"/>
+              <a:t>Memiliki</a:t>
+            </a:r>
+            <a:r>
+              <a:rPr lang="en-US" sz="2400" dirty="0" smtClean="0"/>
+              <a:t> </a:t>
+            </a:r>
+            <a:r>
+              <a:rPr lang="en-US" sz="2400" dirty="0" err="1" smtClean="0"/>
+              <a:t>beberapa</a:t>
+            </a:r>
+            <a:r>
+              <a:rPr lang="en-US" sz="2400" dirty="0" smtClean="0"/>
+              <a:t> </a:t>
+            </a:r>
+            <a:r>
+              <a:rPr lang="en-US" sz="2400" dirty="0" err="1" smtClean="0"/>
+              <a:t>atribut</a:t>
+            </a:r>
+            <a:r>
+              <a:rPr lang="en-US" sz="2400" dirty="0" smtClean="0"/>
+              <a:t> </a:t>
+            </a:r>
+            <a:r>
+              <a:rPr lang="en-US" sz="2400" dirty="0" err="1" smtClean="0"/>
+              <a:t>seperti</a:t>
+            </a:r>
+            <a:endParaRPr lang="en-US" sz="2400" dirty="0" smtClean="0"/>
+          </a:p>
+          <a:p>
+            <a:pPr lvl="1"/>
+            <a:r>
+              <a:rPr lang="en-US" sz="2200" dirty="0" smtClean="0"/>
+              <a:t>Id</a:t>
+            </a:r>
+          </a:p>
+          <a:p>
+            <a:pPr lvl="1"/>
+            <a:r>
+              <a:rPr lang="en-US" sz="2200" dirty="0" smtClean="0"/>
+              <a:t>Assignee</a:t>
+            </a:r>
+          </a:p>
+          <a:p>
+            <a:pPr lvl="1"/>
+            <a:r>
+              <a:rPr lang="en-US" sz="2200" dirty="0" smtClean="0"/>
+              <a:t>Candidate Users </a:t>
+            </a:r>
+            <a:r>
+              <a:rPr lang="en-US" sz="2200" dirty="0" err="1" smtClean="0"/>
               <a:t>dan</a:t>
             </a:r>
             <a:r>
-              <a:rPr lang="en-US" sz="2000" dirty="0" smtClean="0"/>
-              <a:t> </a:t>
-            </a:r>
-            <a:r>
-              <a:rPr lang="en-US" sz="2000" dirty="0" err="1" smtClean="0"/>
-              <a:t>menggunakan</a:t>
-            </a:r>
-            <a:r>
-              <a:rPr lang="en-US" sz="2000" dirty="0" smtClean="0"/>
-              <a:t> </a:t>
-            </a:r>
-            <a:r>
-              <a:rPr lang="en-US" sz="2000" dirty="0" err="1" smtClean="0"/>
-              <a:t>sumber</a:t>
-            </a:r>
-            <a:r>
-              <a:rPr lang="en-US" sz="2000" dirty="0" smtClean="0"/>
-              <a:t> </a:t>
-            </a:r>
-            <a:r>
-              <a:rPr lang="en-US" sz="2000" dirty="0" err="1" smtClean="0"/>
-              <a:t>daya</a:t>
-            </a:r>
-            <a:r>
-              <a:rPr lang="en-US" sz="2000" dirty="0" smtClean="0"/>
-              <a:t> yang </a:t>
-            </a:r>
-            <a:r>
-              <a:rPr lang="en-US" sz="2000" dirty="0" err="1" smtClean="0"/>
-              <a:t>tepat</a:t>
-            </a:r>
-            <a:endParaRPr lang="en-US" sz="2000" dirty="0" smtClean="0"/>
-          </a:p>
-          <a:p>
-            <a:r>
-              <a:rPr lang="en-US" sz="2000" dirty="0" smtClean="0"/>
-              <a:t>Salah </a:t>
-            </a:r>
-            <a:r>
-              <a:rPr lang="en-US" sz="2000" dirty="0" err="1" smtClean="0"/>
-              <a:t>satu</a:t>
-            </a:r>
-            <a:r>
-              <a:rPr lang="en-US" sz="2000" dirty="0" smtClean="0"/>
-              <a:t> BPMS </a:t>
-            </a:r>
-            <a:r>
-              <a:rPr lang="en-US" sz="2000" dirty="0" err="1" smtClean="0"/>
-              <a:t>adalah</a:t>
-            </a:r>
-            <a:r>
-              <a:rPr lang="en-US" sz="2000" dirty="0" smtClean="0"/>
-              <a:t> </a:t>
-            </a:r>
-            <a:r>
-              <a:rPr lang="en-US" sz="2000" dirty="0" err="1" smtClean="0"/>
-              <a:t>Camunda</a:t>
-            </a:r>
-            <a:r>
-              <a:rPr lang="en-US" sz="2000" dirty="0" smtClean="0"/>
-              <a:t> yang </a:t>
-            </a:r>
-            <a:r>
-              <a:rPr lang="en-US" sz="2000" dirty="0" err="1" smtClean="0"/>
-              <a:t>berbasis</a:t>
-            </a:r>
-            <a:r>
-              <a:rPr lang="en-US" sz="2000" dirty="0" smtClean="0"/>
-              <a:t> Java</a:t>
-            </a:r>
+              <a:rPr lang="en-US" sz="2200" dirty="0" smtClean="0"/>
+              <a:t> Candidate Groups</a:t>
+            </a:r>
+          </a:p>
+          <a:p>
+            <a:pPr lvl="1"/>
+            <a:r>
+              <a:rPr lang="en-US" sz="2200" dirty="0" smtClean="0"/>
+              <a:t>Form Key</a:t>
+            </a:r>
+          </a:p>
+          <a:p>
+            <a:pPr lvl="1"/>
+            <a:r>
+              <a:rPr lang="en-US" sz="2200" dirty="0" smtClean="0"/>
+              <a:t>Listener</a:t>
+            </a:r>
+          </a:p>
+          <a:p>
+            <a:pPr lvl="1"/>
+            <a:endParaRPr lang="en-US" sz="2200" dirty="0"/>
           </a:p>
         </p:txBody>
       </p:sp>
+      <p:pic>
+        <p:nvPicPr>
+          <p:cNvPr id="5" name="Picture 4"/>
+          <p:cNvPicPr>
+            <a:picLocks noChangeAspect="1"/>
+          </p:cNvPicPr>
+          <p:nvPr/>
+        </p:nvPicPr>
+        <p:blipFill>
+          <a:blip r:embed="rId3">
+            <a:extLst>
+              <a:ext uri="{28A0092B-C50C-407E-A947-70E740481C1C}">
+                <a14:useLocalDpi xmlns:a14="http://schemas.microsoft.com/office/drawing/2010/main" val="0"/>
+              </a:ext>
+            </a:extLst>
+          </a:blip>
+          <a:stretch>
+            <a:fillRect/>
+          </a:stretch>
+        </p:blipFill>
+        <p:spPr>
+          <a:xfrm>
+            <a:off x="7534656" y="0"/>
+            <a:ext cx="3474720" cy="7048717"/>
+          </a:xfrm>
+          <a:prstGeom prst="rect">
+            <a:avLst/>
+          </a:prstGeom>
+        </p:spPr>
+      </p:pic>
     </p:spTree>
     <p:extLst>
       <p:ext uri="{BB962C8B-B14F-4D97-AF65-F5344CB8AC3E}">
-        <p14:creationId xmlns:p14="http://schemas.microsoft.com/office/powerpoint/2010/main" val="1535809202"/>
+        <p14:creationId xmlns:p14="http://schemas.microsoft.com/office/powerpoint/2010/main" val="2733772580"/>
       </p:ext>
     </p:extLst>
   </p:cSld>
@@ -13732,35 +16182,6 @@
           <a:chExt cx="0" cy="0"/>
         </a:xfrm>
       </p:grpSpPr>
-      <p:pic>
-        <p:nvPicPr>
-          <p:cNvPr id="4" name="Content Placeholder 3"/>
-          <p:cNvPicPr>
-            <a:picLocks noGrp="1" noChangeAspect="1"/>
-          </p:cNvPicPr>
-          <p:nvPr>
-            <p:ph idx="1"/>
-          </p:nvPr>
-        </p:nvPicPr>
-        <p:blipFill>
-          <a:blip r:embed="rId2">
-            <a:extLst>
-              <a:ext uri="{28A0092B-C50C-407E-A947-70E740481C1C}">
-                <a14:useLocalDpi xmlns:a14="http://schemas.microsoft.com/office/drawing/2010/main" val="0"/>
-              </a:ext>
-            </a:extLst>
-          </a:blip>
-          <a:stretch>
-            <a:fillRect/>
-          </a:stretch>
-        </p:blipFill>
-        <p:spPr>
-          <a:xfrm>
-            <a:off x="1783997" y="1914386"/>
-            <a:ext cx="8132370" cy="4639621"/>
-          </a:xfrm>
-        </p:spPr>
-      </p:pic>
       <p:sp>
         <p:nvSpPr>
           <p:cNvPr id="2" name="Title 1"/>
@@ -13777,31 +16198,180 @@
           <a:lstStyle/>
           <a:p>
             <a:r>
-              <a:rPr lang="en-US" dirty="0" err="1" smtClean="0"/>
-              <a:t>Arsitektur</a:t>
-            </a:r>
-            <a:r>
-              <a:rPr lang="en-US" dirty="0" smtClean="0"/>
-              <a:t> BPMS </a:t>
-            </a:r>
-            <a:r>
-              <a:rPr lang="en-US" dirty="0" err="1" smtClean="0"/>
-              <a:t>Camunda</a:t>
-            </a:r>
-            <a:endParaRPr lang="en-US" dirty="0"/>
+              <a:rPr lang="en-US" i="1" dirty="0" smtClean="0"/>
+              <a:t>User Task – Task Listener</a:t>
+            </a:r>
+            <a:endParaRPr lang="en-US" i="1" dirty="0"/>
           </a:p>
         </p:txBody>
       </p:sp>
+      <p:sp>
+        <p:nvSpPr>
+          <p:cNvPr id="3" name="Content Placeholder 2"/>
+          <p:cNvSpPr>
+            <a:spLocks noGrp="1"/>
+          </p:cNvSpPr>
+          <p:nvPr>
+            <p:ph idx="1"/>
+          </p:nvPr>
+        </p:nvSpPr>
+        <p:spPr>
+          <a:xfrm>
+            <a:off x="1154955" y="2603500"/>
+            <a:ext cx="5666470" cy="3416300"/>
+          </a:xfrm>
+        </p:spPr>
+        <p:txBody>
+          <a:bodyPr>
+            <a:normAutofit/>
+          </a:bodyPr>
+          <a:lstStyle/>
+          <a:p>
+            <a:r>
+              <a:rPr lang="en-US" sz="2400" dirty="0" smtClean="0"/>
+              <a:t>Task Listener </a:t>
+            </a:r>
+            <a:r>
+              <a:rPr lang="en-US" sz="2400" dirty="0" err="1" smtClean="0"/>
+              <a:t>memiliki</a:t>
+            </a:r>
+            <a:r>
+              <a:rPr lang="en-US" sz="2400" dirty="0" smtClean="0"/>
+              <a:t> </a:t>
+            </a:r>
+            <a:r>
+              <a:rPr lang="en-US" sz="2400" dirty="0" err="1" smtClean="0"/>
+              <a:t>dua</a:t>
+            </a:r>
+            <a:r>
+              <a:rPr lang="en-US" sz="2400" dirty="0" smtClean="0"/>
+              <a:t> </a:t>
+            </a:r>
+            <a:r>
+              <a:rPr lang="en-US" sz="2400" dirty="0" err="1" smtClean="0"/>
+              <a:t>atribut</a:t>
+            </a:r>
+            <a:r>
+              <a:rPr lang="en-US" sz="2400" dirty="0" smtClean="0"/>
+              <a:t> :</a:t>
+            </a:r>
+          </a:p>
+          <a:p>
+            <a:pPr lvl="1"/>
+            <a:r>
+              <a:rPr lang="en-US" sz="2200" i="1" dirty="0" smtClean="0"/>
+              <a:t>Event Type (create, assignment, complete, delete</a:t>
+            </a:r>
+            <a:r>
+              <a:rPr lang="en-US" sz="2200" dirty="0" smtClean="0"/>
+              <a:t>)</a:t>
+            </a:r>
+          </a:p>
+          <a:p>
+            <a:pPr lvl="1"/>
+            <a:r>
+              <a:rPr lang="en-US" sz="2200" i="1" dirty="0" smtClean="0"/>
+              <a:t>Listener Type </a:t>
+            </a:r>
+          </a:p>
+          <a:p>
+            <a:r>
+              <a:rPr lang="en-US" sz="2400" dirty="0" smtClean="0"/>
+              <a:t>Task Listener </a:t>
+            </a:r>
+            <a:r>
+              <a:rPr lang="en-US" sz="2400" dirty="0" err="1" smtClean="0"/>
+              <a:t>memiliki</a:t>
+            </a:r>
+            <a:r>
+              <a:rPr lang="en-US" sz="2400" dirty="0" smtClean="0"/>
+              <a:t> </a:t>
+            </a:r>
+            <a:r>
+              <a:rPr lang="en-US" sz="2400" dirty="0" err="1" smtClean="0"/>
+              <a:t>lokasi</a:t>
+            </a:r>
+            <a:r>
+              <a:rPr lang="en-US" sz="2400" dirty="0" smtClean="0"/>
+              <a:t> </a:t>
+            </a:r>
+            <a:r>
+              <a:rPr lang="en-US" sz="2400" dirty="0" err="1" smtClean="0"/>
+              <a:t>kelas</a:t>
+            </a:r>
+            <a:r>
+              <a:rPr lang="en-US" sz="2400" dirty="0" smtClean="0"/>
+              <a:t> Java </a:t>
+            </a:r>
+            <a:r>
+              <a:rPr lang="en-US" sz="2400" dirty="0" err="1" smtClean="0"/>
+              <a:t>untuk</a:t>
+            </a:r>
+            <a:r>
+              <a:rPr lang="en-US" sz="2400" dirty="0" smtClean="0"/>
+              <a:t> </a:t>
+            </a:r>
+            <a:r>
+              <a:rPr lang="en-US" sz="2400" dirty="0" err="1" smtClean="0"/>
+              <a:t>eksekusi</a:t>
+            </a:r>
+            <a:r>
+              <a:rPr lang="en-US" sz="2400" dirty="0" smtClean="0"/>
+              <a:t> </a:t>
+            </a:r>
+          </a:p>
+          <a:p>
+            <a:endParaRPr lang="en-US" sz="2400" dirty="0"/>
+          </a:p>
+        </p:txBody>
+      </p:sp>
+      <p:pic>
+        <p:nvPicPr>
+          <p:cNvPr id="4" name="Picture 3"/>
+          <p:cNvPicPr>
+            <a:picLocks noChangeAspect="1"/>
+          </p:cNvPicPr>
+          <p:nvPr/>
+        </p:nvPicPr>
+        <p:blipFill>
+          <a:blip r:embed="rId3">
+            <a:extLst>
+              <a:ext uri="{28A0092B-C50C-407E-A947-70E740481C1C}">
+                <a14:useLocalDpi xmlns:a14="http://schemas.microsoft.com/office/drawing/2010/main" val="0"/>
+              </a:ext>
+            </a:extLst>
+          </a:blip>
+          <a:stretch>
+            <a:fillRect/>
+          </a:stretch>
+        </p:blipFill>
+        <p:spPr>
+          <a:xfrm>
+            <a:off x="7077456" y="1842242"/>
+            <a:ext cx="4956047" cy="5015758"/>
+          </a:xfrm>
+          <a:prstGeom prst="rect">
+            <a:avLst/>
+          </a:prstGeom>
+        </p:spPr>
+      </p:pic>
     </p:spTree>
     <p:extLst>
       <p:ext uri="{BB962C8B-B14F-4D97-AF65-F5344CB8AC3E}">
-        <p14:creationId xmlns:p14="http://schemas.microsoft.com/office/powerpoint/2010/main" val="4117415284"/>
+        <p14:creationId xmlns:p14="http://schemas.microsoft.com/office/powerpoint/2010/main" val="2211419400"/>
       </p:ext>
     </p:extLst>
   </p:cSld>
   <p:clrMapOvr>
     <a:masterClrMapping/>
   </p:clrMapOvr>
+  <p:timing>
+    <p:tnLst>
+      <p:par>
+        <p:cTn id="1" dur="indefinite" restart="never" nodeType="tmRoot"/>
+      </p:par>
+    </p:tnLst>
+  </p:timing>
 </p:sld>
 </file>
 
@@ -13839,371 +16409,62 @@
           <a:p>
             <a:r>
               <a:rPr lang="en-US" dirty="0" err="1" smtClean="0"/>
-              <a:t>Skenario</a:t>
+              <a:t>Contoh</a:t>
+            </a:r>
+            <a:r>
+              <a:rPr lang="en-US" dirty="0" smtClean="0"/>
+              <a:t> BPMN</a:t>
             </a:r>
             <a:endParaRPr lang="en-US" dirty="0"/>
           </a:p>
         </p:txBody>
       </p:sp>
-      <p:sp>
-        <p:nvSpPr>
-          <p:cNvPr id="3" name="Content Placeholder 2"/>
-          <p:cNvSpPr>
-            <a:spLocks noGrp="1"/>
-          </p:cNvSpPr>
+      <p:pic>
+        <p:nvPicPr>
+          <p:cNvPr id="6" name="Content Placeholder 5"/>
+          <p:cNvPicPr>
+            <a:picLocks noGrp="1" noChangeAspect="1"/>
+          </p:cNvPicPr>
           <p:nvPr>
             <p:ph idx="1"/>
           </p:nvPr>
-        </p:nvSpPr>
-        <p:spPr/>
-        <p:txBody>
-          <a:bodyPr/>
-          <a:lstStyle/>
-          <a:p>
-            <a:r>
-              <a:rPr lang="en-US" dirty="0" err="1" smtClean="0"/>
-              <a:t>Pegawai</a:t>
-            </a:r>
-            <a:r>
-              <a:rPr lang="en-US" dirty="0" smtClean="0"/>
-              <a:t> di </a:t>
-            </a:r>
-            <a:r>
-              <a:rPr lang="en-US" dirty="0" err="1" smtClean="0"/>
-              <a:t>perusahaan</a:t>
-            </a:r>
-            <a:r>
-              <a:rPr lang="en-US" dirty="0" smtClean="0"/>
-              <a:t> X </a:t>
-            </a:r>
-            <a:r>
-              <a:rPr lang="en-US" dirty="0" err="1" smtClean="0"/>
-              <a:t>memiliki</a:t>
-            </a:r>
-            <a:r>
-              <a:rPr lang="en-US" dirty="0" smtClean="0"/>
-              <a:t> </a:t>
-            </a:r>
-            <a:r>
-              <a:rPr lang="en-US" dirty="0" err="1" smtClean="0"/>
-              <a:t>tiga</a:t>
-            </a:r>
-            <a:r>
-              <a:rPr lang="en-US" dirty="0" smtClean="0"/>
-              <a:t> </a:t>
-            </a:r>
-            <a:r>
-              <a:rPr lang="en-US" dirty="0" err="1" smtClean="0"/>
-              <a:t>divisi</a:t>
-            </a:r>
-            <a:r>
-              <a:rPr lang="en-US" dirty="0" smtClean="0"/>
-              <a:t> </a:t>
-            </a:r>
-            <a:r>
-              <a:rPr lang="en-US" dirty="0" err="1" smtClean="0"/>
-              <a:t>yaitu</a:t>
-            </a:r>
-            <a:r>
-              <a:rPr lang="en-US" dirty="0" smtClean="0"/>
-              <a:t> :</a:t>
-            </a:r>
-          </a:p>
-          <a:p>
-            <a:pPr lvl="1"/>
-            <a:r>
-              <a:rPr lang="en-US" dirty="0" smtClean="0"/>
-              <a:t>Accounting (</a:t>
-            </a:r>
-            <a:r>
-              <a:rPr lang="en-US" dirty="0" err="1" smtClean="0"/>
-              <a:t>diwakili</a:t>
-            </a:r>
-            <a:r>
-              <a:rPr lang="en-US" dirty="0" smtClean="0"/>
-              <a:t> </a:t>
-            </a:r>
-            <a:r>
-              <a:rPr lang="en-US" dirty="0" err="1" smtClean="0"/>
-              <a:t>oleh</a:t>
-            </a:r>
-            <a:r>
-              <a:rPr lang="en-US" dirty="0" smtClean="0"/>
-              <a:t> Mary)</a:t>
-            </a:r>
-          </a:p>
-          <a:p>
-            <a:pPr lvl="1"/>
-            <a:r>
-              <a:rPr lang="en-US" dirty="0" smtClean="0"/>
-              <a:t>Sales (</a:t>
-            </a:r>
-            <a:r>
-              <a:rPr lang="en-US" dirty="0" err="1" smtClean="0"/>
-              <a:t>diwakili</a:t>
-            </a:r>
-            <a:r>
-              <a:rPr lang="en-US" dirty="0" smtClean="0"/>
-              <a:t> </a:t>
-            </a:r>
-            <a:r>
-              <a:rPr lang="en-US" dirty="0" err="1" smtClean="0"/>
-              <a:t>oleh</a:t>
-            </a:r>
-            <a:r>
-              <a:rPr lang="en-US" dirty="0" smtClean="0"/>
-              <a:t> John)</a:t>
-            </a:r>
-          </a:p>
-          <a:p>
-            <a:pPr lvl="1"/>
-            <a:r>
-              <a:rPr lang="en-US" dirty="0" smtClean="0"/>
-              <a:t>Management (</a:t>
-            </a:r>
-            <a:r>
-              <a:rPr lang="en-US" dirty="0" err="1" smtClean="0"/>
-              <a:t>diwakili</a:t>
-            </a:r>
-            <a:r>
-              <a:rPr lang="en-US" dirty="0" smtClean="0"/>
-              <a:t> </a:t>
-            </a:r>
-            <a:r>
-              <a:rPr lang="en-US" dirty="0" err="1" smtClean="0"/>
-              <a:t>oleh</a:t>
-            </a:r>
-            <a:r>
-              <a:rPr lang="en-US" dirty="0" smtClean="0"/>
-              <a:t> Peter)</a:t>
-            </a:r>
-          </a:p>
-          <a:p>
-            <a:r>
-              <a:rPr lang="en-US" dirty="0" err="1" smtClean="0"/>
-              <a:t>Divisi</a:t>
-            </a:r>
-            <a:r>
-              <a:rPr lang="en-US" dirty="0" smtClean="0"/>
-              <a:t> Accounting </a:t>
-            </a:r>
-            <a:r>
-              <a:rPr lang="en-US" dirty="0" err="1" smtClean="0"/>
-              <a:t>dan</a:t>
-            </a:r>
-            <a:r>
-              <a:rPr lang="en-US" dirty="0" smtClean="0"/>
-              <a:t> Sales </a:t>
-            </a:r>
-            <a:r>
-              <a:rPr lang="en-US" dirty="0" err="1" smtClean="0"/>
-              <a:t>dapat</a:t>
-            </a:r>
-            <a:r>
-              <a:rPr lang="en-US" dirty="0" smtClean="0"/>
-              <a:t> </a:t>
-            </a:r>
-            <a:r>
-              <a:rPr lang="en-US" dirty="0" err="1" smtClean="0"/>
-              <a:t>mengajukan</a:t>
-            </a:r>
-            <a:r>
-              <a:rPr lang="en-US" dirty="0" smtClean="0"/>
-              <a:t> proposal </a:t>
-            </a:r>
-            <a:r>
-              <a:rPr lang="en-US" dirty="0" err="1" smtClean="0"/>
-              <a:t>ke</a:t>
-            </a:r>
-            <a:r>
-              <a:rPr lang="en-US" dirty="0"/>
-              <a:t> </a:t>
-            </a:r>
-            <a:r>
-              <a:rPr lang="en-US" dirty="0" err="1" smtClean="0"/>
-              <a:t>divisi</a:t>
-            </a:r>
-            <a:r>
-              <a:rPr lang="en-US" dirty="0" smtClean="0"/>
-              <a:t> Management </a:t>
-            </a:r>
-            <a:r>
-              <a:rPr lang="en-US" dirty="0" err="1" smtClean="0"/>
-              <a:t>dengan</a:t>
-            </a:r>
-            <a:r>
-              <a:rPr lang="en-US" dirty="0" smtClean="0"/>
-              <a:t> </a:t>
-            </a:r>
-            <a:r>
-              <a:rPr lang="en-US" dirty="0" err="1" smtClean="0"/>
-              <a:t>cara</a:t>
-            </a:r>
-            <a:r>
-              <a:rPr lang="en-US" dirty="0" smtClean="0"/>
-              <a:t> </a:t>
-            </a:r>
-            <a:r>
-              <a:rPr lang="en-US" dirty="0" err="1" smtClean="0"/>
-              <a:t>Mengunggahnya</a:t>
-            </a:r>
-            <a:endParaRPr lang="en-US" dirty="0" smtClean="0"/>
-          </a:p>
-          <a:p>
-            <a:r>
-              <a:rPr lang="en-US" dirty="0" err="1" smtClean="0"/>
-              <a:t>Dvisi</a:t>
-            </a:r>
-            <a:r>
-              <a:rPr lang="en-US" dirty="0" smtClean="0"/>
-              <a:t> Management </a:t>
-            </a:r>
-            <a:r>
-              <a:rPr lang="en-US" dirty="0" err="1" smtClean="0"/>
-              <a:t>perlu</a:t>
-            </a:r>
-            <a:r>
-              <a:rPr lang="en-US" dirty="0" smtClean="0"/>
-              <a:t> </a:t>
-            </a:r>
-            <a:r>
-              <a:rPr lang="en-US" dirty="0" err="1" smtClean="0"/>
-              <a:t>memeriksa</a:t>
-            </a:r>
-            <a:r>
-              <a:rPr lang="en-US" dirty="0" smtClean="0"/>
-              <a:t> proposal </a:t>
-            </a:r>
-            <a:r>
-              <a:rPr lang="en-US" dirty="0" err="1" smtClean="0"/>
-              <a:t>apakah</a:t>
-            </a:r>
-            <a:r>
-              <a:rPr lang="en-US" dirty="0" smtClean="0"/>
-              <a:t> </a:t>
-            </a:r>
-            <a:r>
-              <a:rPr lang="en-US" dirty="0" err="1" smtClean="0"/>
-              <a:t>layak</a:t>
-            </a:r>
-            <a:r>
-              <a:rPr lang="en-US" dirty="0" smtClean="0"/>
-              <a:t> </a:t>
-            </a:r>
-            <a:r>
-              <a:rPr lang="en-US" dirty="0" err="1" smtClean="0"/>
-              <a:t>atau</a:t>
-            </a:r>
-            <a:r>
-              <a:rPr lang="en-US" dirty="0" smtClean="0"/>
-              <a:t> </a:t>
-            </a:r>
-            <a:r>
-              <a:rPr lang="en-US" dirty="0" err="1" smtClean="0"/>
-              <a:t>tidak</a:t>
-            </a:r>
-            <a:endParaRPr lang="en-US" dirty="0" smtClean="0"/>
-          </a:p>
-          <a:p>
-            <a:pPr lvl="1"/>
-            <a:r>
-              <a:rPr lang="en-US" dirty="0" err="1" smtClean="0"/>
-              <a:t>Bila</a:t>
-            </a:r>
-            <a:r>
-              <a:rPr lang="en-US" dirty="0" smtClean="0"/>
-              <a:t> proposal </a:t>
-            </a:r>
-            <a:r>
-              <a:rPr lang="en-US" dirty="0" err="1" smtClean="0"/>
-              <a:t>layak</a:t>
-            </a:r>
-            <a:r>
-              <a:rPr lang="en-US" dirty="0" smtClean="0"/>
-              <a:t>, proposal </a:t>
-            </a:r>
-            <a:r>
-              <a:rPr lang="en-US" dirty="0" err="1" smtClean="0"/>
-              <a:t>diterima</a:t>
-            </a:r>
-            <a:endParaRPr lang="en-US" dirty="0" smtClean="0"/>
-          </a:p>
-          <a:p>
-            <a:pPr lvl="1"/>
-            <a:r>
-              <a:rPr lang="en-US" dirty="0" err="1" smtClean="0"/>
-              <a:t>Bila</a:t>
-            </a:r>
-            <a:r>
-              <a:rPr lang="en-US" dirty="0" smtClean="0"/>
-              <a:t> proposal </a:t>
-            </a:r>
-            <a:r>
-              <a:rPr lang="en-US" dirty="0" err="1" smtClean="0"/>
-              <a:t>tidak</a:t>
-            </a:r>
-            <a:r>
-              <a:rPr lang="en-US" dirty="0" smtClean="0"/>
-              <a:t> </a:t>
-            </a:r>
-            <a:r>
-              <a:rPr lang="en-US" dirty="0" err="1" smtClean="0"/>
-              <a:t>layak</a:t>
-            </a:r>
-            <a:r>
-              <a:rPr lang="en-US" dirty="0" smtClean="0"/>
-              <a:t>, proposal </a:t>
-            </a:r>
-            <a:r>
-              <a:rPr lang="en-US" dirty="0" err="1" smtClean="0"/>
-              <a:t>ditolah</a:t>
-            </a:r>
-            <a:r>
-              <a:rPr lang="en-US" dirty="0"/>
-              <a:t> </a:t>
-            </a:r>
-            <a:r>
-              <a:rPr lang="en-US" dirty="0" err="1" smtClean="0"/>
-              <a:t>dan</a:t>
-            </a:r>
-            <a:r>
-              <a:rPr lang="en-US" dirty="0" smtClean="0"/>
-              <a:t> </a:t>
-            </a:r>
-            <a:r>
-              <a:rPr lang="en-US" dirty="0" err="1" smtClean="0"/>
-              <a:t>perlu</a:t>
-            </a:r>
-            <a:r>
-              <a:rPr lang="en-US" dirty="0" smtClean="0"/>
-              <a:t> </a:t>
-            </a:r>
-            <a:r>
-              <a:rPr lang="en-US" dirty="0" err="1" smtClean="0"/>
-              <a:t>mengajukan</a:t>
-            </a:r>
-            <a:r>
-              <a:rPr lang="en-US" dirty="0" smtClean="0"/>
-              <a:t> proposal </a:t>
-            </a:r>
-            <a:r>
-              <a:rPr lang="en-US" dirty="0" err="1" smtClean="0"/>
-              <a:t>lagi</a:t>
-            </a:r>
-            <a:endParaRPr lang="en-US" dirty="0"/>
-          </a:p>
-        </p:txBody>
-      </p:sp>
+        </p:nvPicPr>
+        <p:blipFill>
+          <a:blip r:embed="rId2">
+            <a:extLst>
+              <a:ext uri="{28A0092B-C50C-407E-A947-70E740481C1C}">
+                <a14:useLocalDpi xmlns:a14="http://schemas.microsoft.com/office/drawing/2010/main" val="0"/>
+              </a:ext>
+            </a:extLst>
+          </a:blip>
+          <a:stretch>
+            <a:fillRect/>
+          </a:stretch>
+        </p:blipFill>
+        <p:spPr>
+          <a:xfrm>
+            <a:off x="480732" y="2430155"/>
+            <a:ext cx="11175774" cy="4177123"/>
+          </a:xfrm>
+        </p:spPr>
+      </p:pic>
     </p:spTree>
     <p:extLst>
       <p:ext uri="{BB962C8B-B14F-4D97-AF65-F5344CB8AC3E}">
-        <p14:creationId xmlns:p14="http://schemas.microsoft.com/office/powerpoint/2010/main" val="295526525"/>
+        <p14:creationId xmlns:p14="http://schemas.microsoft.com/office/powerpoint/2010/main" val="1077935443"/>
       </p:ext>
     </p:extLst>
   </p:cSld>
   <p:clrMapOvr>
     <a:masterClrMapping/>
   </p:clrMapOvr>
+  <p:timing>
+    <p:tnLst>
+      <p:par>
+        <p:cTn id="1" dur="indefinite" restart="never" nodeType="tmRoot"/>
+      </p:par>
+    </p:tnLst>
+  </p:timing>
 </p:sld>
 </file>
 
@@ -14241,55 +16502,208 @@
           <a:p>
             <a:r>
               <a:rPr lang="en-US" dirty="0" smtClean="0"/>
-              <a:t>BPMN </a:t>
+              <a:t>BPMS </a:t>
             </a:r>
             <a:r>
               <a:rPr lang="en-US" dirty="0" err="1" smtClean="0"/>
-              <a:t>Skenario</a:t>
+              <a:t>Camunda</a:t>
             </a:r>
             <a:endParaRPr lang="en-US" dirty="0"/>
           </a:p>
         </p:txBody>
       </p:sp>
-      <p:pic>
-        <p:nvPicPr>
-          <p:cNvPr id="4" name="Content Placeholder 3"/>
-          <p:cNvPicPr>
-            <a:picLocks noGrp="1" noChangeAspect="1"/>
-          </p:cNvPicPr>
+      <p:sp>
+        <p:nvSpPr>
+          <p:cNvPr id="3" name="Content Placeholder 2"/>
+          <p:cNvSpPr>
+            <a:spLocks noGrp="1"/>
+          </p:cNvSpPr>
           <p:nvPr>
             <p:ph idx="1"/>
           </p:nvPr>
-        </p:nvPicPr>
-        <p:blipFill>
-          <a:blip r:embed="rId2">
-            <a:extLst>
-              <a:ext uri="{28A0092B-C50C-407E-A947-70E740481C1C}">
-                <a14:useLocalDpi xmlns:a14="http://schemas.microsoft.com/office/drawing/2010/main" val="0"/>
-              </a:ext>
-            </a:extLst>
-          </a:blip>
-          <a:stretch>
-            <a:fillRect/>
-          </a:stretch>
-        </p:blipFill>
+        </p:nvSpPr>
         <p:spPr>
           <a:xfrm>
-            <a:off x="2300255" y="1805861"/>
-            <a:ext cx="6470809" cy="4686801"/>
+            <a:off x="1154954" y="2649995"/>
+            <a:ext cx="8825659" cy="3416300"/>
           </a:xfrm>
         </p:spPr>
-      </p:pic>
+        <p:txBody>
+          <a:bodyPr>
+            <a:normAutofit/>
+          </a:bodyPr>
+          <a:lstStyle/>
+          <a:p>
+            <a:r>
+              <a:rPr lang="en-US" sz="2400" dirty="0" smtClean="0"/>
+              <a:t>Business Process Management System : </a:t>
+            </a:r>
+            <a:r>
+              <a:rPr lang="en-US" sz="2400" dirty="0" err="1" smtClean="0"/>
+              <a:t>sistem</a:t>
+            </a:r>
+            <a:r>
+              <a:rPr lang="en-US" sz="2400" dirty="0" smtClean="0"/>
+              <a:t> yang </a:t>
+            </a:r>
+            <a:r>
+              <a:rPr lang="en-US" sz="2400" dirty="0" err="1" smtClean="0"/>
+              <a:t>mengkoordinasikan</a:t>
+            </a:r>
+            <a:r>
+              <a:rPr lang="en-US" sz="2400" dirty="0"/>
+              <a:t> </a:t>
+            </a:r>
+            <a:r>
+              <a:rPr lang="en-US" sz="2400" dirty="0" err="1" smtClean="0"/>
+              <a:t>otomasi</a:t>
+            </a:r>
+            <a:r>
+              <a:rPr lang="en-US" sz="2400" dirty="0" smtClean="0"/>
+              <a:t> proses </a:t>
+            </a:r>
+            <a:r>
+              <a:rPr lang="en-US" sz="2400" dirty="0" err="1" smtClean="0"/>
+              <a:t>bisnis</a:t>
+            </a:r>
+            <a:endParaRPr lang="en-US" sz="2400" dirty="0" smtClean="0"/>
+          </a:p>
+          <a:p>
+            <a:r>
+              <a:rPr lang="en-US" sz="2400" dirty="0" err="1" smtClean="0"/>
+              <a:t>Tujuan</a:t>
+            </a:r>
+            <a:r>
+              <a:rPr lang="en-US" sz="2400" dirty="0" smtClean="0"/>
+              <a:t> : </a:t>
+            </a:r>
+            <a:r>
+              <a:rPr lang="en-US" sz="2400" dirty="0" err="1" smtClean="0"/>
+              <a:t>menyelesaikan</a:t>
+            </a:r>
+            <a:r>
+              <a:rPr lang="en-US" sz="2400" dirty="0" smtClean="0"/>
+              <a:t> proses </a:t>
+            </a:r>
+            <a:r>
+              <a:rPr lang="en-US" sz="2400" dirty="0" err="1" smtClean="0"/>
+              <a:t>pada</a:t>
+            </a:r>
+            <a:r>
+              <a:rPr lang="en-US" sz="2400" dirty="0" smtClean="0"/>
+              <a:t> </a:t>
+            </a:r>
+            <a:r>
+              <a:rPr lang="en-US" sz="2400" dirty="0" err="1" smtClean="0"/>
+              <a:t>waktu</a:t>
+            </a:r>
+            <a:r>
+              <a:rPr lang="en-US" sz="2400" dirty="0" smtClean="0"/>
+              <a:t> yang </a:t>
+            </a:r>
+            <a:r>
+              <a:rPr lang="en-US" sz="2400" dirty="0" err="1" smtClean="0"/>
+              <a:t>ditentukan</a:t>
+            </a:r>
+            <a:r>
+              <a:rPr lang="en-US" sz="2400" dirty="0" smtClean="0"/>
+              <a:t> </a:t>
+            </a:r>
+            <a:r>
+              <a:rPr lang="en-US" sz="2400" dirty="0" err="1" smtClean="0"/>
+              <a:t>dan</a:t>
+            </a:r>
+            <a:r>
+              <a:rPr lang="en-US" sz="2400" dirty="0" smtClean="0"/>
+              <a:t> </a:t>
+            </a:r>
+            <a:r>
+              <a:rPr lang="en-US" sz="2400" dirty="0" err="1" smtClean="0"/>
+              <a:t>menggunakan</a:t>
+            </a:r>
+            <a:r>
+              <a:rPr lang="en-US" sz="2400" dirty="0" smtClean="0"/>
+              <a:t> </a:t>
+            </a:r>
+            <a:r>
+              <a:rPr lang="en-US" sz="2400" dirty="0" err="1" smtClean="0"/>
+              <a:t>sumber</a:t>
+            </a:r>
+            <a:r>
+              <a:rPr lang="en-US" sz="2400" dirty="0" smtClean="0"/>
+              <a:t> </a:t>
+            </a:r>
+            <a:r>
+              <a:rPr lang="en-US" sz="2400" dirty="0" err="1" smtClean="0"/>
+              <a:t>daya</a:t>
+            </a:r>
+            <a:r>
+              <a:rPr lang="en-US" sz="2400" dirty="0" smtClean="0"/>
+              <a:t> yang </a:t>
+            </a:r>
+            <a:r>
+              <a:rPr lang="en-US" sz="2400" dirty="0" err="1" smtClean="0"/>
+              <a:t>tepat</a:t>
+            </a:r>
+            <a:endParaRPr lang="en-US" sz="2400" dirty="0" smtClean="0"/>
+          </a:p>
+          <a:p>
+            <a:r>
+              <a:rPr lang="en-US" sz="2400" dirty="0" smtClean="0"/>
+              <a:t>Salah </a:t>
+            </a:r>
+            <a:r>
+              <a:rPr lang="en-US" sz="2400" dirty="0" err="1" smtClean="0"/>
+              <a:t>satu</a:t>
+            </a:r>
+            <a:r>
+              <a:rPr lang="en-US" sz="2400" dirty="0" smtClean="0"/>
+              <a:t> BPMS </a:t>
+            </a:r>
+            <a:r>
+              <a:rPr lang="en-US" sz="2400" dirty="0" err="1" smtClean="0"/>
+              <a:t>adalah</a:t>
+            </a:r>
+            <a:r>
+              <a:rPr lang="en-US" sz="2400" dirty="0" smtClean="0"/>
+              <a:t> </a:t>
+            </a:r>
+            <a:r>
+              <a:rPr lang="en-US" sz="2400" dirty="0" err="1" smtClean="0"/>
+              <a:t>Camunda</a:t>
+            </a:r>
+            <a:r>
+              <a:rPr lang="en-US" sz="2400" dirty="0" smtClean="0"/>
+              <a:t> yang </a:t>
+            </a:r>
+            <a:r>
+              <a:rPr lang="en-US" sz="2400" dirty="0" err="1" smtClean="0"/>
+              <a:t>berbasis</a:t>
+            </a:r>
+            <a:r>
+              <a:rPr lang="en-US" sz="2400" dirty="0" smtClean="0"/>
+              <a:t> Java</a:t>
+            </a:r>
+          </a:p>
+        </p:txBody>
+      </p:sp>
     </p:spTree>
     <p:extLst>
       <p:ext uri="{BB962C8B-B14F-4D97-AF65-F5344CB8AC3E}">
-        <p14:creationId xmlns:p14="http://schemas.microsoft.com/office/powerpoint/2010/main" val="4020657944"/>
+        <p14:creationId xmlns:p14="http://schemas.microsoft.com/office/powerpoint/2010/main" val="1535809202"/>
       </p:ext>
     </p:extLst>
   </p:cSld>
   <p:clrMapOvr>
     <a:masterClrMapping/>
   </p:clrMapOvr>
+  <p:timing>
+    <p:tnLst>
+      <p:par>
+        <p:cTn id="1" dur="indefinite" restart="never" nodeType="tmRoot"/>
+      </p:par>
+    </p:tnLst>
+  </p:timing>
 </p:sld>
 </file>
 
@@ -14310,6 +16724,35 @@
           <a:chExt cx="0" cy="0"/>
         </a:xfrm>
       </p:grpSpPr>
+      <p:pic>
+        <p:nvPicPr>
+          <p:cNvPr id="4" name="Content Placeholder 3"/>
+          <p:cNvPicPr>
+            <a:picLocks noGrp="1" noChangeAspect="1"/>
+          </p:cNvPicPr>
+          <p:nvPr>
+            <p:ph idx="1"/>
+          </p:nvPr>
+        </p:nvPicPr>
+        <p:blipFill>
+          <a:blip r:embed="rId3">
+            <a:extLst>
+              <a:ext uri="{28A0092B-C50C-407E-A947-70E740481C1C}">
+                <a14:useLocalDpi xmlns:a14="http://schemas.microsoft.com/office/drawing/2010/main" val="0"/>
+              </a:ext>
+            </a:extLst>
+          </a:blip>
+          <a:stretch>
+            <a:fillRect/>
+          </a:stretch>
+        </p:blipFill>
+        <p:spPr>
+          <a:xfrm>
+            <a:off x="1784408" y="1969020"/>
+            <a:ext cx="8569449" cy="4888980"/>
+          </a:xfrm>
+        </p:spPr>
+      </p:pic>
       <p:sp>
         <p:nvSpPr>
           <p:cNvPr id="2" name="Title 1"/>
@@ -14327,39 +16770,16 @@
           <a:p>
             <a:r>
               <a:rPr lang="en-US" dirty="0" err="1" smtClean="0"/>
-              <a:t>Integrasi</a:t>
+              <a:t>Arsitektur</a:t>
             </a:r>
             <a:r>
               <a:rPr lang="en-US" dirty="0" smtClean="0"/>
-              <a:t> </a:t>
+              <a:t> BPMS </a:t>
             </a:r>
             <a:r>
               <a:rPr lang="en-US" dirty="0" err="1" smtClean="0"/>
-              <a:t>Sistem</a:t>
-            </a:r>
-            <a:r>
-              <a:rPr lang="en-US" dirty="0" smtClean="0"/>
-              <a:t> Email</a:t>
-            </a:r>
-            <a:endParaRPr lang="en-US" dirty="0"/>
-          </a:p>
-        </p:txBody>
-      </p:sp>
-      <p:sp>
-        <p:nvSpPr>
-          <p:cNvPr id="3" name="Content Placeholder 2"/>
-          <p:cNvSpPr>
-            <a:spLocks noGrp="1"/>
-          </p:cNvSpPr>
-          <p:nvPr>
-            <p:ph idx="1"/>
-          </p:nvPr>
-        </p:nvSpPr>
-        <p:spPr/>
-        <p:txBody>
-          <a:bodyPr/>
-          <a:lstStyle/>
-          <a:p>
+              <a:t>Camunda</a:t>
+            </a:r>
             <a:endParaRPr lang="en-US" dirty="0"/>
           </a:p>
         </p:txBody>
@@ -14367,13 +16787,20 @@
     </p:spTree>
     <p:extLst>
       <p:ext uri="{BB962C8B-B14F-4D97-AF65-F5344CB8AC3E}">
-        <p14:creationId xmlns:p14="http://schemas.microsoft.com/office/powerpoint/2010/main" val="2211419400"/>
+        <p14:creationId xmlns:p14="http://schemas.microsoft.com/office/powerpoint/2010/main" val="4117415284"/>
       </p:ext>
     </p:extLst>
   </p:cSld>
   <p:clrMapOvr>
     <a:masterClrMapping/>
   </p:clrMapOvr>
+  <p:timing>
+    <p:tnLst>
+      <p:par>
+        <p:cTn id="1" dur="indefinite" restart="never" nodeType="tmRoot"/>
+      </p:par>
+    </p:tnLst>
+  </p:timing>
 </p:sld>
 </file>
 
@@ -14410,8 +16837,28 @@
           <a:lstStyle/>
           <a:p>
             <a:r>
+              <a:rPr lang="en-US" dirty="0" err="1" smtClean="0"/>
+              <a:t>Integrasi</a:t>
+            </a:r>
+            <a:r>
               <a:rPr lang="en-US" dirty="0" smtClean="0"/>
-              <a:t>Demo</a:t>
+              <a:t> </a:t>
+            </a:r>
+            <a:r>
+              <a:rPr lang="en-US" dirty="0" err="1" smtClean="0"/>
+              <a:t>dengan</a:t>
+            </a:r>
+            <a:r>
+              <a:rPr lang="en-US" dirty="0" smtClean="0"/>
+              <a:t> </a:t>
+            </a:r>
+            <a:r>
+              <a:rPr lang="en-US" dirty="0" err="1" smtClean="0"/>
+              <a:t>Sistem</a:t>
+            </a:r>
+            <a:r>
+              <a:rPr lang="en-US" dirty="0" smtClean="0"/>
+              <a:t> Email	</a:t>
             </a:r>
             <a:endParaRPr lang="en-US" dirty="0"/>
           </a:p>
@@ -14429,23 +16876,272 @@
         </p:nvSpPr>
         <p:spPr/>
         <p:txBody>
-          <a:bodyPr/>
+          <a:bodyPr>
+            <a:normAutofit/>
+          </a:bodyPr>
           <a:lstStyle/>
           <a:p>
-            <a:endParaRPr lang="en-US"/>
+            <a:r>
+              <a:rPr lang="en-US" sz="2400" dirty="0" err="1" smtClean="0"/>
+              <a:t>Integrasi</a:t>
+            </a:r>
+            <a:r>
+              <a:rPr lang="en-US" sz="2400" dirty="0" smtClean="0"/>
+              <a:t> di </a:t>
+            </a:r>
+            <a:r>
+              <a:rPr lang="en-US" sz="2400" dirty="0" err="1" smtClean="0"/>
+              <a:t>sini</a:t>
+            </a:r>
+            <a:r>
+              <a:rPr lang="en-US" sz="2400" dirty="0" smtClean="0"/>
+              <a:t> </a:t>
+            </a:r>
+            <a:r>
+              <a:rPr lang="en-US" sz="2400" dirty="0" err="1" smtClean="0"/>
+              <a:t>berarti</a:t>
+            </a:r>
+            <a:r>
+              <a:rPr lang="en-US" sz="2400" dirty="0" smtClean="0"/>
+              <a:t> </a:t>
+            </a:r>
+            <a:r>
+              <a:rPr lang="en-US" sz="2400" dirty="0" err="1" smtClean="0"/>
+              <a:t>integrasi</a:t>
+            </a:r>
+            <a:r>
+              <a:rPr lang="en-US" sz="2400" dirty="0" smtClean="0"/>
+              <a:t> </a:t>
+            </a:r>
+            <a:r>
+              <a:rPr lang="en-US" sz="2400" dirty="0" err="1" smtClean="0"/>
+              <a:t>antara</a:t>
+            </a:r>
+            <a:r>
+              <a:rPr lang="en-US" sz="2400" dirty="0" smtClean="0"/>
+              <a:t> </a:t>
+            </a:r>
+            <a:r>
+              <a:rPr lang="en-US" sz="2400" i="1" dirty="0" smtClean="0"/>
+              <a:t>user tasks </a:t>
+            </a:r>
+            <a:r>
+              <a:rPr lang="en-US" sz="2400" dirty="0" err="1" smtClean="0"/>
+              <a:t>dengan</a:t>
+            </a:r>
+            <a:r>
+              <a:rPr lang="en-US" sz="2400" dirty="0" smtClean="0"/>
+              <a:t> </a:t>
+            </a:r>
+            <a:r>
+              <a:rPr lang="en-US" sz="2400" dirty="0" err="1" smtClean="0"/>
+              <a:t>sistem</a:t>
+            </a:r>
+            <a:r>
+              <a:rPr lang="en-US" sz="2400" dirty="0" smtClean="0"/>
+              <a:t> email (</a:t>
+            </a:r>
+            <a:r>
+              <a:rPr lang="en-US" sz="2400" dirty="0" err="1" smtClean="0"/>
+              <a:t>ketika</a:t>
+            </a:r>
+            <a:r>
+              <a:rPr lang="en-US" sz="2400" dirty="0" smtClean="0"/>
+              <a:t> </a:t>
+            </a:r>
+            <a:r>
+              <a:rPr lang="en-US" sz="2400" dirty="0" err="1" smtClean="0"/>
+              <a:t>suatu</a:t>
+            </a:r>
+            <a:r>
+              <a:rPr lang="en-US" sz="2400" dirty="0" smtClean="0"/>
+              <a:t> </a:t>
+            </a:r>
+            <a:r>
+              <a:rPr lang="en-US" sz="2400" i="1" dirty="0" smtClean="0"/>
+              <a:t>task </a:t>
+            </a:r>
+            <a:r>
+              <a:rPr lang="en-US" sz="2400" dirty="0" err="1" smtClean="0"/>
+              <a:t>siap</a:t>
+            </a:r>
+            <a:r>
+              <a:rPr lang="en-US" sz="2400" dirty="0" smtClean="0"/>
+              <a:t> </a:t>
+            </a:r>
+            <a:r>
+              <a:rPr lang="en-US" sz="2400" dirty="0" err="1" smtClean="0"/>
+              <a:t>dikerjakan</a:t>
+            </a:r>
+            <a:r>
+              <a:rPr lang="en-US" sz="2400" dirty="0" smtClean="0"/>
+              <a:t>, email </a:t>
+            </a:r>
+            <a:r>
+              <a:rPr lang="en-US" sz="2400" dirty="0" err="1" smtClean="0"/>
+              <a:t>dikirim</a:t>
+            </a:r>
+            <a:r>
+              <a:rPr lang="en-US" sz="2400" dirty="0" smtClean="0"/>
+              <a:t> </a:t>
+            </a:r>
+            <a:r>
+              <a:rPr lang="en-US" sz="2400" dirty="0" err="1" smtClean="0"/>
+              <a:t>ke</a:t>
+            </a:r>
+            <a:r>
+              <a:rPr lang="en-US" sz="2400" dirty="0" smtClean="0"/>
+              <a:t> </a:t>
+            </a:r>
+            <a:r>
+              <a:rPr lang="en-US" sz="2400" dirty="0" err="1" smtClean="0"/>
+              <a:t>aktor</a:t>
+            </a:r>
+            <a:r>
+              <a:rPr lang="en-US" sz="2400" dirty="0" smtClean="0"/>
+              <a:t> yang </a:t>
+            </a:r>
+            <a:r>
+              <a:rPr lang="en-US" sz="2400" dirty="0" err="1" smtClean="0"/>
+              <a:t>akan</a:t>
+            </a:r>
+            <a:r>
+              <a:rPr lang="en-US" sz="2400" dirty="0" smtClean="0"/>
+              <a:t> </a:t>
+            </a:r>
+            <a:r>
+              <a:rPr lang="en-US" sz="2400" dirty="0" err="1" smtClean="0"/>
+              <a:t>mengerjakan</a:t>
+            </a:r>
+            <a:r>
+              <a:rPr lang="en-US" sz="2400" dirty="0"/>
+              <a:t> </a:t>
+            </a:r>
+            <a:r>
+              <a:rPr lang="en-US" sz="2400" i="1" dirty="0" smtClean="0"/>
+              <a:t>task </a:t>
+            </a:r>
+            <a:r>
+              <a:rPr lang="en-US" sz="2400" dirty="0" err="1" smtClean="0"/>
+              <a:t>tersebut</a:t>
+            </a:r>
+            <a:r>
+              <a:rPr lang="en-US" sz="2400" dirty="0" smtClean="0"/>
+              <a:t>)</a:t>
+            </a:r>
+          </a:p>
+          <a:p>
+            <a:r>
+              <a:rPr lang="en-US" sz="2400" dirty="0" err="1"/>
+              <a:t>M</a:t>
+            </a:r>
+            <a:r>
+              <a:rPr lang="en-US" sz="2400" dirty="0" err="1" smtClean="0"/>
+              <a:t>ekanisme</a:t>
+            </a:r>
+            <a:r>
+              <a:rPr lang="en-US" sz="2400" dirty="0" smtClean="0"/>
+              <a:t> </a:t>
+            </a:r>
+            <a:r>
+              <a:rPr lang="en-US" sz="2400" dirty="0" err="1" smtClean="0"/>
+              <a:t>pengiriman</a:t>
+            </a:r>
+            <a:r>
+              <a:rPr lang="en-US" sz="2400" dirty="0" smtClean="0"/>
+              <a:t> email </a:t>
+            </a:r>
+            <a:r>
+              <a:rPr lang="en-US" sz="2400" dirty="0" err="1" smtClean="0"/>
+              <a:t>melalui</a:t>
+            </a:r>
+            <a:r>
+              <a:rPr lang="en-US" sz="2400" dirty="0" smtClean="0"/>
+              <a:t> </a:t>
+            </a:r>
+            <a:r>
+              <a:rPr lang="en-US" sz="2400" dirty="0" err="1" smtClean="0"/>
+              <a:t>eksekusi</a:t>
+            </a:r>
+            <a:r>
+              <a:rPr lang="en-US" sz="2400" dirty="0" smtClean="0"/>
+              <a:t> </a:t>
+            </a:r>
+            <a:r>
+              <a:rPr lang="en-US" sz="2400" dirty="0" err="1" smtClean="0"/>
+              <a:t>kode</a:t>
+            </a:r>
+            <a:r>
+              <a:rPr lang="en-US" sz="2400" dirty="0" smtClean="0"/>
+              <a:t> Java</a:t>
+            </a:r>
+          </a:p>
+          <a:p>
+            <a:r>
+              <a:rPr lang="en-US" sz="2400" dirty="0" err="1" smtClean="0"/>
+              <a:t>Eksekusi</a:t>
+            </a:r>
+            <a:r>
+              <a:rPr lang="en-US" sz="2400" dirty="0" smtClean="0"/>
+              <a:t> </a:t>
+            </a:r>
+            <a:r>
+              <a:rPr lang="en-US" sz="2400" dirty="0" err="1" smtClean="0"/>
+              <a:t>kode</a:t>
+            </a:r>
+            <a:r>
+              <a:rPr lang="en-US" sz="2400" dirty="0" smtClean="0"/>
+              <a:t> Java </a:t>
+            </a:r>
+            <a:r>
+              <a:rPr lang="en-US" sz="2400" dirty="0" err="1" smtClean="0"/>
+              <a:t>dikaitkan</a:t>
+            </a:r>
+            <a:r>
+              <a:rPr lang="en-US" sz="2400" dirty="0" smtClean="0"/>
+              <a:t> </a:t>
+            </a:r>
+            <a:r>
+              <a:rPr lang="en-US" sz="2400" dirty="0" err="1" smtClean="0"/>
+              <a:t>dengan</a:t>
+            </a:r>
+            <a:r>
+              <a:rPr lang="en-US" sz="2400" dirty="0" smtClean="0"/>
+              <a:t> Task Listener </a:t>
+            </a:r>
+            <a:r>
+              <a:rPr lang="en-US" sz="2400" dirty="0" err="1" smtClean="0"/>
+              <a:t>pada</a:t>
+            </a:r>
+            <a:r>
+              <a:rPr lang="en-US" sz="2400" dirty="0" smtClean="0"/>
+              <a:t> </a:t>
+            </a:r>
+            <a:r>
+              <a:rPr lang="en-US" sz="2400" i="1" dirty="0" smtClean="0"/>
+              <a:t>User Task</a:t>
+            </a:r>
+            <a:endParaRPr lang="en-US" sz="2400" dirty="0" smtClean="0"/>
           </a:p>
         </p:txBody>
       </p:sp>
     </p:spTree>
     <p:extLst>
       <p:ext uri="{BB962C8B-B14F-4D97-AF65-F5344CB8AC3E}">
-        <p14:creationId xmlns:p14="http://schemas.microsoft.com/office/powerpoint/2010/main" val="383046145"/>
+        <p14:creationId xmlns:p14="http://schemas.microsoft.com/office/powerpoint/2010/main" val="2178736133"/>
       </p:ext>
     </p:extLst>
   </p:cSld>
   <p:clrMapOvr>
     <a:masterClrMapping/>
   </p:clrMapOvr>
+  <p:timing>
+    <p:tnLst>
+      <p:par>
+        <p:cTn id="1" dur="indefinite" restart="never" nodeType="tmRoot"/>
+      </p:par>
+    </p:tnLst>
+  </p:timing>
 </p:sld>
 </file>
 
@@ -14482,8 +17178,32 @@
           <a:lstStyle/>
           <a:p>
             <a:r>
+              <a:rPr lang="en-US" dirty="0" smtClean="0"/>
+              <a:t>Event yang </a:t>
+            </a:r>
+            <a:r>
               <a:rPr lang="en-US" dirty="0" err="1" smtClean="0"/>
-              <a:t>Kesimpulan</a:t>
+              <a:t>diintegrasikan</a:t>
+            </a:r>
+            <a:r>
+              <a:rPr lang="en-US" dirty="0" smtClean="0"/>
+              <a:t> </a:t>
+            </a:r>
+            <a:r>
+              <a:rPr lang="en-US" dirty="0" err="1" smtClean="0"/>
+              <a:t>dengan</a:t>
+            </a:r>
+            <a:r>
+              <a:rPr lang="en-US" dirty="0" smtClean="0"/>
+              <a:t> </a:t>
+            </a:r>
+            <a:r>
+              <a:rPr lang="en-US" dirty="0" err="1" smtClean="0"/>
+              <a:t>Sistem</a:t>
+            </a:r>
+            <a:r>
+              <a:rPr lang="en-US" dirty="0" smtClean="0"/>
+              <a:t> Email</a:t>
             </a:r>
             <a:endParaRPr lang="en-US" dirty="0"/>
           </a:p>
@@ -14505,418 +17225,713 @@
           <a:lstStyle/>
           <a:p>
             <a:r>
-              <a:rPr lang="en-US" i="1" dirty="0" smtClean="0"/>
-              <a:t>Workflow </a:t>
-            </a:r>
-            <a:r>
-              <a:rPr lang="en-US" dirty="0" err="1" smtClean="0"/>
-              <a:t>dapat</a:t>
-            </a:r>
-            <a:r>
-              <a:rPr lang="en-US" dirty="0" smtClean="0"/>
-              <a:t> </a:t>
-            </a:r>
-            <a:r>
-              <a:rPr lang="en-US" dirty="0" err="1" smtClean="0"/>
-              <a:t>dimodelkan</a:t>
-            </a:r>
-            <a:r>
-              <a:rPr lang="en-US" dirty="0" smtClean="0"/>
-              <a:t> </a:t>
-            </a:r>
-            <a:r>
-              <a:rPr lang="en-US" dirty="0" err="1" smtClean="0"/>
-              <a:t>sebagai</a:t>
-            </a:r>
-            <a:r>
-              <a:rPr lang="en-US" dirty="0" smtClean="0"/>
-              <a:t> BPMN </a:t>
-            </a:r>
-            <a:r>
-              <a:rPr lang="en-US" dirty="0" err="1" smtClean="0"/>
-              <a:t>sehingga</a:t>
-            </a:r>
-            <a:r>
-              <a:rPr lang="en-US" dirty="0" smtClean="0"/>
-              <a:t> </a:t>
-            </a:r>
-            <a:r>
-              <a:rPr lang="en-US" dirty="0" err="1" smtClean="0"/>
-              <a:t>dapat</a:t>
-            </a:r>
-            <a:r>
-              <a:rPr lang="en-US" dirty="0" smtClean="0"/>
-              <a:t> </a:t>
-            </a:r>
-            <a:r>
-              <a:rPr lang="en-US" dirty="0" err="1" smtClean="0"/>
-              <a:t>divisualisasikan</a:t>
-            </a:r>
-            <a:r>
-              <a:rPr lang="en-US" dirty="0" smtClean="0"/>
-              <a:t> </a:t>
-            </a:r>
-            <a:r>
-              <a:rPr lang="en-US" dirty="0" err="1" smtClean="0"/>
-              <a:t>oleh</a:t>
-            </a:r>
-            <a:r>
-              <a:rPr lang="en-US" dirty="0" smtClean="0"/>
-              <a:t> BPMS</a:t>
-            </a:r>
-          </a:p>
-          <a:p>
-            <a:r>
-              <a:rPr lang="en-US" i="1" dirty="0" smtClean="0"/>
-              <a:t>Event-event </a:t>
-            </a:r>
-            <a:r>
-              <a:rPr lang="en-US" dirty="0" err="1" smtClean="0"/>
-              <a:t>dapat</a:t>
-            </a:r>
-            <a:r>
-              <a:rPr lang="en-US" dirty="0" smtClean="0"/>
-              <a:t> </a:t>
-            </a:r>
-            <a:r>
-              <a:rPr lang="en-US" dirty="0" err="1" smtClean="0"/>
-              <a:t>dipropagasi</a:t>
-            </a:r>
-            <a:r>
-              <a:rPr lang="en-US" dirty="0" smtClean="0"/>
-              <a:t> via email </a:t>
-            </a:r>
-            <a:r>
-              <a:rPr lang="en-US" dirty="0" err="1" smtClean="0"/>
-              <a:t>sehingga</a:t>
-            </a:r>
-            <a:r>
-              <a:rPr lang="en-US" dirty="0" smtClean="0"/>
-              <a:t> actor </a:t>
-            </a:r>
-            <a:r>
-              <a:rPr lang="en-US" dirty="0" err="1" smtClean="0"/>
-              <a:t>dapat</a:t>
-            </a:r>
-            <a:r>
-              <a:rPr lang="en-US" dirty="0" smtClean="0"/>
-              <a:t> </a:t>
-            </a:r>
-            <a:r>
-              <a:rPr lang="en-US" dirty="0" err="1" smtClean="0"/>
-              <a:t>mengetahui</a:t>
-            </a:r>
-            <a:r>
-              <a:rPr lang="en-US" dirty="0" smtClean="0"/>
-              <a:t> </a:t>
-            </a:r>
-            <a:r>
-              <a:rPr lang="en-US" dirty="0" err="1" smtClean="0"/>
+              <a:rPr lang="en-US" sz="2400" dirty="0"/>
+              <a:t>Event </a:t>
+            </a:r>
+            <a:r>
+              <a:rPr lang="en-US" sz="2400" dirty="0" smtClean="0"/>
+              <a:t>yang </a:t>
+            </a:r>
+            <a:r>
+              <a:rPr lang="en-US" sz="2400" dirty="0" err="1" smtClean="0"/>
+              <a:t>ada</a:t>
+            </a:r>
+            <a:r>
+              <a:rPr lang="en-US" sz="2400" dirty="0" smtClean="0"/>
+              <a:t> </a:t>
+            </a:r>
+            <a:r>
+              <a:rPr lang="en-US" sz="2400" dirty="0" err="1"/>
+              <a:t>pada</a:t>
+            </a:r>
+            <a:r>
+              <a:rPr lang="en-US" sz="2400" dirty="0"/>
+              <a:t> Task Listener </a:t>
+            </a:r>
+            <a:r>
+              <a:rPr lang="en-US" sz="2400" dirty="0" err="1"/>
+              <a:t>adalah</a:t>
+            </a:r>
+            <a:r>
+              <a:rPr lang="en-US" sz="2400" dirty="0"/>
+              <a:t> :	</a:t>
+            </a:r>
+          </a:p>
+          <a:p>
+            <a:pPr lvl="1"/>
+            <a:r>
+              <a:rPr lang="en-US" sz="2000" dirty="0"/>
+              <a:t>Create : </a:t>
+            </a:r>
+            <a:r>
+              <a:rPr lang="en-US" sz="2000" dirty="0" err="1"/>
+              <a:t>digunakan</a:t>
+            </a:r>
+            <a:r>
+              <a:rPr lang="en-US" sz="2000" dirty="0"/>
+              <a:t> </a:t>
+            </a:r>
+            <a:r>
+              <a:rPr lang="en-US" sz="2000" dirty="0" err="1"/>
               <a:t>apabila</a:t>
             </a:r>
             <a:r>
-              <a:rPr lang="en-US" dirty="0" smtClean="0"/>
-              <a:t> </a:t>
-            </a:r>
-            <a:r>
-              <a:rPr lang="en-US" dirty="0" err="1" smtClean="0"/>
-              <a:t>ada</a:t>
-            </a:r>
-            <a:r>
-              <a:rPr lang="en-US" dirty="0" smtClean="0"/>
-              <a:t> </a:t>
-            </a:r>
-            <a:r>
-              <a:rPr lang="en-US" i="1" dirty="0" smtClean="0"/>
-              <a:t>task </a:t>
-            </a:r>
-            <a:r>
-              <a:rPr lang="en-US" dirty="0" smtClean="0"/>
-              <a:t>yang </a:t>
-            </a:r>
-            <a:r>
-              <a:rPr lang="en-US" dirty="0" err="1" smtClean="0"/>
-              <a:t>harus</a:t>
-            </a:r>
-            <a:r>
-              <a:rPr lang="en-US" dirty="0" smtClean="0"/>
-              <a:t> </a:t>
-            </a:r>
-            <a:r>
-              <a:rPr lang="en-US" dirty="0" err="1" smtClean="0"/>
-              <a:t>dikerjakan</a:t>
-            </a:r>
-            <a:r>
-              <a:rPr lang="en-US" dirty="0" smtClean="0"/>
-              <a:t>. </a:t>
-            </a:r>
-            <a:r>
-              <a:rPr lang="en-US" dirty="0" err="1" smtClean="0"/>
-              <a:t>Dengan</a:t>
-            </a:r>
-            <a:r>
-              <a:rPr lang="en-US" dirty="0" smtClean="0"/>
-              <a:t> </a:t>
-            </a:r>
-            <a:r>
-              <a:rPr lang="en-US" dirty="0" err="1" smtClean="0"/>
-              <a:t>demikian</a:t>
-            </a:r>
-            <a:r>
-              <a:rPr lang="en-US" dirty="0" smtClean="0"/>
-              <a:t> </a:t>
-            </a:r>
-            <a:r>
-              <a:rPr lang="en-US" dirty="0" err="1" smtClean="0"/>
-              <a:t>akan</a:t>
-            </a:r>
-            <a:r>
-              <a:rPr lang="en-US" dirty="0" smtClean="0"/>
-              <a:t> </a:t>
-            </a:r>
-            <a:r>
-              <a:rPr lang="en-US" dirty="0" err="1" smtClean="0"/>
-              <a:t>meningkatkan</a:t>
-            </a:r>
-            <a:r>
-              <a:rPr lang="en-US" dirty="0" smtClean="0"/>
-              <a:t> </a:t>
-            </a:r>
-            <a:r>
-              <a:rPr lang="en-US" dirty="0" err="1" smtClean="0"/>
-              <a:t>efektifitas</a:t>
-            </a:r>
-            <a:r>
-              <a:rPr lang="en-US" dirty="0" smtClean="0"/>
-              <a:t> </a:t>
-            </a:r>
-            <a:r>
-              <a:rPr lang="en-US" dirty="0" err="1" smtClean="0"/>
+              <a:rPr lang="en-US" sz="2000" dirty="0"/>
+              <a:t> task </a:t>
+            </a:r>
+            <a:r>
+              <a:rPr lang="en-US" sz="2000" dirty="0" err="1"/>
+              <a:t>sudah</a:t>
+            </a:r>
+            <a:r>
+              <a:rPr lang="en-US" sz="2000" dirty="0"/>
+              <a:t> </a:t>
+            </a:r>
+            <a:r>
+              <a:rPr lang="en-US" sz="2000" dirty="0" err="1"/>
+              <a:t>memiliki</a:t>
+            </a:r>
+            <a:r>
+              <a:rPr lang="en-US" sz="2000" dirty="0"/>
+              <a:t> </a:t>
+            </a:r>
+            <a:r>
+              <a:rPr lang="en-US" sz="2000" dirty="0" err="1"/>
+              <a:t>atribut</a:t>
+            </a:r>
+            <a:r>
+              <a:rPr lang="en-US" sz="2000" dirty="0"/>
+              <a:t> </a:t>
+            </a:r>
+            <a:r>
+              <a:rPr lang="en-US" sz="2000" i="1" dirty="0"/>
+              <a:t>assignee </a:t>
+            </a:r>
+            <a:r>
+              <a:rPr lang="en-US" sz="2000" dirty="0" err="1"/>
+              <a:t>atau</a:t>
+            </a:r>
+            <a:r>
+              <a:rPr lang="en-US" sz="2000" dirty="0"/>
+              <a:t> </a:t>
+            </a:r>
+            <a:r>
+              <a:rPr lang="en-US" sz="2000" i="1" dirty="0"/>
+              <a:t>candidate </a:t>
+            </a:r>
+            <a:r>
+              <a:rPr lang="en-US" sz="2000" i="1" dirty="0" smtClean="0"/>
+              <a:t>user/group </a:t>
+            </a:r>
+            <a:r>
+              <a:rPr lang="en-US" sz="2000" dirty="0" smtClean="0"/>
+              <a:t>(</a:t>
+            </a:r>
+            <a:r>
+              <a:rPr lang="en-US" sz="2000" dirty="0" err="1" smtClean="0"/>
+              <a:t>bila</a:t>
+            </a:r>
+            <a:r>
+              <a:rPr lang="en-US" sz="2000" dirty="0" smtClean="0"/>
+              <a:t> </a:t>
+            </a:r>
+            <a:r>
+              <a:rPr lang="en-US" sz="2000" dirty="0" err="1" smtClean="0"/>
+              <a:t>belum</a:t>
+            </a:r>
+            <a:r>
+              <a:rPr lang="en-US" sz="2000" dirty="0" smtClean="0"/>
+              <a:t>, email </a:t>
+            </a:r>
+            <a:r>
+              <a:rPr lang="en-US" sz="2000" dirty="0" err="1" smtClean="0"/>
+              <a:t>tidak</a:t>
+            </a:r>
+            <a:r>
+              <a:rPr lang="en-US" sz="2000" dirty="0" smtClean="0"/>
+              <a:t> </a:t>
+            </a:r>
+            <a:r>
+              <a:rPr lang="en-US" sz="2000" dirty="0" err="1" smtClean="0"/>
+              <a:t>terkirim</a:t>
+            </a:r>
+            <a:r>
+              <a:rPr lang="en-US" sz="2000" dirty="0" smtClean="0"/>
+              <a:t>)</a:t>
+            </a:r>
+            <a:endParaRPr lang="en-US" sz="2000" i="1" dirty="0"/>
+          </a:p>
+          <a:p>
+            <a:pPr lvl="1"/>
+            <a:r>
+              <a:rPr lang="en-US" sz="2000" dirty="0"/>
+              <a:t>Assignment : </a:t>
+            </a:r>
+            <a:r>
+              <a:rPr lang="en-US" sz="2000" dirty="0" err="1"/>
+              <a:t>digunakan</a:t>
+            </a:r>
+            <a:r>
+              <a:rPr lang="en-US" sz="2000" dirty="0"/>
+              <a:t> </a:t>
+            </a:r>
+            <a:r>
+              <a:rPr lang="en-US" sz="2000" dirty="0" err="1"/>
+              <a:t>apabila</a:t>
+            </a:r>
+            <a:r>
+              <a:rPr lang="en-US" sz="2000" dirty="0"/>
+              <a:t> </a:t>
+            </a:r>
+            <a:r>
+              <a:rPr lang="en-US" sz="2000" dirty="0" err="1"/>
+              <a:t>atribut</a:t>
+            </a:r>
+            <a:r>
+              <a:rPr lang="en-US" sz="2000" dirty="0"/>
+              <a:t> </a:t>
+            </a:r>
+            <a:r>
+              <a:rPr lang="en-US" sz="2000" i="1" dirty="0"/>
+              <a:t>assignee </a:t>
+            </a:r>
+            <a:r>
+              <a:rPr lang="en-US" sz="2000" dirty="0" err="1" smtClean="0"/>
               <a:t>dan</a:t>
             </a:r>
             <a:r>
-              <a:rPr lang="en-US" dirty="0" smtClean="0"/>
-              <a:t> </a:t>
-            </a:r>
-            <a:r>
-              <a:rPr lang="en-US" dirty="0" err="1" smtClean="0"/>
-              <a:t>efisiensi</a:t>
-            </a:r>
-            <a:r>
-              <a:rPr lang="en-US" dirty="0" smtClean="0"/>
+              <a:rPr lang="en-US" sz="2000" dirty="0" smtClean="0"/>
+              <a:t> </a:t>
+            </a:r>
+            <a:r>
+              <a:rPr lang="en-US" sz="2000" i="1" dirty="0" smtClean="0"/>
+              <a:t>candidate </a:t>
+            </a:r>
+            <a:r>
+              <a:rPr lang="en-US" sz="2000" i="1" dirty="0"/>
+              <a:t>user/group </a:t>
+            </a:r>
+            <a:r>
+              <a:rPr lang="en-US" sz="2000" dirty="0" err="1"/>
+              <a:t>belum</a:t>
+            </a:r>
+            <a:r>
+              <a:rPr lang="en-US" sz="2000" dirty="0"/>
+              <a:t> </a:t>
+            </a:r>
+            <a:r>
+              <a:rPr lang="en-US" sz="2000" dirty="0" err="1" smtClean="0"/>
+              <a:t>ditentukan</a:t>
+            </a:r>
+            <a:r>
+              <a:rPr lang="en-US" sz="2000" dirty="0" smtClean="0"/>
+              <a:t> (</a:t>
+            </a:r>
+            <a:r>
+              <a:rPr lang="en-US" sz="2000" dirty="0" err="1" smtClean="0"/>
+              <a:t>didelegasikan</a:t>
+            </a:r>
+            <a:r>
+              <a:rPr lang="en-US" sz="2000" dirty="0" smtClean="0"/>
+              <a:t> </a:t>
+            </a:r>
+            <a:r>
+              <a:rPr lang="en-US" sz="2000" dirty="0" err="1" smtClean="0"/>
+              <a:t>ketika</a:t>
+            </a:r>
+            <a:r>
+              <a:rPr lang="en-US" sz="2000" dirty="0" smtClean="0"/>
               <a:t> proses </a:t>
             </a:r>
             <a:r>
-              <a:rPr lang="en-US" dirty="0" err="1" smtClean="0"/>
-              <a:t>bisnis</a:t>
-            </a:r>
+              <a:rPr lang="en-US" sz="2000" dirty="0" err="1" smtClean="0"/>
+              <a:t>sedang</a:t>
+            </a:r>
+            <a:r>
+              <a:rPr lang="en-US" sz="2000" dirty="0" smtClean="0"/>
+              <a:t> </a:t>
+            </a:r>
+            <a:r>
+              <a:rPr lang="en-US" sz="2000" dirty="0" err="1" smtClean="0"/>
+              <a:t>berlangsung</a:t>
+            </a:r>
+            <a:r>
+              <a:rPr lang="en-US" sz="2000" dirty="0" smtClean="0"/>
+              <a:t>)</a:t>
+            </a:r>
+          </a:p>
+          <a:p>
+            <a:pPr lvl="1"/>
+            <a:r>
+              <a:rPr lang="en-US" sz="2000" i="1" dirty="0" smtClean="0"/>
+              <a:t>Complete </a:t>
+            </a:r>
+            <a:r>
+              <a:rPr lang="en-US" sz="2000" dirty="0" err="1" smtClean="0"/>
+              <a:t>dan</a:t>
+            </a:r>
+            <a:r>
+              <a:rPr lang="en-US" sz="2000" dirty="0" smtClean="0"/>
+              <a:t> </a:t>
+            </a:r>
+            <a:r>
+              <a:rPr lang="en-US" sz="2000" i="1" dirty="0" smtClean="0"/>
+              <a:t>Delete : </a:t>
+            </a:r>
+            <a:r>
+              <a:rPr lang="en-US" sz="2000" dirty="0" err="1" smtClean="0"/>
+              <a:t>tidak</a:t>
+            </a:r>
+            <a:r>
+              <a:rPr lang="en-US" sz="2000" dirty="0" smtClean="0"/>
+              <a:t> </a:t>
+            </a:r>
+            <a:r>
+              <a:rPr lang="en-US" sz="2000" dirty="0" err="1" smtClean="0"/>
+              <a:t>digunakan</a:t>
+            </a:r>
+            <a:r>
+              <a:rPr lang="en-US" sz="2000" dirty="0" smtClean="0"/>
+              <a:t> </a:t>
+            </a:r>
+            <a:r>
+              <a:rPr lang="en-US" sz="2000" dirty="0" err="1" smtClean="0"/>
+              <a:t>pada</a:t>
+            </a:r>
+            <a:r>
+              <a:rPr lang="en-US" sz="2000" dirty="0" smtClean="0"/>
+              <a:t> </a:t>
+            </a:r>
+            <a:r>
+              <a:rPr lang="en-US" sz="2000" dirty="0" err="1" smtClean="0"/>
+              <a:t>kasus</a:t>
+            </a:r>
+            <a:r>
+              <a:rPr lang="en-US" sz="2000" dirty="0" smtClean="0"/>
+              <a:t> </a:t>
+            </a:r>
+            <a:r>
+              <a:rPr lang="en-US" sz="2000" dirty="0" err="1" smtClean="0"/>
+              <a:t>ini</a:t>
+            </a:r>
+            <a:r>
+              <a:rPr lang="en-US" sz="2000" dirty="0" smtClean="0"/>
+              <a:t> </a:t>
+            </a:r>
+            <a:r>
+              <a:rPr lang="en-US" sz="2000" dirty="0" err="1" smtClean="0"/>
+              <a:t>karena</a:t>
+            </a:r>
+            <a:r>
+              <a:rPr lang="en-US" sz="2000" dirty="0" smtClean="0"/>
+              <a:t> task </a:t>
+            </a:r>
+            <a:r>
+              <a:rPr lang="en-US" sz="2000" dirty="0" err="1" smtClean="0"/>
+              <a:t>sudah</a:t>
+            </a:r>
+            <a:r>
+              <a:rPr lang="en-US" sz="2000" dirty="0" smtClean="0"/>
+              <a:t> </a:t>
+            </a:r>
+            <a:r>
+              <a:rPr lang="en-US" sz="2000" dirty="0" err="1" smtClean="0"/>
+              <a:t>selesai</a:t>
+            </a:r>
+            <a:r>
+              <a:rPr lang="en-US" sz="2000" dirty="0" smtClean="0"/>
+              <a:t> </a:t>
+            </a:r>
+            <a:r>
+              <a:rPr lang="en-US" sz="2000" dirty="0" err="1" smtClean="0"/>
+              <a:t>sebelum</a:t>
+            </a:r>
+            <a:r>
+              <a:rPr lang="en-US" sz="2000" dirty="0" smtClean="0"/>
+              <a:t> email </a:t>
+            </a:r>
+            <a:r>
+              <a:rPr lang="en-US" sz="2000" dirty="0" err="1" smtClean="0"/>
+              <a:t>dikirim</a:t>
+            </a:r>
+            <a:endParaRPr lang="en-US" sz="2000" i="1" dirty="0"/>
+          </a:p>
+          <a:p>
             <a:endParaRPr lang="en-US" dirty="0"/>
-          </a:p>
-          <a:p>
-            <a:r>
-              <a:rPr lang="en-US" dirty="0" err="1" smtClean="0"/>
-              <a:t>Propagasi</a:t>
-            </a:r>
-            <a:r>
-              <a:rPr lang="en-US" dirty="0" smtClean="0"/>
-              <a:t> email </a:t>
-            </a:r>
-            <a:r>
-              <a:rPr lang="en-US" dirty="0" err="1" smtClean="0"/>
-              <a:t>dapat</a:t>
-            </a:r>
-            <a:r>
-              <a:rPr lang="en-US" dirty="0" smtClean="0"/>
-              <a:t> </a:t>
-            </a:r>
-            <a:r>
-              <a:rPr lang="en-US" dirty="0" err="1" smtClean="0"/>
-              <a:t>dilakukan</a:t>
-            </a:r>
-            <a:r>
-              <a:rPr lang="en-US" dirty="0" smtClean="0"/>
-              <a:t> </a:t>
-            </a:r>
-            <a:r>
-              <a:rPr lang="en-US" dirty="0" err="1" smtClean="0"/>
-              <a:t>dengan</a:t>
-            </a:r>
-            <a:r>
-              <a:rPr lang="en-US" dirty="0" smtClean="0"/>
-              <a:t> </a:t>
-            </a:r>
-            <a:r>
-              <a:rPr lang="en-US" dirty="0" err="1" smtClean="0"/>
-              <a:t>cara</a:t>
-            </a:r>
-            <a:r>
-              <a:rPr lang="en-US" dirty="0" smtClean="0"/>
-              <a:t> </a:t>
-            </a:r>
-            <a:r>
-              <a:rPr lang="en-US" dirty="0" err="1" smtClean="0"/>
-              <a:t>menyisipkan</a:t>
-            </a:r>
-            <a:r>
-              <a:rPr lang="en-US" dirty="0" smtClean="0"/>
-              <a:t> </a:t>
-            </a:r>
-            <a:r>
-              <a:rPr lang="en-US" i="1" dirty="0" smtClean="0"/>
-              <a:t>Task Listener </a:t>
-            </a:r>
-            <a:r>
-              <a:rPr lang="en-US" dirty="0" smtClean="0"/>
-              <a:t>di event yang </a:t>
-            </a:r>
-            <a:r>
-              <a:rPr lang="en-US" dirty="0" err="1" smtClean="0"/>
-              <a:t>akan</a:t>
-            </a:r>
-            <a:r>
-              <a:rPr lang="en-US" dirty="0" smtClean="0"/>
-              <a:t> </a:t>
-            </a:r>
-            <a:r>
-              <a:rPr lang="en-US" dirty="0" err="1" smtClean="0"/>
-              <a:t>dipropagasi</a:t>
-            </a:r>
-            <a:r>
-              <a:rPr lang="en-US" dirty="0" smtClean="0"/>
-              <a:t>. </a:t>
-            </a:r>
-            <a:r>
-              <a:rPr lang="en-US" dirty="0" err="1" smtClean="0"/>
-              <a:t>Selain</a:t>
-            </a:r>
-            <a:r>
-              <a:rPr lang="en-US" dirty="0" smtClean="0"/>
-              <a:t> </a:t>
-            </a:r>
-            <a:r>
-              <a:rPr lang="en-US" dirty="0" err="1" smtClean="0"/>
-              <a:t>itu</a:t>
-            </a:r>
-            <a:r>
-              <a:rPr lang="en-US" dirty="0" smtClean="0"/>
-              <a:t> </a:t>
-            </a:r>
-            <a:r>
-              <a:rPr lang="en-US" dirty="0" err="1" smtClean="0"/>
-              <a:t>dibutuhkan</a:t>
-            </a:r>
-            <a:r>
-              <a:rPr lang="en-US" dirty="0" smtClean="0"/>
-              <a:t> </a:t>
-            </a:r>
-            <a:r>
-              <a:rPr lang="en-US" dirty="0" err="1" smtClean="0"/>
-              <a:t>peran</a:t>
-            </a:r>
-            <a:r>
-              <a:rPr lang="en-US" dirty="0" smtClean="0"/>
-              <a:t> admin </a:t>
-            </a:r>
-            <a:r>
-              <a:rPr lang="en-US" dirty="0" err="1" smtClean="0"/>
-              <a:t>untuk</a:t>
-            </a:r>
-            <a:r>
-              <a:rPr lang="en-US" dirty="0" smtClean="0"/>
-              <a:t> </a:t>
-            </a:r>
-            <a:r>
-              <a:rPr lang="en-US" dirty="0" err="1" smtClean="0"/>
-              <a:t>mendaftarkan</a:t>
-            </a:r>
-            <a:r>
-              <a:rPr lang="en-US" dirty="0" smtClean="0"/>
-              <a:t> </a:t>
-            </a:r>
-            <a:r>
-              <a:rPr lang="en-US" dirty="0" err="1" smtClean="0"/>
-              <a:t>alamat</a:t>
-            </a:r>
-            <a:r>
-              <a:rPr lang="en-US" dirty="0" smtClean="0"/>
-              <a:t> email actor</a:t>
-            </a:r>
-          </a:p>
-          <a:p>
-            <a:r>
-              <a:rPr lang="en-US" dirty="0" err="1" smtClean="0"/>
-              <a:t>Pengujian</a:t>
-            </a:r>
-            <a:r>
-              <a:rPr lang="en-US" dirty="0" smtClean="0"/>
-              <a:t> </a:t>
-            </a:r>
-            <a:r>
-              <a:rPr lang="en-US" dirty="0" err="1" smtClean="0"/>
-              <a:t>telah</a:t>
-            </a:r>
-            <a:r>
-              <a:rPr lang="en-US" dirty="0" smtClean="0"/>
-              <a:t> </a:t>
-            </a:r>
-            <a:r>
-              <a:rPr lang="en-US" dirty="0" err="1" smtClean="0"/>
-              <a:t>dilakukan</a:t>
-            </a:r>
-            <a:r>
-              <a:rPr lang="en-US" dirty="0" smtClean="0"/>
-              <a:t> </a:t>
-            </a:r>
-            <a:r>
-              <a:rPr lang="en-US" dirty="0" err="1" smtClean="0"/>
-              <a:t>dan</a:t>
-            </a:r>
-            <a:r>
-              <a:rPr lang="en-US" dirty="0" smtClean="0"/>
-              <a:t> </a:t>
-            </a:r>
-            <a:r>
-              <a:rPr lang="en-US" dirty="0" err="1" smtClean="0"/>
-              <a:t>dapat</a:t>
-            </a:r>
-            <a:r>
-              <a:rPr lang="en-US" dirty="0" smtClean="0"/>
-              <a:t> </a:t>
-            </a:r>
-            <a:r>
-              <a:rPr lang="en-US" dirty="0" err="1" smtClean="0"/>
-              <a:t>berjalan</a:t>
-            </a:r>
-            <a:r>
-              <a:rPr lang="en-US" dirty="0" smtClean="0"/>
-              <a:t> </a:t>
-            </a:r>
-            <a:r>
-              <a:rPr lang="en-US" dirty="0" err="1" smtClean="0"/>
-              <a:t>dengan</a:t>
-            </a:r>
-            <a:r>
-              <a:rPr lang="en-US" dirty="0" smtClean="0"/>
-              <a:t> </a:t>
-            </a:r>
-            <a:r>
-              <a:rPr lang="en-US" smtClean="0"/>
-              <a:t>baik</a:t>
-            </a:r>
-            <a:endParaRPr lang="en-US"/>
           </a:p>
         </p:txBody>
       </p:sp>
     </p:spTree>
     <p:extLst>
       <p:ext uri="{BB962C8B-B14F-4D97-AF65-F5344CB8AC3E}">
-        <p14:creationId xmlns:p14="http://schemas.microsoft.com/office/powerpoint/2010/main" val="1658816714"/>
+        <p14:creationId xmlns:p14="http://schemas.microsoft.com/office/powerpoint/2010/main" val="3985544811"/>
       </p:ext>
     </p:extLst>
   </p:cSld>
   <p:clrMapOvr>
     <a:masterClrMapping/>
   </p:clrMapOvr>
+  <p:timing>
+    <p:tnLst>
+      <p:par>
+        <p:cTn id="1" dur="indefinite" restart="never" nodeType="tmRoot"/>
+      </p:par>
+    </p:tnLst>
+  </p:timing>
+</p:sld>
+</file>
+
+<file path=ppt/slides/slide17.xml><?xml version="1.0" encoding="utf-8"?>
+<p:sld xmlns:a="http://schemas.openxmlformats.org/drawingml/2006/main" xmlns:r="http://schemas.openxmlformats.org/officeDocument/2006/relationships" xmlns:p="http://schemas.openxmlformats.org/presentationml/2006/main">
+  <p:cSld>
+    <p:spTree>
+      <p:nvGrpSpPr>
+        <p:cNvPr id="1" name=""/>
+        <p:cNvGrpSpPr/>
+        <p:nvPr/>
+      </p:nvGrpSpPr>
+      <p:grpSpPr>
+        <a:xfrm>
+          <a:off x="0" y="0"/>
+          <a:ext cx="0" cy="0"/>
+          <a:chOff x="0" y="0"/>
+          <a:chExt cx="0" cy="0"/>
+        </a:xfrm>
+      </p:grpSpPr>
+      <p:sp>
+        <p:nvSpPr>
+          <p:cNvPr id="2" name="Title 1"/>
+          <p:cNvSpPr>
+            <a:spLocks noGrp="1"/>
+          </p:cNvSpPr>
+          <p:nvPr>
+            <p:ph type="title"/>
+          </p:nvPr>
+        </p:nvSpPr>
+        <p:spPr/>
+        <p:txBody>
+          <a:bodyPr/>
+          <a:lstStyle/>
+          <a:p>
+            <a:r>
+              <a:rPr lang="en-US" dirty="0" err="1" smtClean="0"/>
+              <a:t>Implementasi</a:t>
+            </a:r>
+            <a:r>
+              <a:rPr lang="en-US" dirty="0" smtClean="0"/>
+              <a:t> </a:t>
+            </a:r>
+            <a:r>
+              <a:rPr lang="en-US" dirty="0" err="1" smtClean="0"/>
+              <a:t>Integrasi</a:t>
+            </a:r>
+            <a:r>
+              <a:rPr lang="en-US" dirty="0" smtClean="0"/>
+              <a:t> </a:t>
+            </a:r>
+            <a:r>
+              <a:rPr lang="en-US" dirty="0" err="1" smtClean="0"/>
+              <a:t>Sistem</a:t>
+            </a:r>
+            <a:r>
+              <a:rPr lang="en-US" dirty="0" smtClean="0"/>
+              <a:t> Email (1)</a:t>
+            </a:r>
+            <a:endParaRPr lang="en-US" dirty="0"/>
+          </a:p>
+        </p:txBody>
+      </p:sp>
+      <p:pic>
+        <p:nvPicPr>
+          <p:cNvPr id="6" name="Content Placeholder 5"/>
+          <p:cNvPicPr>
+            <a:picLocks noGrp="1" noChangeAspect="1"/>
+          </p:cNvPicPr>
+          <p:nvPr>
+            <p:ph idx="1"/>
+          </p:nvPr>
+        </p:nvPicPr>
+        <p:blipFill>
+          <a:blip r:embed="rId3">
+            <a:extLst>
+              <a:ext uri="{28A0092B-C50C-407E-A947-70E740481C1C}">
+                <a14:useLocalDpi xmlns:a14="http://schemas.microsoft.com/office/drawing/2010/main" val="0"/>
+              </a:ext>
+            </a:extLst>
+          </a:blip>
+          <a:stretch>
+            <a:fillRect/>
+          </a:stretch>
+        </p:blipFill>
+        <p:spPr>
+          <a:xfrm>
+            <a:off x="713848" y="2463658"/>
+            <a:ext cx="10727601" cy="4120021"/>
+          </a:xfrm>
+        </p:spPr>
+      </p:pic>
+    </p:spTree>
+    <p:extLst>
+      <p:ext uri="{BB962C8B-B14F-4D97-AF65-F5344CB8AC3E}">
+        <p14:creationId xmlns:p14="http://schemas.microsoft.com/office/powerpoint/2010/main" val="1253503825"/>
+      </p:ext>
+    </p:extLst>
+  </p:cSld>
+  <p:clrMapOvr>
+    <a:masterClrMapping/>
+  </p:clrMapOvr>
+  <p:timing>
+    <p:tnLst>
+      <p:par>
+        <p:cTn id="1" dur="indefinite" restart="never" nodeType="tmRoot"/>
+      </p:par>
+    </p:tnLst>
+  </p:timing>
+</p:sld>
+</file>
+
+<file path=ppt/slides/slide18.xml><?xml version="1.0" encoding="utf-8"?>
+<p:sld xmlns:a="http://schemas.openxmlformats.org/drawingml/2006/main" xmlns:r="http://schemas.openxmlformats.org/officeDocument/2006/relationships" xmlns:p="http://schemas.openxmlformats.org/presentationml/2006/main">
+  <p:cSld>
+    <p:spTree>
+      <p:nvGrpSpPr>
+        <p:cNvPr id="1" name=""/>
+        <p:cNvGrpSpPr/>
+        <p:nvPr/>
+      </p:nvGrpSpPr>
+      <p:grpSpPr>
+        <a:xfrm>
+          <a:off x="0" y="0"/>
+          <a:ext cx="0" cy="0"/>
+          <a:chOff x="0" y="0"/>
+          <a:chExt cx="0" cy="0"/>
+        </a:xfrm>
+      </p:grpSpPr>
+      <p:sp>
+        <p:nvSpPr>
+          <p:cNvPr id="2" name="Title 1"/>
+          <p:cNvSpPr>
+            <a:spLocks noGrp="1"/>
+          </p:cNvSpPr>
+          <p:nvPr>
+            <p:ph type="title"/>
+          </p:nvPr>
+        </p:nvSpPr>
+        <p:spPr/>
+        <p:txBody>
+          <a:bodyPr/>
+          <a:lstStyle/>
+          <a:p>
+            <a:r>
+              <a:rPr lang="en-US" dirty="0" err="1"/>
+              <a:t>Implementasi</a:t>
+            </a:r>
+            <a:r>
+              <a:rPr lang="en-US" dirty="0"/>
+              <a:t> </a:t>
+            </a:r>
+            <a:r>
+              <a:rPr lang="en-US" dirty="0" err="1"/>
+              <a:t>Integrasi</a:t>
+            </a:r>
+            <a:r>
+              <a:rPr lang="en-US" dirty="0"/>
+              <a:t> </a:t>
+            </a:r>
+            <a:r>
+              <a:rPr lang="en-US" dirty="0" err="1"/>
+              <a:t>Sistem</a:t>
+            </a:r>
+            <a:r>
+              <a:rPr lang="en-US" dirty="0"/>
+              <a:t> Email </a:t>
+            </a:r>
+            <a:r>
+              <a:rPr lang="en-US" dirty="0" smtClean="0"/>
+              <a:t>(2)</a:t>
+            </a:r>
+            <a:endParaRPr lang="en-US" dirty="0"/>
+          </a:p>
+        </p:txBody>
+      </p:sp>
+      <p:pic>
+        <p:nvPicPr>
+          <p:cNvPr id="4" name="Content Placeholder 3"/>
+          <p:cNvPicPr>
+            <a:picLocks noGrp="1" noChangeAspect="1"/>
+          </p:cNvPicPr>
+          <p:nvPr>
+            <p:ph idx="1"/>
+          </p:nvPr>
+        </p:nvPicPr>
+        <p:blipFill rotWithShape="1">
+          <a:blip r:embed="rId3">
+            <a:extLst>
+              <a:ext uri="{28A0092B-C50C-407E-A947-70E740481C1C}">
+                <a14:useLocalDpi xmlns:a14="http://schemas.microsoft.com/office/drawing/2010/main" val="0"/>
+              </a:ext>
+            </a:extLst>
+          </a:blip>
+          <a:srcRect b="1917"/>
+          <a:stretch/>
+        </p:blipFill>
+        <p:spPr>
+          <a:xfrm>
+            <a:off x="586141" y="2575124"/>
+            <a:ext cx="11105020" cy="2945144"/>
+          </a:xfrm>
+        </p:spPr>
+      </p:pic>
+    </p:spTree>
+    <p:extLst>
+      <p:ext uri="{BB962C8B-B14F-4D97-AF65-F5344CB8AC3E}">
+        <p14:creationId xmlns:p14="http://schemas.microsoft.com/office/powerpoint/2010/main" val="1364301885"/>
+      </p:ext>
+    </p:extLst>
+  </p:cSld>
+  <p:clrMapOvr>
+    <a:masterClrMapping/>
+  </p:clrMapOvr>
+  <p:timing>
+    <p:tnLst>
+      <p:par>
+        <p:cTn id="1" dur="indefinite" restart="never" nodeType="tmRoot"/>
+      </p:par>
+    </p:tnLst>
+  </p:timing>
+</p:sld>
+</file>
+
+<file path=ppt/slides/slide19.xml><?xml version="1.0" encoding="utf-8"?>
+<p:sld xmlns:a="http://schemas.openxmlformats.org/drawingml/2006/main" xmlns:r="http://schemas.openxmlformats.org/officeDocument/2006/relationships" xmlns:p="http://schemas.openxmlformats.org/presentationml/2006/main">
+  <p:cSld>
+    <p:spTree>
+      <p:nvGrpSpPr>
+        <p:cNvPr id="1" name=""/>
+        <p:cNvGrpSpPr/>
+        <p:nvPr/>
+      </p:nvGrpSpPr>
+      <p:grpSpPr>
+        <a:xfrm>
+          <a:off x="0" y="0"/>
+          <a:ext cx="0" cy="0"/>
+          <a:chOff x="0" y="0"/>
+          <a:chExt cx="0" cy="0"/>
+        </a:xfrm>
+      </p:grpSpPr>
+      <p:sp>
+        <p:nvSpPr>
+          <p:cNvPr id="2" name="Title 1"/>
+          <p:cNvSpPr>
+            <a:spLocks noGrp="1"/>
+          </p:cNvSpPr>
+          <p:nvPr>
+            <p:ph type="title"/>
+          </p:nvPr>
+        </p:nvSpPr>
+        <p:spPr/>
+        <p:txBody>
+          <a:bodyPr/>
+          <a:lstStyle/>
+          <a:p>
+            <a:r>
+              <a:rPr lang="en-US" dirty="0" err="1"/>
+              <a:t>Implementasi</a:t>
+            </a:r>
+            <a:r>
+              <a:rPr lang="en-US" dirty="0"/>
+              <a:t> </a:t>
+            </a:r>
+            <a:r>
+              <a:rPr lang="en-US" dirty="0" err="1"/>
+              <a:t>Integrasi</a:t>
+            </a:r>
+            <a:r>
+              <a:rPr lang="en-US" dirty="0"/>
+              <a:t> </a:t>
+            </a:r>
+            <a:r>
+              <a:rPr lang="en-US" dirty="0" err="1"/>
+              <a:t>Sistem</a:t>
+            </a:r>
+            <a:r>
+              <a:rPr lang="en-US" dirty="0"/>
+              <a:t> Email </a:t>
+            </a:r>
+            <a:r>
+              <a:rPr lang="en-US" dirty="0" smtClean="0"/>
+              <a:t>(3)</a:t>
+            </a:r>
+            <a:endParaRPr lang="en-US" dirty="0"/>
+          </a:p>
+        </p:txBody>
+      </p:sp>
+      <p:sp>
+        <p:nvSpPr>
+          <p:cNvPr id="3" name="Content Placeholder 2"/>
+          <p:cNvSpPr>
+            <a:spLocks noGrp="1"/>
+          </p:cNvSpPr>
+          <p:nvPr>
+            <p:ph idx="1"/>
+          </p:nvPr>
+        </p:nvSpPr>
+        <p:spPr/>
+        <p:txBody>
+          <a:bodyPr/>
+          <a:lstStyle/>
+          <a:p>
+            <a:endParaRPr lang="en-US"/>
+          </a:p>
+        </p:txBody>
+      </p:sp>
+      <p:pic>
+        <p:nvPicPr>
+          <p:cNvPr id="5" name="Content Placeholder 3"/>
+          <p:cNvPicPr>
+            <a:picLocks noChangeAspect="1"/>
+          </p:cNvPicPr>
+          <p:nvPr/>
+        </p:nvPicPr>
+        <p:blipFill>
+          <a:blip r:embed="rId2">
+            <a:extLst>
+              <a:ext uri="{28A0092B-C50C-407E-A947-70E740481C1C}">
+                <a14:useLocalDpi xmlns:a14="http://schemas.microsoft.com/office/drawing/2010/main" val="0"/>
+              </a:ext>
+            </a:extLst>
+          </a:blip>
+          <a:stretch>
+            <a:fillRect/>
+          </a:stretch>
+        </p:blipFill>
+        <p:spPr>
+          <a:xfrm>
+            <a:off x="619567" y="2603500"/>
+            <a:ext cx="11289347" cy="2913380"/>
+          </a:xfrm>
+          <a:prstGeom prst="rect">
+            <a:avLst/>
+          </a:prstGeom>
+        </p:spPr>
+      </p:pic>
+    </p:spTree>
+    <p:extLst>
+      <p:ext uri="{BB962C8B-B14F-4D97-AF65-F5344CB8AC3E}">
+        <p14:creationId xmlns:p14="http://schemas.microsoft.com/office/powerpoint/2010/main" val="588505253"/>
+      </p:ext>
+    </p:extLst>
+  </p:cSld>
+  <p:clrMapOvr>
+    <a:masterClrMapping/>
+  </p:clrMapOvr>
+  <p:timing>
+    <p:tnLst>
+      <p:par>
+        <p:cTn id="1" dur="indefinite" restart="never" nodeType="tmRoot"/>
+      </p:par>
+    </p:tnLst>
+  </p:timing>
 </p:sld>
 </file>
 
@@ -14986,216 +18001,207 @@
           <a:lstStyle/>
           <a:p>
             <a:r>
-              <a:rPr lang="en-US" sz="2000" i="1" dirty="0" smtClean="0"/>
+              <a:rPr lang="en-US" sz="2400" i="1" dirty="0" smtClean="0"/>
               <a:t>Workflow</a:t>
             </a:r>
             <a:r>
-              <a:rPr lang="en-US" sz="2000" dirty="0" smtClean="0"/>
-              <a:t> </a:t>
-            </a:r>
-            <a:r>
-              <a:rPr lang="en-US" sz="2000" dirty="0" err="1" smtClean="0"/>
+              <a:rPr lang="en-US" sz="2400" dirty="0" smtClean="0"/>
+              <a:t> </a:t>
+            </a:r>
+            <a:r>
+              <a:rPr lang="en-US" sz="2400" dirty="0" err="1" smtClean="0"/>
               <a:t>merupakan</a:t>
             </a:r>
             <a:r>
-              <a:rPr lang="en-US" sz="2000" dirty="0" smtClean="0"/>
-              <a:t> </a:t>
-            </a:r>
-            <a:r>
-              <a:rPr lang="en-US" sz="2000" dirty="0" err="1" smtClean="0"/>
+              <a:rPr lang="en-US" sz="2400" dirty="0" smtClean="0"/>
+              <a:t> </a:t>
+            </a:r>
+            <a:r>
+              <a:rPr lang="en-US" sz="2400" dirty="0" err="1" smtClean="0"/>
               <a:t>pemodelan</a:t>
             </a:r>
             <a:r>
-              <a:rPr lang="en-US" sz="2000" dirty="0" smtClean="0"/>
+              <a:rPr lang="en-US" sz="2400" dirty="0" smtClean="0"/>
               <a:t> proses </a:t>
             </a:r>
             <a:r>
-              <a:rPr lang="en-US" sz="2000" dirty="0" err="1" smtClean="0"/>
+              <a:rPr lang="en-US" sz="2400" dirty="0" err="1" smtClean="0"/>
               <a:t>bisnis</a:t>
             </a:r>
             <a:r>
-              <a:rPr lang="en-US" sz="2000" dirty="0" smtClean="0"/>
+              <a:rPr lang="en-US" sz="2400" dirty="0" smtClean="0"/>
               <a:t> yang </a:t>
             </a:r>
             <a:r>
-              <a:rPr lang="en-US" sz="2000" dirty="0" err="1" smtClean="0"/>
+              <a:rPr lang="en-US" sz="2400" dirty="0" err="1" smtClean="0"/>
               <a:t>dapat</a:t>
             </a:r>
             <a:r>
-              <a:rPr lang="en-US" sz="2000" dirty="0" smtClean="0"/>
-              <a:t> </a:t>
-            </a:r>
-            <a:r>
-              <a:rPr lang="en-US" sz="2000" dirty="0" err="1" smtClean="0"/>
+              <a:rPr lang="en-US" sz="2400" dirty="0" smtClean="0"/>
+              <a:t> </a:t>
+            </a:r>
+            <a:r>
+              <a:rPr lang="en-US" sz="2400" dirty="0" err="1" smtClean="0"/>
               <a:t>digambarkan</a:t>
             </a:r>
             <a:r>
-              <a:rPr lang="en-US" sz="2000" dirty="0" smtClean="0"/>
-              <a:t> </a:t>
-            </a:r>
-            <a:r>
-              <a:rPr lang="en-US" sz="2000" dirty="0" err="1" smtClean="0"/>
+              <a:rPr lang="en-US" sz="2400" dirty="0" smtClean="0"/>
+              <a:t> </a:t>
+            </a:r>
+            <a:r>
+              <a:rPr lang="en-US" sz="2400" dirty="0" err="1" smtClean="0"/>
               <a:t>sebagai</a:t>
             </a:r>
             <a:r>
-              <a:rPr lang="en-US" sz="2000" dirty="0" smtClean="0"/>
-              <a:t> </a:t>
-            </a:r>
-            <a:r>
-              <a:rPr lang="en-US" sz="2000" i="1" dirty="0" smtClean="0"/>
+              <a:rPr lang="en-US" sz="2400" dirty="0" smtClean="0"/>
+              <a:t> </a:t>
+            </a:r>
+            <a:r>
+              <a:rPr lang="en-US" sz="2400" i="1" dirty="0" smtClean="0"/>
               <a:t>Business Process Model and Notation </a:t>
             </a:r>
             <a:r>
-              <a:rPr lang="en-US" sz="2000" dirty="0" smtClean="0"/>
+              <a:rPr lang="en-US" sz="2400" dirty="0" smtClean="0"/>
               <a:t>(BPMN)</a:t>
             </a:r>
           </a:p>
           <a:p>
             <a:r>
-              <a:rPr lang="en-US" sz="2000" dirty="0" smtClean="0"/>
+              <a:rPr lang="en-US" sz="2400" dirty="0" smtClean="0"/>
               <a:t>BPMN </a:t>
             </a:r>
             <a:r>
-              <a:rPr lang="en-US" sz="2000" dirty="0" err="1" smtClean="0"/>
+              <a:rPr lang="en-US" sz="2400" dirty="0" err="1" smtClean="0"/>
               <a:t>dapat</a:t>
             </a:r>
             <a:r>
-              <a:rPr lang="en-US" sz="2000" dirty="0" smtClean="0"/>
-              <a:t> </a:t>
-            </a:r>
-            <a:r>
-              <a:rPr lang="en-US" sz="2000" dirty="0" err="1" smtClean="0"/>
+              <a:rPr lang="en-US" sz="2400" dirty="0" smtClean="0"/>
+              <a:t> </a:t>
+            </a:r>
+            <a:r>
+              <a:rPr lang="en-US" sz="2400" dirty="0" err="1" smtClean="0"/>
               <a:t>diotomasi</a:t>
             </a:r>
             <a:r>
-              <a:rPr lang="en-US" sz="2000" dirty="0" smtClean="0"/>
-              <a:t> </a:t>
-            </a:r>
-            <a:r>
-              <a:rPr lang="en-US" sz="2000" dirty="0" err="1" smtClean="0"/>
+              <a:rPr lang="en-US" sz="2400" dirty="0" smtClean="0"/>
+              <a:t> </a:t>
+            </a:r>
+            <a:r>
+              <a:rPr lang="en-US" sz="2400" dirty="0" err="1" smtClean="0"/>
               <a:t>menggunakan</a:t>
             </a:r>
             <a:r>
-              <a:rPr lang="en-US" sz="2000" dirty="0" smtClean="0"/>
-              <a:t> </a:t>
-            </a:r>
-            <a:r>
-              <a:rPr lang="en-US" sz="2000" i="1" dirty="0" smtClean="0"/>
+              <a:rPr lang="en-US" sz="2400" dirty="0" smtClean="0"/>
+              <a:t> </a:t>
+            </a:r>
+            <a:r>
+              <a:rPr lang="en-US" sz="2400" i="1" dirty="0" smtClean="0"/>
               <a:t>Business Process Management System </a:t>
             </a:r>
             <a:r>
-              <a:rPr lang="en-US" sz="2000" dirty="0" smtClean="0"/>
+              <a:rPr lang="en-US" sz="2400" dirty="0" smtClean="0"/>
               <a:t>(</a:t>
             </a:r>
             <a:r>
-              <a:rPr lang="en-US" sz="2000" dirty="0" err="1" smtClean="0"/>
+              <a:rPr lang="en-US" sz="2400" dirty="0" err="1" smtClean="0"/>
               <a:t>contoh</a:t>
             </a:r>
             <a:r>
-              <a:rPr lang="en-US" sz="2000" dirty="0" smtClean="0"/>
+              <a:rPr lang="en-US" sz="2400" dirty="0" smtClean="0"/>
               <a:t> : </a:t>
             </a:r>
             <a:r>
-              <a:rPr lang="en-US" sz="2000" dirty="0" err="1" smtClean="0"/>
+              <a:rPr lang="en-US" sz="2400" dirty="0" err="1" smtClean="0"/>
               <a:t>Camunda</a:t>
             </a:r>
             <a:r>
-              <a:rPr lang="en-US" sz="2000" dirty="0" smtClean="0"/>
+              <a:rPr lang="en-US" sz="2400" dirty="0" smtClean="0"/>
               <a:t>)</a:t>
             </a:r>
           </a:p>
           <a:p>
             <a:r>
-              <a:rPr lang="en-US" sz="2000" dirty="0" smtClean="0"/>
+              <a:rPr lang="en-US" sz="2400" dirty="0" smtClean="0"/>
               <a:t>Agar </a:t>
             </a:r>
             <a:r>
-              <a:rPr lang="en-US" sz="2000" dirty="0" err="1" smtClean="0"/>
+              <a:rPr lang="en-US" sz="2400" dirty="0" err="1" smtClean="0"/>
               <a:t>otomasi</a:t>
             </a:r>
             <a:r>
-              <a:rPr lang="en-US" sz="2000" dirty="0" smtClean="0"/>
-              <a:t> </a:t>
-            </a:r>
-            <a:r>
-              <a:rPr lang="en-US" sz="2000" i="1" dirty="0" smtClean="0"/>
+              <a:rPr lang="en-US" sz="2400" dirty="0" smtClean="0"/>
+              <a:t> </a:t>
+            </a:r>
+            <a:r>
+              <a:rPr lang="en-US" sz="2400" i="1" dirty="0" smtClean="0"/>
               <a:t>workflow </a:t>
             </a:r>
             <a:r>
-              <a:rPr lang="en-US" sz="2000" dirty="0" err="1" smtClean="0"/>
+              <a:rPr lang="en-US" sz="2400" dirty="0" err="1" smtClean="0"/>
               <a:t>lebih</a:t>
             </a:r>
             <a:r>
-              <a:rPr lang="en-US" sz="2000" dirty="0" smtClean="0"/>
-              <a:t> </a:t>
-            </a:r>
-            <a:r>
-              <a:rPr lang="en-US" sz="2000" dirty="0" err="1" smtClean="0"/>
+              <a:rPr lang="en-US" sz="2400" dirty="0" smtClean="0"/>
+              <a:t> </a:t>
+            </a:r>
+            <a:r>
+              <a:rPr lang="en-US" sz="2400" dirty="0" err="1" smtClean="0"/>
               <a:t>efisien</a:t>
             </a:r>
             <a:r>
-              <a:rPr lang="en-US" sz="2000" dirty="0" smtClean="0"/>
-              <a:t> </a:t>
-            </a:r>
-            <a:r>
-              <a:rPr lang="en-US" sz="2000" dirty="0" err="1" smtClean="0"/>
-              <a:t>dan</a:t>
-            </a:r>
-            <a:r>
-              <a:rPr lang="en-US" sz="2000" dirty="0" smtClean="0"/>
-              <a:t> </a:t>
-            </a:r>
-            <a:r>
-              <a:rPr lang="en-US" sz="2000" dirty="0" err="1" smtClean="0"/>
-              <a:t>efektif</a:t>
-            </a:r>
-            <a:r>
-              <a:rPr lang="en-US" sz="2000" dirty="0" smtClean="0"/>
+              <a:rPr lang="en-US" sz="2400" dirty="0" smtClean="0"/>
               <a:t>, </a:t>
             </a:r>
             <a:r>
-              <a:rPr lang="en-US" sz="2000" i="1" dirty="0" smtClean="0"/>
+              <a:rPr lang="en-US" sz="2400" i="1" dirty="0" smtClean="0"/>
               <a:t>event </a:t>
             </a:r>
             <a:r>
-              <a:rPr lang="en-US" sz="2000" dirty="0" err="1" smtClean="0"/>
+              <a:rPr lang="en-US" sz="2400" dirty="0" err="1" smtClean="0"/>
               <a:t>pada</a:t>
             </a:r>
             <a:r>
-              <a:rPr lang="en-US" sz="2000" dirty="0" smtClean="0"/>
-              <a:t> </a:t>
-            </a:r>
-            <a:r>
-              <a:rPr lang="en-US" sz="2000" i="1" dirty="0" smtClean="0"/>
+              <a:rPr lang="en-US" sz="2400" dirty="0" smtClean="0"/>
+              <a:t> </a:t>
+            </a:r>
+            <a:r>
+              <a:rPr lang="en-US" sz="2400" i="1" dirty="0" smtClean="0"/>
               <a:t>workflow </a:t>
             </a:r>
             <a:r>
-              <a:rPr lang="en-US" sz="2000" dirty="0" err="1" smtClean="0"/>
+              <a:rPr lang="en-US" sz="2400" dirty="0" err="1" smtClean="0"/>
               <a:t>diintegrasikan</a:t>
             </a:r>
             <a:r>
-              <a:rPr lang="en-US" sz="2000" dirty="0" smtClean="0"/>
-              <a:t> </a:t>
-            </a:r>
-            <a:r>
-              <a:rPr lang="en-US" sz="2000" dirty="0" err="1" smtClean="0"/>
+              <a:rPr lang="en-US" sz="2400" dirty="0" smtClean="0"/>
+              <a:t> </a:t>
+            </a:r>
+            <a:r>
+              <a:rPr lang="en-US" sz="2400" dirty="0" err="1" smtClean="0"/>
               <a:t>dengan</a:t>
             </a:r>
             <a:r>
-              <a:rPr lang="en-US" sz="2000" dirty="0" smtClean="0"/>
-              <a:t> </a:t>
-            </a:r>
-            <a:r>
-              <a:rPr lang="en-US" sz="2000" dirty="0" err="1" smtClean="0"/>
+              <a:rPr lang="en-US" sz="2400" dirty="0" smtClean="0"/>
+              <a:t> </a:t>
+            </a:r>
+            <a:r>
+              <a:rPr lang="en-US" sz="2400" dirty="0" err="1" smtClean="0"/>
               <a:t>sistem</a:t>
             </a:r>
             <a:r>
-              <a:rPr lang="en-US" sz="2000" dirty="0" smtClean="0"/>
-              <a:t> email</a:t>
-            </a:r>
-          </a:p>
-          <a:p>
-            <a:endParaRPr lang="en-US" sz="2000" dirty="0"/>
+              <a:rPr lang="en-US" sz="2400" dirty="0" smtClean="0"/>
+              <a:t> </a:t>
+            </a:r>
+            <a:r>
+              <a:rPr lang="en-US" sz="2400" dirty="0" smtClean="0"/>
+              <a:t>email</a:t>
+            </a:r>
+          </a:p>
+          <a:p>
+            <a:endParaRPr lang="en-US" sz="2400" dirty="0" smtClean="0"/>
+          </a:p>
+          <a:p>
+            <a:endParaRPr lang="en-US" sz="2400" dirty="0"/>
           </a:p>
         </p:txBody>
       </p:sp>
@@ -15203,6 +18209,1739 @@
     <p:extLst>
       <p:ext uri="{BB962C8B-B14F-4D97-AF65-F5344CB8AC3E}">
         <p14:creationId xmlns:p14="http://schemas.microsoft.com/office/powerpoint/2010/main" val="3735153402"/>
+      </p:ext>
+    </p:extLst>
+  </p:cSld>
+  <p:clrMapOvr>
+    <a:masterClrMapping/>
+  </p:clrMapOvr>
+  <p:timing>
+    <p:tnLst>
+      <p:par>
+        <p:cTn id="1" dur="indefinite" restart="never" nodeType="tmRoot"/>
+      </p:par>
+    </p:tnLst>
+  </p:timing>
+</p:sld>
+</file>
+
+<file path=ppt/slides/slide20.xml><?xml version="1.0" encoding="utf-8"?>
+<p:sld xmlns:a="http://schemas.openxmlformats.org/drawingml/2006/main" xmlns:r="http://schemas.openxmlformats.org/officeDocument/2006/relationships" xmlns:p="http://schemas.openxmlformats.org/presentationml/2006/main">
+  <p:cSld>
+    <p:spTree>
+      <p:nvGrpSpPr>
+        <p:cNvPr id="1" name=""/>
+        <p:cNvGrpSpPr/>
+        <p:nvPr/>
+      </p:nvGrpSpPr>
+      <p:grpSpPr>
+        <a:xfrm>
+          <a:off x="0" y="0"/>
+          <a:ext cx="0" cy="0"/>
+          <a:chOff x="0" y="0"/>
+          <a:chExt cx="0" cy="0"/>
+        </a:xfrm>
+      </p:grpSpPr>
+      <p:sp>
+        <p:nvSpPr>
+          <p:cNvPr id="2" name="Title 1"/>
+          <p:cNvSpPr>
+            <a:spLocks noGrp="1"/>
+          </p:cNvSpPr>
+          <p:nvPr>
+            <p:ph type="title"/>
+          </p:nvPr>
+        </p:nvSpPr>
+        <p:spPr/>
+        <p:txBody>
+          <a:bodyPr/>
+          <a:lstStyle/>
+          <a:p>
+            <a:r>
+              <a:rPr lang="en-US" dirty="0" err="1"/>
+              <a:t>Implementasi</a:t>
+            </a:r>
+            <a:r>
+              <a:rPr lang="en-US" dirty="0"/>
+              <a:t> </a:t>
+            </a:r>
+            <a:r>
+              <a:rPr lang="en-US" dirty="0" err="1"/>
+              <a:t>Integrasi</a:t>
+            </a:r>
+            <a:r>
+              <a:rPr lang="en-US" dirty="0"/>
+              <a:t> </a:t>
+            </a:r>
+            <a:r>
+              <a:rPr lang="en-US" dirty="0" err="1"/>
+              <a:t>Sistem</a:t>
+            </a:r>
+            <a:r>
+              <a:rPr lang="en-US" dirty="0"/>
+              <a:t> Email </a:t>
+            </a:r>
+            <a:r>
+              <a:rPr lang="en-US" dirty="0" smtClean="0"/>
+              <a:t>(4)</a:t>
+            </a:r>
+            <a:endParaRPr lang="en-US" dirty="0"/>
+          </a:p>
+        </p:txBody>
+      </p:sp>
+      <p:sp>
+        <p:nvSpPr>
+          <p:cNvPr id="3" name="Content Placeholder 2"/>
+          <p:cNvSpPr>
+            <a:spLocks noGrp="1"/>
+          </p:cNvSpPr>
+          <p:nvPr>
+            <p:ph idx="1"/>
+          </p:nvPr>
+        </p:nvSpPr>
+        <p:spPr/>
+        <p:txBody>
+          <a:bodyPr/>
+          <a:lstStyle/>
+          <a:p>
+            <a:endParaRPr lang="en-US"/>
+          </a:p>
+        </p:txBody>
+      </p:sp>
+      <p:pic>
+        <p:nvPicPr>
+          <p:cNvPr id="6" name="Content Placeholder 3"/>
+          <p:cNvPicPr>
+            <a:picLocks noChangeAspect="1"/>
+          </p:cNvPicPr>
+          <p:nvPr/>
+        </p:nvPicPr>
+        <p:blipFill>
+          <a:blip r:embed="rId2">
+            <a:extLst>
+              <a:ext uri="{28A0092B-C50C-407E-A947-70E740481C1C}">
+                <a14:useLocalDpi xmlns:a14="http://schemas.microsoft.com/office/drawing/2010/main" val="0"/>
+              </a:ext>
+            </a:extLst>
+          </a:blip>
+          <a:stretch>
+            <a:fillRect/>
+          </a:stretch>
+        </p:blipFill>
+        <p:spPr>
+          <a:xfrm>
+            <a:off x="819673" y="2858062"/>
+            <a:ext cx="11199161" cy="2643578"/>
+          </a:xfrm>
+          <a:prstGeom prst="rect">
+            <a:avLst/>
+          </a:prstGeom>
+        </p:spPr>
+      </p:pic>
+    </p:spTree>
+    <p:extLst>
+      <p:ext uri="{BB962C8B-B14F-4D97-AF65-F5344CB8AC3E}">
+        <p14:creationId xmlns:p14="http://schemas.microsoft.com/office/powerpoint/2010/main" val="1350278481"/>
+      </p:ext>
+    </p:extLst>
+  </p:cSld>
+  <p:clrMapOvr>
+    <a:masterClrMapping/>
+  </p:clrMapOvr>
+  <p:timing>
+    <p:tnLst>
+      <p:par>
+        <p:cTn id="1" dur="indefinite" restart="never" nodeType="tmRoot"/>
+      </p:par>
+    </p:tnLst>
+  </p:timing>
+</p:sld>
+</file>
+
+<file path=ppt/slides/slide21.xml><?xml version="1.0" encoding="utf-8"?>
+<p:sld xmlns:a="http://schemas.openxmlformats.org/drawingml/2006/main" xmlns:r="http://schemas.openxmlformats.org/officeDocument/2006/relationships" xmlns:p="http://schemas.openxmlformats.org/presentationml/2006/main">
+  <p:cSld>
+    <p:spTree>
+      <p:nvGrpSpPr>
+        <p:cNvPr id="1" name=""/>
+        <p:cNvGrpSpPr/>
+        <p:nvPr/>
+      </p:nvGrpSpPr>
+      <p:grpSpPr>
+        <a:xfrm>
+          <a:off x="0" y="0"/>
+          <a:ext cx="0" cy="0"/>
+          <a:chOff x="0" y="0"/>
+          <a:chExt cx="0" cy="0"/>
+        </a:xfrm>
+      </p:grpSpPr>
+      <p:sp>
+        <p:nvSpPr>
+          <p:cNvPr id="2" name="Title 1"/>
+          <p:cNvSpPr>
+            <a:spLocks noGrp="1"/>
+          </p:cNvSpPr>
+          <p:nvPr>
+            <p:ph type="title"/>
+          </p:nvPr>
+        </p:nvSpPr>
+        <p:spPr/>
+        <p:txBody>
+          <a:bodyPr/>
+          <a:lstStyle/>
+          <a:p>
+            <a:r>
+              <a:rPr lang="en-US" dirty="0" err="1"/>
+              <a:t>Implementasi</a:t>
+            </a:r>
+            <a:r>
+              <a:rPr lang="en-US" dirty="0"/>
+              <a:t> </a:t>
+            </a:r>
+            <a:r>
+              <a:rPr lang="en-US" dirty="0" err="1"/>
+              <a:t>Integrasi</a:t>
+            </a:r>
+            <a:r>
+              <a:rPr lang="en-US" dirty="0"/>
+              <a:t> </a:t>
+            </a:r>
+            <a:r>
+              <a:rPr lang="en-US" dirty="0" err="1"/>
+              <a:t>Sistem</a:t>
+            </a:r>
+            <a:r>
+              <a:rPr lang="en-US" dirty="0"/>
+              <a:t> Email </a:t>
+            </a:r>
+            <a:r>
+              <a:rPr lang="en-US" dirty="0" smtClean="0"/>
+              <a:t>(5)</a:t>
+            </a:r>
+            <a:endParaRPr lang="en-US" dirty="0"/>
+          </a:p>
+        </p:txBody>
+      </p:sp>
+      <p:pic>
+        <p:nvPicPr>
+          <p:cNvPr id="7" name="Content Placeholder 6"/>
+          <p:cNvPicPr>
+            <a:picLocks noGrp="1" noChangeAspect="1"/>
+          </p:cNvPicPr>
+          <p:nvPr>
+            <p:ph idx="1"/>
+          </p:nvPr>
+        </p:nvPicPr>
+        <p:blipFill>
+          <a:blip r:embed="rId3">
+            <a:extLst>
+              <a:ext uri="{28A0092B-C50C-407E-A947-70E740481C1C}">
+                <a14:useLocalDpi xmlns:a14="http://schemas.microsoft.com/office/drawing/2010/main" val="0"/>
+              </a:ext>
+            </a:extLst>
+          </a:blip>
+          <a:stretch>
+            <a:fillRect/>
+          </a:stretch>
+        </p:blipFill>
+        <p:spPr>
+          <a:xfrm>
+            <a:off x="372792" y="2201727"/>
+            <a:ext cx="11180169" cy="3513273"/>
+          </a:xfrm>
+        </p:spPr>
+      </p:pic>
+    </p:spTree>
+    <p:extLst>
+      <p:ext uri="{BB962C8B-B14F-4D97-AF65-F5344CB8AC3E}">
+        <p14:creationId xmlns:p14="http://schemas.microsoft.com/office/powerpoint/2010/main" val="3261021256"/>
+      </p:ext>
+    </p:extLst>
+  </p:cSld>
+  <p:clrMapOvr>
+    <a:masterClrMapping/>
+  </p:clrMapOvr>
+  <p:timing>
+    <p:tnLst>
+      <p:par>
+        <p:cTn id="1" dur="indefinite" restart="never" nodeType="tmRoot"/>
+      </p:par>
+    </p:tnLst>
+  </p:timing>
+</p:sld>
+</file>
+
+<file path=ppt/slides/slide22.xml><?xml version="1.0" encoding="utf-8"?>
+<p:sld xmlns:a="http://schemas.openxmlformats.org/drawingml/2006/main" xmlns:r="http://schemas.openxmlformats.org/officeDocument/2006/relationships" xmlns:p="http://schemas.openxmlformats.org/presentationml/2006/main">
+  <p:cSld>
+    <p:spTree>
+      <p:nvGrpSpPr>
+        <p:cNvPr id="1" name=""/>
+        <p:cNvGrpSpPr/>
+        <p:nvPr/>
+      </p:nvGrpSpPr>
+      <p:grpSpPr>
+        <a:xfrm>
+          <a:off x="0" y="0"/>
+          <a:ext cx="0" cy="0"/>
+          <a:chOff x="0" y="0"/>
+          <a:chExt cx="0" cy="0"/>
+        </a:xfrm>
+      </p:grpSpPr>
+      <p:sp>
+        <p:nvSpPr>
+          <p:cNvPr id="2" name="Title 1"/>
+          <p:cNvSpPr>
+            <a:spLocks noGrp="1"/>
+          </p:cNvSpPr>
+          <p:nvPr>
+            <p:ph type="title"/>
+          </p:nvPr>
+        </p:nvSpPr>
+        <p:spPr/>
+        <p:txBody>
+          <a:bodyPr/>
+          <a:lstStyle/>
+          <a:p>
+            <a:r>
+              <a:rPr lang="en-US" dirty="0" err="1"/>
+              <a:t>Implementasi</a:t>
+            </a:r>
+            <a:r>
+              <a:rPr lang="en-US" dirty="0"/>
+              <a:t> </a:t>
+            </a:r>
+            <a:r>
+              <a:rPr lang="en-US" dirty="0" err="1"/>
+              <a:t>Integrasi</a:t>
+            </a:r>
+            <a:r>
+              <a:rPr lang="en-US" dirty="0"/>
+              <a:t> </a:t>
+            </a:r>
+            <a:r>
+              <a:rPr lang="en-US" dirty="0" err="1"/>
+              <a:t>Sistem</a:t>
+            </a:r>
+            <a:r>
+              <a:rPr lang="en-US" dirty="0"/>
+              <a:t> Email </a:t>
+            </a:r>
+            <a:r>
+              <a:rPr lang="en-US" dirty="0" smtClean="0"/>
+              <a:t>(6)</a:t>
+            </a:r>
+            <a:endParaRPr lang="en-US" dirty="0"/>
+          </a:p>
+        </p:txBody>
+      </p:sp>
+      <p:pic>
+        <p:nvPicPr>
+          <p:cNvPr id="4" name="Content Placeholder 3"/>
+          <p:cNvPicPr>
+            <a:picLocks noGrp="1" noChangeAspect="1"/>
+          </p:cNvPicPr>
+          <p:nvPr>
+            <p:ph idx="1"/>
+          </p:nvPr>
+        </p:nvPicPr>
+        <p:blipFill>
+          <a:blip r:embed="rId2">
+            <a:extLst>
+              <a:ext uri="{28A0092B-C50C-407E-A947-70E740481C1C}">
+                <a14:useLocalDpi xmlns:a14="http://schemas.microsoft.com/office/drawing/2010/main" val="0"/>
+              </a:ext>
+            </a:extLst>
+          </a:blip>
+          <a:stretch>
+            <a:fillRect/>
+          </a:stretch>
+        </p:blipFill>
+        <p:spPr>
+          <a:xfrm>
+            <a:off x="604327" y="2396120"/>
+            <a:ext cx="10651805" cy="1596760"/>
+          </a:xfrm>
+        </p:spPr>
+      </p:pic>
+    </p:spTree>
+    <p:extLst>
+      <p:ext uri="{BB962C8B-B14F-4D97-AF65-F5344CB8AC3E}">
+        <p14:creationId xmlns:p14="http://schemas.microsoft.com/office/powerpoint/2010/main" val="3685723332"/>
+      </p:ext>
+    </p:extLst>
+  </p:cSld>
+  <p:clrMapOvr>
+    <a:masterClrMapping/>
+  </p:clrMapOvr>
+  <p:timing>
+    <p:tnLst>
+      <p:par>
+        <p:cTn id="1" dur="indefinite" restart="never" nodeType="tmRoot"/>
+      </p:par>
+    </p:tnLst>
+  </p:timing>
+</p:sld>
+</file>
+
+<file path=ppt/slides/slide23.xml><?xml version="1.0" encoding="utf-8"?>
+<p:sld xmlns:a="http://schemas.openxmlformats.org/drawingml/2006/main" xmlns:r="http://schemas.openxmlformats.org/officeDocument/2006/relationships" xmlns:p="http://schemas.openxmlformats.org/presentationml/2006/main">
+  <p:cSld>
+    <p:spTree>
+      <p:nvGrpSpPr>
+        <p:cNvPr id="1" name=""/>
+        <p:cNvGrpSpPr/>
+        <p:nvPr/>
+      </p:nvGrpSpPr>
+      <p:grpSpPr>
+        <a:xfrm>
+          <a:off x="0" y="0"/>
+          <a:ext cx="0" cy="0"/>
+          <a:chOff x="0" y="0"/>
+          <a:chExt cx="0" cy="0"/>
+        </a:xfrm>
+      </p:grpSpPr>
+      <p:sp>
+        <p:nvSpPr>
+          <p:cNvPr id="2" name="Title 1"/>
+          <p:cNvSpPr>
+            <a:spLocks noGrp="1"/>
+          </p:cNvSpPr>
+          <p:nvPr>
+            <p:ph type="title"/>
+          </p:nvPr>
+        </p:nvSpPr>
+        <p:spPr/>
+        <p:txBody>
+          <a:bodyPr/>
+          <a:lstStyle/>
+          <a:p>
+            <a:r>
+              <a:rPr lang="en-US" dirty="0" err="1" smtClean="0"/>
+              <a:t>Skenario</a:t>
+            </a:r>
+            <a:endParaRPr lang="en-US" dirty="0"/>
+          </a:p>
+        </p:txBody>
+      </p:sp>
+      <p:sp>
+        <p:nvSpPr>
+          <p:cNvPr id="3" name="Content Placeholder 2"/>
+          <p:cNvSpPr>
+            <a:spLocks noGrp="1"/>
+          </p:cNvSpPr>
+          <p:nvPr>
+            <p:ph idx="1"/>
+          </p:nvPr>
+        </p:nvSpPr>
+        <p:spPr/>
+        <p:txBody>
+          <a:bodyPr>
+            <a:normAutofit/>
+          </a:bodyPr>
+          <a:lstStyle/>
+          <a:p>
+            <a:r>
+              <a:rPr lang="en-US" sz="2800" dirty="0" err="1" smtClean="0"/>
+              <a:t>Pegawai</a:t>
+            </a:r>
+            <a:r>
+              <a:rPr lang="en-US" sz="2800" dirty="0" smtClean="0"/>
+              <a:t> di </a:t>
+            </a:r>
+            <a:r>
+              <a:rPr lang="en-US" sz="2800" dirty="0" err="1" smtClean="0"/>
+              <a:t>perusahaan</a:t>
+            </a:r>
+            <a:r>
+              <a:rPr lang="en-US" sz="2800" dirty="0" smtClean="0"/>
+              <a:t> X </a:t>
+            </a:r>
+            <a:r>
+              <a:rPr lang="en-US" sz="2800" dirty="0" err="1" smtClean="0"/>
+              <a:t>memiliki</a:t>
+            </a:r>
+            <a:r>
+              <a:rPr lang="en-US" sz="2800" dirty="0" smtClean="0"/>
+              <a:t> </a:t>
+            </a:r>
+            <a:r>
+              <a:rPr lang="en-US" sz="2800" dirty="0" err="1" smtClean="0"/>
+              <a:t>tiga</a:t>
+            </a:r>
+            <a:r>
+              <a:rPr lang="en-US" sz="2800" dirty="0" smtClean="0"/>
+              <a:t> </a:t>
+            </a:r>
+            <a:r>
+              <a:rPr lang="en-US" sz="2800" dirty="0" err="1" smtClean="0"/>
+              <a:t>divisi</a:t>
+            </a:r>
+            <a:r>
+              <a:rPr lang="en-US" sz="2800" dirty="0" smtClean="0"/>
+              <a:t> </a:t>
+            </a:r>
+            <a:r>
+              <a:rPr lang="en-US" sz="2800" dirty="0" err="1" smtClean="0"/>
+              <a:t>yaitu</a:t>
+            </a:r>
+            <a:r>
+              <a:rPr lang="en-US" sz="2800" dirty="0" smtClean="0"/>
+              <a:t> :</a:t>
+            </a:r>
+          </a:p>
+          <a:p>
+            <a:pPr lvl="1"/>
+            <a:r>
+              <a:rPr lang="en-US" sz="2400" dirty="0" smtClean="0"/>
+              <a:t>Accounting (</a:t>
+            </a:r>
+            <a:r>
+              <a:rPr lang="en-US" sz="2400" dirty="0" err="1" smtClean="0"/>
+              <a:t>diwakili</a:t>
+            </a:r>
+            <a:r>
+              <a:rPr lang="en-US" sz="2400" dirty="0" smtClean="0"/>
+              <a:t> </a:t>
+            </a:r>
+            <a:r>
+              <a:rPr lang="en-US" sz="2400" dirty="0" err="1" smtClean="0"/>
+              <a:t>oleh</a:t>
+            </a:r>
+            <a:r>
+              <a:rPr lang="en-US" sz="2400" dirty="0" smtClean="0"/>
+              <a:t> Mary)</a:t>
+            </a:r>
+          </a:p>
+          <a:p>
+            <a:pPr lvl="1"/>
+            <a:r>
+              <a:rPr lang="en-US" sz="2400" dirty="0" smtClean="0"/>
+              <a:t>Sales (</a:t>
+            </a:r>
+            <a:r>
+              <a:rPr lang="en-US" sz="2400" dirty="0" err="1" smtClean="0"/>
+              <a:t>diwakili</a:t>
+            </a:r>
+            <a:r>
+              <a:rPr lang="en-US" sz="2400" dirty="0" smtClean="0"/>
+              <a:t> </a:t>
+            </a:r>
+            <a:r>
+              <a:rPr lang="en-US" sz="2400" dirty="0" err="1" smtClean="0"/>
+              <a:t>oleh</a:t>
+            </a:r>
+            <a:r>
+              <a:rPr lang="en-US" sz="2400" dirty="0" smtClean="0"/>
+              <a:t> John)</a:t>
+            </a:r>
+          </a:p>
+          <a:p>
+            <a:pPr lvl="1"/>
+            <a:r>
+              <a:rPr lang="en-US" sz="2400" dirty="0" smtClean="0"/>
+              <a:t>Management (</a:t>
+            </a:r>
+            <a:r>
+              <a:rPr lang="en-US" sz="2400" dirty="0" err="1" smtClean="0"/>
+              <a:t>diwakili</a:t>
+            </a:r>
+            <a:r>
+              <a:rPr lang="en-US" sz="2400" dirty="0" smtClean="0"/>
+              <a:t> </a:t>
+            </a:r>
+            <a:r>
+              <a:rPr lang="en-US" sz="2400" dirty="0" err="1" smtClean="0"/>
+              <a:t>oleh</a:t>
+            </a:r>
+            <a:r>
+              <a:rPr lang="en-US" sz="2400" dirty="0" smtClean="0"/>
+              <a:t> Peter</a:t>
+            </a:r>
+            <a:r>
+              <a:rPr lang="en-US" sz="2400" dirty="0" smtClean="0"/>
+              <a:t>)</a:t>
+            </a:r>
+            <a:endParaRPr lang="en-US" sz="2400" dirty="0" smtClean="0"/>
+          </a:p>
+        </p:txBody>
+      </p:sp>
+    </p:spTree>
+    <p:extLst>
+      <p:ext uri="{BB962C8B-B14F-4D97-AF65-F5344CB8AC3E}">
+        <p14:creationId xmlns:p14="http://schemas.microsoft.com/office/powerpoint/2010/main" val="295526525"/>
+      </p:ext>
+    </p:extLst>
+  </p:cSld>
+  <p:clrMapOvr>
+    <a:masterClrMapping/>
+  </p:clrMapOvr>
+  <p:timing>
+    <p:tnLst>
+      <p:par>
+        <p:cTn id="1" dur="indefinite" restart="never" nodeType="tmRoot"/>
+      </p:par>
+    </p:tnLst>
+  </p:timing>
+</p:sld>
+</file>
+
+<file path=ppt/slides/slide24.xml><?xml version="1.0" encoding="utf-8"?>
+<p:sld xmlns:a="http://schemas.openxmlformats.org/drawingml/2006/main" xmlns:r="http://schemas.openxmlformats.org/officeDocument/2006/relationships" xmlns:p="http://schemas.openxmlformats.org/presentationml/2006/main">
+  <p:cSld>
+    <p:spTree>
+      <p:nvGrpSpPr>
+        <p:cNvPr id="1" name=""/>
+        <p:cNvGrpSpPr/>
+        <p:nvPr/>
+      </p:nvGrpSpPr>
+      <p:grpSpPr>
+        <a:xfrm>
+          <a:off x="0" y="0"/>
+          <a:ext cx="0" cy="0"/>
+          <a:chOff x="0" y="0"/>
+          <a:chExt cx="0" cy="0"/>
+        </a:xfrm>
+      </p:grpSpPr>
+      <p:sp>
+        <p:nvSpPr>
+          <p:cNvPr id="2" name="Title 1"/>
+          <p:cNvSpPr>
+            <a:spLocks noGrp="1"/>
+          </p:cNvSpPr>
+          <p:nvPr>
+            <p:ph type="title"/>
+          </p:nvPr>
+        </p:nvSpPr>
+        <p:spPr/>
+        <p:txBody>
+          <a:bodyPr/>
+          <a:lstStyle/>
+          <a:p>
+            <a:r>
+              <a:rPr lang="en-US" dirty="0" err="1" smtClean="0"/>
+              <a:t>Skenario</a:t>
+            </a:r>
+            <a:r>
+              <a:rPr lang="en-US" dirty="0" smtClean="0"/>
+              <a:t> (</a:t>
+            </a:r>
+            <a:r>
+              <a:rPr lang="en-US" dirty="0" err="1" smtClean="0"/>
+              <a:t>Lanjutan</a:t>
+            </a:r>
+            <a:r>
+              <a:rPr lang="en-US" dirty="0" smtClean="0"/>
+              <a:t>)</a:t>
+            </a:r>
+            <a:endParaRPr lang="en-US" dirty="0"/>
+          </a:p>
+        </p:txBody>
+      </p:sp>
+      <p:sp>
+        <p:nvSpPr>
+          <p:cNvPr id="3" name="Content Placeholder 2"/>
+          <p:cNvSpPr>
+            <a:spLocks noGrp="1"/>
+          </p:cNvSpPr>
+          <p:nvPr>
+            <p:ph idx="1"/>
+          </p:nvPr>
+        </p:nvSpPr>
+        <p:spPr/>
+        <p:txBody>
+          <a:bodyPr>
+            <a:normAutofit/>
+          </a:bodyPr>
+          <a:lstStyle/>
+          <a:p>
+            <a:r>
+              <a:rPr lang="en-US" sz="2400" dirty="0" err="1"/>
+              <a:t>Divisi</a:t>
+            </a:r>
+            <a:r>
+              <a:rPr lang="en-US" sz="2400" dirty="0"/>
+              <a:t> Accounting </a:t>
+            </a:r>
+            <a:r>
+              <a:rPr lang="en-US" sz="2400" dirty="0" err="1"/>
+              <a:t>dan</a:t>
+            </a:r>
+            <a:r>
+              <a:rPr lang="en-US" sz="2400" dirty="0"/>
+              <a:t> Sales </a:t>
+            </a:r>
+            <a:r>
+              <a:rPr lang="en-US" sz="2400" dirty="0" err="1"/>
+              <a:t>dapat</a:t>
+            </a:r>
+            <a:r>
+              <a:rPr lang="en-US" sz="2400" dirty="0"/>
+              <a:t> </a:t>
+            </a:r>
+            <a:r>
+              <a:rPr lang="en-US" sz="2400" dirty="0" err="1"/>
+              <a:t>mengajukan</a:t>
+            </a:r>
+            <a:r>
+              <a:rPr lang="en-US" sz="2400" dirty="0"/>
+              <a:t> proposal </a:t>
+            </a:r>
+            <a:r>
+              <a:rPr lang="en-US" sz="2400" dirty="0" err="1"/>
+              <a:t>ke</a:t>
+            </a:r>
+            <a:r>
+              <a:rPr lang="en-US" sz="2400" dirty="0"/>
+              <a:t> </a:t>
+            </a:r>
+            <a:r>
+              <a:rPr lang="en-US" sz="2400" dirty="0" err="1"/>
+              <a:t>divisi</a:t>
+            </a:r>
+            <a:r>
+              <a:rPr lang="en-US" sz="2400" dirty="0"/>
+              <a:t> Management </a:t>
+            </a:r>
+            <a:r>
+              <a:rPr lang="en-US" sz="2400" dirty="0" err="1"/>
+              <a:t>dengan</a:t>
+            </a:r>
+            <a:r>
+              <a:rPr lang="en-US" sz="2400" dirty="0"/>
+              <a:t> </a:t>
+            </a:r>
+            <a:r>
+              <a:rPr lang="en-US" sz="2400" dirty="0" err="1"/>
+              <a:t>cara</a:t>
+            </a:r>
+            <a:r>
+              <a:rPr lang="en-US" sz="2400" dirty="0"/>
+              <a:t> </a:t>
+            </a:r>
+            <a:r>
+              <a:rPr lang="en-US" sz="2400" dirty="0" err="1" smtClean="0"/>
+              <a:t>mengunggahnya</a:t>
+            </a:r>
+            <a:endParaRPr lang="en-US" sz="2400" dirty="0"/>
+          </a:p>
+          <a:p>
+            <a:r>
+              <a:rPr lang="en-US" sz="2400" dirty="0" err="1" smtClean="0"/>
+              <a:t>Divisi</a:t>
+            </a:r>
+            <a:r>
+              <a:rPr lang="en-US" sz="2400" dirty="0" smtClean="0"/>
+              <a:t> </a:t>
+            </a:r>
+            <a:r>
+              <a:rPr lang="en-US" sz="2400" dirty="0"/>
+              <a:t>Management </a:t>
+            </a:r>
+            <a:r>
+              <a:rPr lang="en-US" sz="2400" dirty="0" err="1"/>
+              <a:t>perlu</a:t>
+            </a:r>
+            <a:r>
+              <a:rPr lang="en-US" sz="2400" dirty="0"/>
+              <a:t> </a:t>
+            </a:r>
+            <a:r>
+              <a:rPr lang="en-US" sz="2400" dirty="0" err="1"/>
+              <a:t>memeriksa</a:t>
+            </a:r>
+            <a:r>
+              <a:rPr lang="en-US" sz="2400" dirty="0"/>
+              <a:t> proposal </a:t>
+            </a:r>
+            <a:r>
+              <a:rPr lang="en-US" sz="2400" dirty="0" err="1"/>
+              <a:t>apakah</a:t>
+            </a:r>
+            <a:r>
+              <a:rPr lang="en-US" sz="2400" dirty="0"/>
+              <a:t> </a:t>
+            </a:r>
+            <a:r>
+              <a:rPr lang="en-US" sz="2400" dirty="0" err="1"/>
+              <a:t>layak</a:t>
+            </a:r>
+            <a:r>
+              <a:rPr lang="en-US" sz="2400" dirty="0"/>
+              <a:t> </a:t>
+            </a:r>
+            <a:r>
+              <a:rPr lang="en-US" sz="2400" dirty="0" err="1"/>
+              <a:t>atau</a:t>
+            </a:r>
+            <a:r>
+              <a:rPr lang="en-US" sz="2400" dirty="0"/>
+              <a:t> </a:t>
+            </a:r>
+            <a:r>
+              <a:rPr lang="en-US" sz="2400" dirty="0" err="1"/>
+              <a:t>tidak</a:t>
+            </a:r>
+            <a:endParaRPr lang="en-US" sz="2400" dirty="0"/>
+          </a:p>
+          <a:p>
+            <a:pPr lvl="1"/>
+            <a:r>
+              <a:rPr lang="en-US" sz="2000" dirty="0" err="1"/>
+              <a:t>Bila</a:t>
+            </a:r>
+            <a:r>
+              <a:rPr lang="en-US" sz="2000" dirty="0"/>
+              <a:t> proposal </a:t>
+            </a:r>
+            <a:r>
+              <a:rPr lang="en-US" sz="2000" dirty="0" err="1"/>
+              <a:t>layak</a:t>
+            </a:r>
+            <a:r>
+              <a:rPr lang="en-US" sz="2000" dirty="0"/>
+              <a:t>, proposal </a:t>
+            </a:r>
+            <a:r>
+              <a:rPr lang="en-US" sz="2000" dirty="0" err="1"/>
+              <a:t>diterima</a:t>
+            </a:r>
+            <a:endParaRPr lang="en-US" sz="2000" dirty="0"/>
+          </a:p>
+          <a:p>
+            <a:pPr lvl="1"/>
+            <a:r>
+              <a:rPr lang="en-US" sz="2000" dirty="0" err="1"/>
+              <a:t>Bila</a:t>
+            </a:r>
+            <a:r>
+              <a:rPr lang="en-US" sz="2000" dirty="0"/>
+              <a:t> proposal </a:t>
+            </a:r>
+            <a:r>
+              <a:rPr lang="en-US" sz="2000" dirty="0" err="1"/>
+              <a:t>tidak</a:t>
+            </a:r>
+            <a:r>
+              <a:rPr lang="en-US" sz="2000" dirty="0"/>
+              <a:t> </a:t>
+            </a:r>
+            <a:r>
+              <a:rPr lang="en-US" sz="2000" dirty="0" err="1"/>
+              <a:t>layak</a:t>
+            </a:r>
+            <a:r>
+              <a:rPr lang="en-US" sz="2000" dirty="0"/>
+              <a:t>, proposal </a:t>
+            </a:r>
+            <a:r>
+              <a:rPr lang="en-US" sz="2000" dirty="0" err="1"/>
+              <a:t>ditolah</a:t>
+            </a:r>
+            <a:r>
+              <a:rPr lang="en-US" sz="2000" dirty="0"/>
+              <a:t> </a:t>
+            </a:r>
+            <a:r>
+              <a:rPr lang="en-US" sz="2000" dirty="0" err="1"/>
+              <a:t>dan</a:t>
+            </a:r>
+            <a:r>
+              <a:rPr lang="en-US" sz="2000" dirty="0"/>
+              <a:t> </a:t>
+            </a:r>
+            <a:r>
+              <a:rPr lang="en-US" sz="2000" dirty="0" err="1"/>
+              <a:t>perlu</a:t>
+            </a:r>
+            <a:r>
+              <a:rPr lang="en-US" sz="2000" dirty="0"/>
+              <a:t> </a:t>
+            </a:r>
+            <a:r>
+              <a:rPr lang="en-US" sz="2000" dirty="0" err="1"/>
+              <a:t>mengajukan</a:t>
+            </a:r>
+            <a:r>
+              <a:rPr lang="en-US" sz="2000" dirty="0"/>
+              <a:t> proposal </a:t>
+            </a:r>
+            <a:r>
+              <a:rPr lang="en-US" sz="2000" dirty="0" err="1"/>
+              <a:t>lagi</a:t>
+            </a:r>
+            <a:endParaRPr lang="en-US" sz="2000" dirty="0"/>
+          </a:p>
+          <a:p>
+            <a:endParaRPr lang="en-US" dirty="0"/>
+          </a:p>
+        </p:txBody>
+      </p:sp>
+    </p:spTree>
+    <p:extLst>
+      <p:ext uri="{BB962C8B-B14F-4D97-AF65-F5344CB8AC3E}">
+        <p14:creationId xmlns:p14="http://schemas.microsoft.com/office/powerpoint/2010/main" val="2516257489"/>
+      </p:ext>
+    </p:extLst>
+  </p:cSld>
+  <p:clrMapOvr>
+    <a:masterClrMapping/>
+  </p:clrMapOvr>
+  <p:timing>
+    <p:tnLst>
+      <p:par>
+        <p:cTn id="1" dur="indefinite" restart="never" nodeType="tmRoot"/>
+      </p:par>
+    </p:tnLst>
+  </p:timing>
+</p:sld>
+</file>
+
+<file path=ppt/slides/slide25.xml><?xml version="1.0" encoding="utf-8"?>
+<p:sld xmlns:a="http://schemas.openxmlformats.org/drawingml/2006/main" xmlns:r="http://schemas.openxmlformats.org/officeDocument/2006/relationships" xmlns:p="http://schemas.openxmlformats.org/presentationml/2006/main">
+  <p:cSld>
+    <p:spTree>
+      <p:nvGrpSpPr>
+        <p:cNvPr id="1" name=""/>
+        <p:cNvGrpSpPr/>
+        <p:nvPr/>
+      </p:nvGrpSpPr>
+      <p:grpSpPr>
+        <a:xfrm>
+          <a:off x="0" y="0"/>
+          <a:ext cx="0" cy="0"/>
+          <a:chOff x="0" y="0"/>
+          <a:chExt cx="0" cy="0"/>
+        </a:xfrm>
+      </p:grpSpPr>
+      <p:sp>
+        <p:nvSpPr>
+          <p:cNvPr id="2" name="Title 1"/>
+          <p:cNvSpPr>
+            <a:spLocks noGrp="1"/>
+          </p:cNvSpPr>
+          <p:nvPr>
+            <p:ph type="title"/>
+          </p:nvPr>
+        </p:nvSpPr>
+        <p:spPr/>
+        <p:txBody>
+          <a:bodyPr/>
+          <a:lstStyle/>
+          <a:p>
+            <a:r>
+              <a:rPr lang="en-US" dirty="0" smtClean="0"/>
+              <a:t>BPMN </a:t>
+            </a:r>
+            <a:r>
+              <a:rPr lang="en-US" dirty="0" err="1" smtClean="0"/>
+              <a:t>Skenario</a:t>
+            </a:r>
+            <a:endParaRPr lang="en-US" dirty="0"/>
+          </a:p>
+        </p:txBody>
+      </p:sp>
+      <p:pic>
+        <p:nvPicPr>
+          <p:cNvPr id="7" name="Content Placeholder 6"/>
+          <p:cNvPicPr>
+            <a:picLocks noGrp="1" noChangeAspect="1"/>
+          </p:cNvPicPr>
+          <p:nvPr>
+            <p:ph idx="1"/>
+          </p:nvPr>
+        </p:nvPicPr>
+        <p:blipFill>
+          <a:blip r:embed="rId3">
+            <a:extLst>
+              <a:ext uri="{28A0092B-C50C-407E-A947-70E740481C1C}">
+                <a14:useLocalDpi xmlns:a14="http://schemas.microsoft.com/office/drawing/2010/main" val="0"/>
+              </a:ext>
+            </a:extLst>
+          </a:blip>
+          <a:stretch>
+            <a:fillRect/>
+          </a:stretch>
+        </p:blipFill>
+        <p:spPr>
+          <a:xfrm>
+            <a:off x="679466" y="2391219"/>
+            <a:ext cx="10874308" cy="4064445"/>
+          </a:xfrm>
+        </p:spPr>
+      </p:pic>
+    </p:spTree>
+    <p:extLst>
+      <p:ext uri="{BB962C8B-B14F-4D97-AF65-F5344CB8AC3E}">
+        <p14:creationId xmlns:p14="http://schemas.microsoft.com/office/powerpoint/2010/main" val="4020657944"/>
+      </p:ext>
+    </p:extLst>
+  </p:cSld>
+  <p:clrMapOvr>
+    <a:masterClrMapping/>
+  </p:clrMapOvr>
+  <p:timing>
+    <p:tnLst>
+      <p:par>
+        <p:cTn id="1" dur="indefinite" restart="never" nodeType="tmRoot"/>
+      </p:par>
+    </p:tnLst>
+  </p:timing>
+</p:sld>
+</file>
+
+<file path=ppt/slides/slide26.xml><?xml version="1.0" encoding="utf-8"?>
+<p:sld xmlns:a="http://schemas.openxmlformats.org/drawingml/2006/main" xmlns:r="http://schemas.openxmlformats.org/officeDocument/2006/relationships" xmlns:p="http://schemas.openxmlformats.org/presentationml/2006/main">
+  <p:cSld>
+    <p:spTree>
+      <p:nvGrpSpPr>
+        <p:cNvPr id="1" name=""/>
+        <p:cNvGrpSpPr/>
+        <p:nvPr/>
+      </p:nvGrpSpPr>
+      <p:grpSpPr>
+        <a:xfrm>
+          <a:off x="0" y="0"/>
+          <a:ext cx="0" cy="0"/>
+          <a:chOff x="0" y="0"/>
+          <a:chExt cx="0" cy="0"/>
+        </a:xfrm>
+      </p:grpSpPr>
+      <p:sp>
+        <p:nvSpPr>
+          <p:cNvPr id="2" name="Title 1"/>
+          <p:cNvSpPr>
+            <a:spLocks noGrp="1"/>
+          </p:cNvSpPr>
+          <p:nvPr>
+            <p:ph type="title"/>
+          </p:nvPr>
+        </p:nvSpPr>
+        <p:spPr/>
+        <p:txBody>
+          <a:bodyPr/>
+          <a:lstStyle/>
+          <a:p>
+            <a:r>
+              <a:rPr lang="en-US" dirty="0" smtClean="0"/>
+              <a:t>Demo</a:t>
+            </a:r>
+            <a:endParaRPr lang="en-US" dirty="0"/>
+          </a:p>
+        </p:txBody>
+      </p:sp>
+      <p:sp>
+        <p:nvSpPr>
+          <p:cNvPr id="3" name="Content Placeholder 2"/>
+          <p:cNvSpPr>
+            <a:spLocks noGrp="1"/>
+          </p:cNvSpPr>
+          <p:nvPr>
+            <p:ph idx="1"/>
+          </p:nvPr>
+        </p:nvSpPr>
+        <p:spPr>
+          <a:xfrm>
+            <a:off x="1324287" y="2180166"/>
+            <a:ext cx="8825659" cy="4068233"/>
+          </a:xfrm>
+        </p:spPr>
+        <p:txBody>
+          <a:bodyPr>
+            <a:normAutofit lnSpcReduction="10000"/>
+          </a:bodyPr>
+          <a:lstStyle/>
+          <a:p>
+            <a:r>
+              <a:rPr lang="en-US" sz="2400" dirty="0" err="1" smtClean="0"/>
+              <a:t>Tugas</a:t>
+            </a:r>
+            <a:r>
+              <a:rPr lang="en-US" sz="2400" dirty="0" smtClean="0"/>
+              <a:t> </a:t>
+            </a:r>
+            <a:r>
+              <a:rPr lang="en-US" sz="2400" dirty="0" err="1" smtClean="0"/>
+              <a:t>Desainer</a:t>
+            </a:r>
+            <a:endParaRPr lang="en-US" sz="2400" dirty="0" smtClean="0"/>
+          </a:p>
+          <a:p>
+            <a:pPr lvl="1"/>
+            <a:r>
+              <a:rPr lang="en-US" sz="2200" dirty="0" err="1"/>
+              <a:t>M</a:t>
+            </a:r>
+            <a:r>
+              <a:rPr lang="en-US" sz="2200" dirty="0" err="1" smtClean="0"/>
+              <a:t>embuat</a:t>
+            </a:r>
+            <a:r>
+              <a:rPr lang="en-US" sz="2200" dirty="0" smtClean="0"/>
+              <a:t> BPMN (</a:t>
+            </a:r>
+            <a:r>
+              <a:rPr lang="en-US" sz="2200" dirty="0" err="1" smtClean="0"/>
+              <a:t>sudah</a:t>
+            </a:r>
+            <a:r>
+              <a:rPr lang="en-US" sz="2200" dirty="0" smtClean="0"/>
+              <a:t> </a:t>
+            </a:r>
+            <a:r>
+              <a:rPr lang="en-US" sz="2200" dirty="0" err="1" smtClean="0"/>
+              <a:t>dibuat</a:t>
+            </a:r>
+            <a:r>
+              <a:rPr lang="en-US" sz="2200" dirty="0" smtClean="0"/>
+              <a:t>)</a:t>
+            </a:r>
+          </a:p>
+          <a:p>
+            <a:pPr lvl="1"/>
+            <a:r>
+              <a:rPr lang="en-US" sz="2200" dirty="0" err="1" smtClean="0"/>
+              <a:t>Membuat</a:t>
+            </a:r>
+            <a:r>
+              <a:rPr lang="en-US" sz="2200" dirty="0" smtClean="0"/>
+              <a:t> </a:t>
+            </a:r>
+            <a:r>
+              <a:rPr lang="en-US" sz="2200" dirty="0" err="1" smtClean="0"/>
+              <a:t>kelas</a:t>
+            </a:r>
+            <a:r>
+              <a:rPr lang="en-US" sz="2200" dirty="0" smtClean="0"/>
+              <a:t> Java (</a:t>
+            </a:r>
+            <a:r>
+              <a:rPr lang="en-US" sz="2200" dirty="0" err="1" smtClean="0"/>
+              <a:t>sudah</a:t>
+            </a:r>
+            <a:r>
+              <a:rPr lang="en-US" sz="2200" dirty="0" smtClean="0"/>
+              <a:t> </a:t>
+            </a:r>
+            <a:r>
+              <a:rPr lang="en-US" sz="2200" dirty="0" err="1" smtClean="0"/>
+              <a:t>dibuat</a:t>
+            </a:r>
+            <a:r>
+              <a:rPr lang="en-US" sz="2200" dirty="0" smtClean="0"/>
+              <a:t>)</a:t>
+            </a:r>
+          </a:p>
+          <a:p>
+            <a:pPr lvl="1"/>
+            <a:r>
+              <a:rPr lang="en-US" sz="2200" dirty="0" err="1" smtClean="0"/>
+              <a:t>Membuat</a:t>
+            </a:r>
+            <a:r>
+              <a:rPr lang="en-US" sz="2200" dirty="0" smtClean="0"/>
+              <a:t> form HTML (</a:t>
+            </a:r>
+            <a:r>
+              <a:rPr lang="en-US" sz="2200" dirty="0" err="1" smtClean="0"/>
+              <a:t>sudah</a:t>
+            </a:r>
+            <a:r>
+              <a:rPr lang="en-US" sz="2200" dirty="0" smtClean="0"/>
+              <a:t> </a:t>
+            </a:r>
+            <a:r>
+              <a:rPr lang="en-US" sz="2200" dirty="0" err="1" smtClean="0"/>
+              <a:t>dibuat</a:t>
+            </a:r>
+            <a:r>
+              <a:rPr lang="en-US" sz="2200" dirty="0" smtClean="0"/>
+              <a:t>)</a:t>
+            </a:r>
+          </a:p>
+          <a:p>
+            <a:r>
+              <a:rPr lang="en-US" sz="2400" dirty="0" err="1" smtClean="0"/>
+              <a:t>Tugas</a:t>
+            </a:r>
+            <a:r>
+              <a:rPr lang="en-US" sz="2400" dirty="0" smtClean="0"/>
+              <a:t> Admin</a:t>
+            </a:r>
+          </a:p>
+          <a:p>
+            <a:pPr lvl="1"/>
+            <a:r>
+              <a:rPr lang="en-US" sz="2200" dirty="0" err="1" smtClean="0"/>
+              <a:t>Membuat</a:t>
+            </a:r>
+            <a:r>
+              <a:rPr lang="en-US" sz="2200" dirty="0" smtClean="0"/>
+              <a:t> email yang </a:t>
+            </a:r>
+            <a:r>
+              <a:rPr lang="en-US" sz="2200" dirty="0" err="1" smtClean="0"/>
+              <a:t>merepresentasikan</a:t>
+            </a:r>
+            <a:r>
+              <a:rPr lang="en-US" sz="2200" dirty="0" smtClean="0"/>
+              <a:t> </a:t>
+            </a:r>
+            <a:r>
+              <a:rPr lang="en-US" sz="2200" dirty="0" err="1" smtClean="0"/>
+              <a:t>sistem</a:t>
+            </a:r>
+            <a:endParaRPr lang="en-US" sz="2200" dirty="0" smtClean="0"/>
+          </a:p>
+          <a:p>
+            <a:pPr lvl="1"/>
+            <a:r>
+              <a:rPr lang="en-US" sz="2200" dirty="0" err="1" smtClean="0"/>
+              <a:t>Membuat</a:t>
+            </a:r>
+            <a:r>
+              <a:rPr lang="en-US" sz="2200" dirty="0" smtClean="0"/>
+              <a:t> user </a:t>
+            </a:r>
+            <a:r>
+              <a:rPr lang="en-US" sz="2200" dirty="0" err="1" smtClean="0"/>
+              <a:t>dan</a:t>
+            </a:r>
+            <a:r>
+              <a:rPr lang="en-US" sz="2200" dirty="0" smtClean="0"/>
+              <a:t> group di </a:t>
+            </a:r>
+            <a:r>
+              <a:rPr lang="en-US" sz="2200" dirty="0" err="1" smtClean="0"/>
+              <a:t>camunda</a:t>
+            </a:r>
+            <a:r>
+              <a:rPr lang="en-US" sz="2200" dirty="0" smtClean="0"/>
+              <a:t> (</a:t>
+            </a:r>
+            <a:r>
+              <a:rPr lang="en-US" sz="2200" dirty="0" err="1" smtClean="0"/>
+              <a:t>sudah</a:t>
+            </a:r>
+            <a:r>
+              <a:rPr lang="en-US" sz="2200" dirty="0" smtClean="0"/>
+              <a:t> </a:t>
+            </a:r>
+            <a:r>
+              <a:rPr lang="en-US" sz="2200" dirty="0" err="1" smtClean="0"/>
+              <a:t>dibuat</a:t>
+            </a:r>
+            <a:r>
+              <a:rPr lang="en-US" sz="2200" dirty="0" smtClean="0"/>
+              <a:t>)</a:t>
+            </a:r>
+          </a:p>
+          <a:p>
+            <a:r>
+              <a:rPr lang="en-US" sz="2400" dirty="0" err="1" smtClean="0"/>
+              <a:t>Tugas</a:t>
+            </a:r>
+            <a:r>
+              <a:rPr lang="en-US" sz="2400" dirty="0" smtClean="0"/>
+              <a:t> </a:t>
+            </a:r>
+            <a:r>
+              <a:rPr lang="en-US" sz="2400" dirty="0" err="1" smtClean="0"/>
+              <a:t>Aktor</a:t>
+            </a:r>
+            <a:endParaRPr lang="en-US" sz="2400" dirty="0" smtClean="0"/>
+          </a:p>
+          <a:p>
+            <a:pPr lvl="1"/>
+            <a:r>
+              <a:rPr lang="en-US" sz="2200" dirty="0" err="1" smtClean="0"/>
+              <a:t>Mengerjakan</a:t>
+            </a:r>
+            <a:r>
+              <a:rPr lang="en-US" sz="2200" dirty="0" smtClean="0"/>
+              <a:t> </a:t>
+            </a:r>
+            <a:r>
+              <a:rPr lang="en-US" sz="2200" i="1" dirty="0" smtClean="0"/>
+              <a:t>task</a:t>
+            </a:r>
+            <a:endParaRPr lang="en-US" dirty="0" smtClean="0"/>
+          </a:p>
+          <a:p>
+            <a:endParaRPr lang="en-US" dirty="0"/>
+          </a:p>
+        </p:txBody>
+      </p:sp>
+    </p:spTree>
+    <p:extLst>
+      <p:ext uri="{BB962C8B-B14F-4D97-AF65-F5344CB8AC3E}">
+        <p14:creationId xmlns:p14="http://schemas.microsoft.com/office/powerpoint/2010/main" val="189905702"/>
+      </p:ext>
+    </p:extLst>
+  </p:cSld>
+  <p:clrMapOvr>
+    <a:masterClrMapping/>
+  </p:clrMapOvr>
+</p:sld>
+</file>
+
+<file path=ppt/slides/slide27.xml><?xml version="1.0" encoding="utf-8"?>
+<p:sld xmlns:a="http://schemas.openxmlformats.org/drawingml/2006/main" xmlns:r="http://schemas.openxmlformats.org/officeDocument/2006/relationships" xmlns:p="http://schemas.openxmlformats.org/presentationml/2006/main">
+  <p:cSld>
+    <p:spTree>
+      <p:nvGrpSpPr>
+        <p:cNvPr id="1" name=""/>
+        <p:cNvGrpSpPr/>
+        <p:nvPr/>
+      </p:nvGrpSpPr>
+      <p:grpSpPr>
+        <a:xfrm>
+          <a:off x="0" y="0"/>
+          <a:ext cx="0" cy="0"/>
+          <a:chOff x="0" y="0"/>
+          <a:chExt cx="0" cy="0"/>
+        </a:xfrm>
+      </p:grpSpPr>
+      <p:sp>
+        <p:nvSpPr>
+          <p:cNvPr id="2" name="Title 1"/>
+          <p:cNvSpPr>
+            <a:spLocks noGrp="1"/>
+          </p:cNvSpPr>
+          <p:nvPr>
+            <p:ph type="title"/>
+          </p:nvPr>
+        </p:nvSpPr>
+        <p:spPr/>
+        <p:txBody>
+          <a:bodyPr/>
+          <a:lstStyle/>
+          <a:p>
+            <a:r>
+              <a:rPr lang="en-US" dirty="0" err="1" smtClean="0"/>
+              <a:t>Kesimpulan</a:t>
+            </a:r>
+            <a:endParaRPr lang="en-US" dirty="0"/>
+          </a:p>
+        </p:txBody>
+      </p:sp>
+      <p:sp>
+        <p:nvSpPr>
+          <p:cNvPr id="3" name="Content Placeholder 2"/>
+          <p:cNvSpPr>
+            <a:spLocks noGrp="1"/>
+          </p:cNvSpPr>
+          <p:nvPr>
+            <p:ph idx="1"/>
+          </p:nvPr>
+        </p:nvSpPr>
+        <p:spPr>
+          <a:xfrm>
+            <a:off x="1154954" y="2294407"/>
+            <a:ext cx="8825659" cy="3416300"/>
+          </a:xfrm>
+        </p:spPr>
+        <p:txBody>
+          <a:bodyPr>
+            <a:noAutofit/>
+          </a:bodyPr>
+          <a:lstStyle/>
+          <a:p>
+            <a:r>
+              <a:rPr lang="en-US" sz="2200" i="1" dirty="0" smtClean="0"/>
+              <a:t>Workflow </a:t>
+            </a:r>
+            <a:r>
+              <a:rPr lang="en-US" sz="2200" dirty="0" err="1" smtClean="0"/>
+              <a:t>dapat</a:t>
+            </a:r>
+            <a:r>
+              <a:rPr lang="en-US" sz="2200" dirty="0" smtClean="0"/>
+              <a:t> </a:t>
+            </a:r>
+            <a:r>
+              <a:rPr lang="en-US" sz="2200" dirty="0" err="1" smtClean="0"/>
+              <a:t>dimodelkan</a:t>
+            </a:r>
+            <a:r>
+              <a:rPr lang="en-US" sz="2200" dirty="0" smtClean="0"/>
+              <a:t> </a:t>
+            </a:r>
+            <a:r>
+              <a:rPr lang="en-US" sz="2200" dirty="0" err="1" smtClean="0"/>
+              <a:t>sebagai</a:t>
+            </a:r>
+            <a:r>
+              <a:rPr lang="en-US" sz="2200" dirty="0" smtClean="0"/>
+              <a:t> BPMN </a:t>
+            </a:r>
+            <a:r>
+              <a:rPr lang="en-US" sz="2200" dirty="0" err="1" smtClean="0"/>
+              <a:t>sehingga</a:t>
+            </a:r>
+            <a:r>
+              <a:rPr lang="en-US" sz="2200" dirty="0" smtClean="0"/>
+              <a:t> </a:t>
+            </a:r>
+            <a:r>
+              <a:rPr lang="en-US" sz="2200" dirty="0" err="1" smtClean="0"/>
+              <a:t>dapat</a:t>
+            </a:r>
+            <a:r>
+              <a:rPr lang="en-US" sz="2200" dirty="0" smtClean="0"/>
+              <a:t> </a:t>
+            </a:r>
+            <a:r>
+              <a:rPr lang="en-US" sz="2200" dirty="0" err="1" smtClean="0"/>
+              <a:t>divisualisasikan</a:t>
+            </a:r>
+            <a:r>
+              <a:rPr lang="en-US" sz="2200" dirty="0" smtClean="0"/>
+              <a:t> </a:t>
+            </a:r>
+            <a:r>
+              <a:rPr lang="en-US" sz="2200" dirty="0" err="1" smtClean="0"/>
+              <a:t>oleh</a:t>
+            </a:r>
+            <a:r>
+              <a:rPr lang="en-US" sz="2200" dirty="0" smtClean="0"/>
+              <a:t> BPMS</a:t>
+            </a:r>
+          </a:p>
+          <a:p>
+            <a:r>
+              <a:rPr lang="en-US" sz="2200" i="1" dirty="0" smtClean="0"/>
+              <a:t>Event-event </a:t>
+            </a:r>
+            <a:r>
+              <a:rPr lang="en-US" sz="2200" dirty="0" err="1" smtClean="0"/>
+              <a:t>dapat</a:t>
+            </a:r>
+            <a:r>
+              <a:rPr lang="en-US" sz="2200" dirty="0" smtClean="0"/>
+              <a:t> </a:t>
+            </a:r>
+            <a:r>
+              <a:rPr lang="en-US" sz="2200" dirty="0" err="1" smtClean="0"/>
+              <a:t>dipropagasi</a:t>
+            </a:r>
+            <a:r>
+              <a:rPr lang="en-US" sz="2200" dirty="0" smtClean="0"/>
+              <a:t> via email </a:t>
+            </a:r>
+            <a:r>
+              <a:rPr lang="en-US" sz="2200" dirty="0" err="1" smtClean="0"/>
+              <a:t>sehingga</a:t>
+            </a:r>
+            <a:r>
+              <a:rPr lang="en-US" sz="2200" dirty="0" smtClean="0"/>
+              <a:t> actor </a:t>
+            </a:r>
+            <a:r>
+              <a:rPr lang="en-US" sz="2200" dirty="0" err="1" smtClean="0"/>
+              <a:t>dapat</a:t>
+            </a:r>
+            <a:r>
+              <a:rPr lang="en-US" sz="2200" dirty="0" smtClean="0"/>
+              <a:t> </a:t>
+            </a:r>
+            <a:r>
+              <a:rPr lang="en-US" sz="2200" dirty="0" err="1" smtClean="0"/>
+              <a:t>mengetahui</a:t>
+            </a:r>
+            <a:r>
+              <a:rPr lang="en-US" sz="2200" dirty="0" smtClean="0"/>
+              <a:t> </a:t>
+            </a:r>
+            <a:r>
+              <a:rPr lang="en-US" sz="2200" dirty="0" err="1" smtClean="0"/>
+              <a:t>apabila</a:t>
+            </a:r>
+            <a:r>
+              <a:rPr lang="en-US" sz="2200" dirty="0" smtClean="0"/>
+              <a:t> </a:t>
+            </a:r>
+            <a:r>
+              <a:rPr lang="en-US" sz="2200" dirty="0" err="1" smtClean="0"/>
+              <a:t>ada</a:t>
+            </a:r>
+            <a:r>
+              <a:rPr lang="en-US" sz="2200" dirty="0" smtClean="0"/>
+              <a:t> </a:t>
+            </a:r>
+            <a:r>
+              <a:rPr lang="en-US" sz="2200" i="1" dirty="0" smtClean="0"/>
+              <a:t>task </a:t>
+            </a:r>
+            <a:r>
+              <a:rPr lang="en-US" sz="2200" dirty="0" smtClean="0"/>
+              <a:t>yang </a:t>
+            </a:r>
+            <a:r>
+              <a:rPr lang="en-US" sz="2200" dirty="0" err="1" smtClean="0"/>
+              <a:t>harus</a:t>
+            </a:r>
+            <a:r>
+              <a:rPr lang="en-US" sz="2200" dirty="0" smtClean="0"/>
+              <a:t> </a:t>
+            </a:r>
+            <a:r>
+              <a:rPr lang="en-US" sz="2200" dirty="0" err="1" smtClean="0"/>
+              <a:t>dikerjakan</a:t>
+            </a:r>
+            <a:r>
+              <a:rPr lang="en-US" sz="2200" dirty="0" smtClean="0"/>
+              <a:t>. </a:t>
+            </a:r>
+            <a:r>
+              <a:rPr lang="en-US" sz="2200" dirty="0" err="1" smtClean="0"/>
+              <a:t>Dengan</a:t>
+            </a:r>
+            <a:r>
+              <a:rPr lang="en-US" sz="2200" dirty="0" smtClean="0"/>
+              <a:t> </a:t>
+            </a:r>
+            <a:r>
+              <a:rPr lang="en-US" sz="2200" dirty="0" err="1" smtClean="0"/>
+              <a:t>demikian</a:t>
+            </a:r>
+            <a:r>
+              <a:rPr lang="en-US" sz="2200" dirty="0" smtClean="0"/>
+              <a:t> </a:t>
+            </a:r>
+            <a:r>
+              <a:rPr lang="en-US" sz="2200" dirty="0" err="1" smtClean="0"/>
+              <a:t>akan</a:t>
+            </a:r>
+            <a:r>
+              <a:rPr lang="en-US" sz="2200" dirty="0" smtClean="0"/>
+              <a:t> </a:t>
+            </a:r>
+            <a:r>
+              <a:rPr lang="en-US" sz="2200" dirty="0" err="1" smtClean="0"/>
+              <a:t>meningkatkan</a:t>
+            </a:r>
+            <a:r>
+              <a:rPr lang="en-US" sz="2200" dirty="0" smtClean="0"/>
+              <a:t> </a:t>
+            </a:r>
+            <a:r>
+              <a:rPr lang="en-US" sz="2200" dirty="0" err="1" smtClean="0"/>
+              <a:t>efisiensi</a:t>
+            </a:r>
+            <a:r>
+              <a:rPr lang="en-US" sz="2200" dirty="0" smtClean="0"/>
+              <a:t> </a:t>
+            </a:r>
+            <a:r>
+              <a:rPr lang="en-US" sz="2200" dirty="0" smtClean="0"/>
+              <a:t>proses </a:t>
+            </a:r>
+            <a:r>
+              <a:rPr lang="en-US" sz="2200" dirty="0" err="1" smtClean="0"/>
+              <a:t>bisnis</a:t>
+            </a:r>
+            <a:endParaRPr lang="en-US" sz="2200" dirty="0"/>
+          </a:p>
+          <a:p>
+            <a:r>
+              <a:rPr lang="en-US" sz="2200" dirty="0" err="1" smtClean="0"/>
+              <a:t>Propagasi</a:t>
+            </a:r>
+            <a:r>
+              <a:rPr lang="en-US" sz="2200" dirty="0" smtClean="0"/>
+              <a:t> email </a:t>
+            </a:r>
+            <a:r>
+              <a:rPr lang="en-US" sz="2200" dirty="0" err="1" smtClean="0"/>
+              <a:t>dapat</a:t>
+            </a:r>
+            <a:r>
+              <a:rPr lang="en-US" sz="2200" dirty="0" smtClean="0"/>
+              <a:t> </a:t>
+            </a:r>
+            <a:r>
+              <a:rPr lang="en-US" sz="2200" dirty="0" err="1" smtClean="0"/>
+              <a:t>dilakukan</a:t>
+            </a:r>
+            <a:r>
+              <a:rPr lang="en-US" sz="2200" dirty="0" smtClean="0"/>
+              <a:t> </a:t>
+            </a:r>
+            <a:r>
+              <a:rPr lang="en-US" sz="2200" dirty="0" err="1" smtClean="0"/>
+              <a:t>dengan</a:t>
+            </a:r>
+            <a:r>
+              <a:rPr lang="en-US" sz="2200" dirty="0" smtClean="0"/>
+              <a:t> </a:t>
+            </a:r>
+            <a:r>
+              <a:rPr lang="en-US" sz="2200" dirty="0" err="1" smtClean="0"/>
+              <a:t>cara</a:t>
+            </a:r>
+            <a:r>
+              <a:rPr lang="en-US" sz="2200" dirty="0" smtClean="0"/>
+              <a:t> </a:t>
+            </a:r>
+            <a:r>
+              <a:rPr lang="en-US" sz="2200" dirty="0" err="1" smtClean="0"/>
+              <a:t>menyisipkan</a:t>
+            </a:r>
+            <a:r>
+              <a:rPr lang="en-US" sz="2200" dirty="0" smtClean="0"/>
+              <a:t> </a:t>
+            </a:r>
+            <a:r>
+              <a:rPr lang="en-US" sz="2200" i="1" dirty="0" smtClean="0"/>
+              <a:t>Task Listener </a:t>
+            </a:r>
+            <a:r>
+              <a:rPr lang="en-US" sz="2200" dirty="0" smtClean="0"/>
+              <a:t>di event yang </a:t>
+            </a:r>
+            <a:r>
+              <a:rPr lang="en-US" sz="2200" dirty="0" err="1" smtClean="0"/>
+              <a:t>akan</a:t>
+            </a:r>
+            <a:r>
+              <a:rPr lang="en-US" sz="2200" dirty="0" smtClean="0"/>
+              <a:t> </a:t>
+            </a:r>
+            <a:r>
+              <a:rPr lang="en-US" sz="2200" dirty="0" err="1" smtClean="0"/>
+              <a:t>dipropagasi</a:t>
+            </a:r>
+            <a:r>
+              <a:rPr lang="en-US" sz="2200" dirty="0" smtClean="0"/>
+              <a:t>. </a:t>
+            </a:r>
+            <a:r>
+              <a:rPr lang="en-US" sz="2200" dirty="0" err="1" smtClean="0"/>
+              <a:t>Selain</a:t>
+            </a:r>
+            <a:r>
+              <a:rPr lang="en-US" sz="2200" dirty="0" smtClean="0"/>
+              <a:t> </a:t>
+            </a:r>
+            <a:r>
+              <a:rPr lang="en-US" sz="2200" dirty="0" err="1" smtClean="0"/>
+              <a:t>itu</a:t>
+            </a:r>
+            <a:r>
+              <a:rPr lang="en-US" sz="2200" dirty="0" smtClean="0"/>
+              <a:t> </a:t>
+            </a:r>
+            <a:r>
+              <a:rPr lang="en-US" sz="2200" dirty="0" err="1" smtClean="0"/>
+              <a:t>dibutuhkan</a:t>
+            </a:r>
+            <a:r>
+              <a:rPr lang="en-US" sz="2200" dirty="0" smtClean="0"/>
+              <a:t> </a:t>
+            </a:r>
+            <a:r>
+              <a:rPr lang="en-US" sz="2200" dirty="0" err="1" smtClean="0"/>
+              <a:t>peran</a:t>
+            </a:r>
+            <a:r>
+              <a:rPr lang="en-US" sz="2200" dirty="0" smtClean="0"/>
+              <a:t> admin </a:t>
+            </a:r>
+            <a:r>
+              <a:rPr lang="en-US" sz="2200" dirty="0" err="1" smtClean="0"/>
+              <a:t>untuk</a:t>
+            </a:r>
+            <a:r>
+              <a:rPr lang="en-US" sz="2200" dirty="0" smtClean="0"/>
+              <a:t> </a:t>
+            </a:r>
+            <a:r>
+              <a:rPr lang="en-US" sz="2200" dirty="0" err="1" smtClean="0"/>
+              <a:t>mendaftarkan</a:t>
+            </a:r>
+            <a:r>
+              <a:rPr lang="en-US" sz="2200" dirty="0" smtClean="0"/>
+              <a:t> </a:t>
+            </a:r>
+            <a:r>
+              <a:rPr lang="en-US" sz="2200" dirty="0" err="1" smtClean="0"/>
+              <a:t>alamat</a:t>
+            </a:r>
+            <a:r>
+              <a:rPr lang="en-US" sz="2200" dirty="0" smtClean="0"/>
+              <a:t> email actor</a:t>
+            </a:r>
+          </a:p>
+          <a:p>
+            <a:r>
+              <a:rPr lang="en-US" sz="2200" dirty="0" err="1" smtClean="0"/>
+              <a:t>Pengujian</a:t>
+            </a:r>
+            <a:r>
+              <a:rPr lang="en-US" sz="2200" dirty="0" smtClean="0"/>
+              <a:t> </a:t>
+            </a:r>
+            <a:r>
+              <a:rPr lang="en-US" sz="2200" dirty="0" err="1" smtClean="0"/>
+              <a:t>telah</a:t>
+            </a:r>
+            <a:r>
+              <a:rPr lang="en-US" sz="2200" dirty="0" smtClean="0"/>
+              <a:t> </a:t>
+            </a:r>
+            <a:r>
+              <a:rPr lang="en-US" sz="2200" dirty="0" err="1" smtClean="0"/>
+              <a:t>dilakukan</a:t>
+            </a:r>
+            <a:r>
+              <a:rPr lang="en-US" sz="2200" dirty="0" smtClean="0"/>
+              <a:t> </a:t>
+            </a:r>
+            <a:r>
+              <a:rPr lang="en-US" sz="2200" dirty="0" err="1" smtClean="0"/>
+              <a:t>dan</a:t>
+            </a:r>
+            <a:r>
+              <a:rPr lang="en-US" sz="2200" dirty="0" smtClean="0"/>
+              <a:t> </a:t>
+            </a:r>
+            <a:r>
+              <a:rPr lang="en-US" sz="2200" dirty="0" err="1" smtClean="0"/>
+              <a:t>dapat</a:t>
+            </a:r>
+            <a:r>
+              <a:rPr lang="en-US" sz="2200" dirty="0" smtClean="0"/>
+              <a:t> </a:t>
+            </a:r>
+            <a:r>
+              <a:rPr lang="en-US" sz="2200" dirty="0" err="1" smtClean="0"/>
+              <a:t>berjalan</a:t>
+            </a:r>
+            <a:r>
+              <a:rPr lang="en-US" sz="2200" dirty="0" smtClean="0"/>
+              <a:t> </a:t>
+            </a:r>
+            <a:r>
+              <a:rPr lang="en-US" sz="2200" dirty="0" err="1" smtClean="0"/>
+              <a:t>dengan</a:t>
+            </a:r>
+            <a:r>
+              <a:rPr lang="en-US" sz="2200" dirty="0" smtClean="0"/>
+              <a:t> </a:t>
+            </a:r>
+            <a:r>
+              <a:rPr lang="en-US" sz="2200" dirty="0" err="1" smtClean="0"/>
+              <a:t>baik</a:t>
+            </a:r>
+            <a:endParaRPr lang="en-US" sz="2200" dirty="0"/>
+          </a:p>
+        </p:txBody>
+      </p:sp>
+    </p:spTree>
+    <p:extLst>
+      <p:ext uri="{BB962C8B-B14F-4D97-AF65-F5344CB8AC3E}">
+        <p14:creationId xmlns:p14="http://schemas.microsoft.com/office/powerpoint/2010/main" val="1658816714"/>
       </p:ext>
     </p:extLst>
   </p:cSld>
@@ -15277,168 +20016,168 @@
           <a:lstStyle/>
           <a:p>
             <a:r>
-              <a:rPr lang="en-US" sz="2000" dirty="0" err="1" smtClean="0"/>
+              <a:rPr lang="en-US" sz="2400" dirty="0" err="1" smtClean="0"/>
               <a:t>Memodelkan</a:t>
             </a:r>
             <a:r>
-              <a:rPr lang="en-US" sz="2000" dirty="0" smtClean="0"/>
-              <a:t> </a:t>
-            </a:r>
-            <a:r>
-              <a:rPr lang="en-US" sz="2000" i="1" dirty="0" smtClean="0"/>
+              <a:rPr lang="en-US" sz="2400" dirty="0" smtClean="0"/>
+              <a:t> </a:t>
+            </a:r>
+            <a:r>
+              <a:rPr lang="en-US" sz="2400" i="1" dirty="0" smtClean="0"/>
               <a:t>Workflow </a:t>
             </a:r>
             <a:r>
-              <a:rPr lang="en-US" sz="2000" dirty="0" err="1" smtClean="0"/>
+              <a:rPr lang="en-US" sz="2400" dirty="0" err="1" smtClean="0"/>
               <a:t>dengan</a:t>
             </a:r>
             <a:r>
-              <a:rPr lang="en-US" sz="2000" dirty="0" smtClean="0"/>
+              <a:rPr lang="en-US" sz="2400" dirty="0" smtClean="0"/>
               <a:t> BPMN</a:t>
             </a:r>
           </a:p>
           <a:p>
             <a:r>
-              <a:rPr lang="en-US" sz="2000" dirty="0" err="1" smtClean="0"/>
+              <a:rPr lang="en-US" sz="2400" dirty="0" err="1" smtClean="0"/>
               <a:t>Mengidentifikasi</a:t>
             </a:r>
             <a:r>
-              <a:rPr lang="en-US" sz="2000" dirty="0" smtClean="0"/>
-              <a:t> </a:t>
-            </a:r>
-            <a:r>
-              <a:rPr lang="en-US" sz="2000" i="1" dirty="0" smtClean="0"/>
+              <a:rPr lang="en-US" sz="2400" dirty="0" smtClean="0"/>
+              <a:t> </a:t>
+            </a:r>
+            <a:r>
+              <a:rPr lang="en-US" sz="2400" i="1" dirty="0" smtClean="0"/>
               <a:t>event-event </a:t>
             </a:r>
             <a:r>
-              <a:rPr lang="en-US" sz="2000" dirty="0" smtClean="0"/>
+              <a:rPr lang="en-US" sz="2400" dirty="0" smtClean="0"/>
               <a:t>yang </a:t>
             </a:r>
             <a:r>
-              <a:rPr lang="en-US" sz="2000" dirty="0" err="1" smtClean="0"/>
+              <a:rPr lang="en-US" sz="2400" dirty="0" err="1" smtClean="0"/>
               <a:t>diintegrasikan</a:t>
             </a:r>
             <a:r>
-              <a:rPr lang="en-US" sz="2000" dirty="0" smtClean="0"/>
-              <a:t> </a:t>
-            </a:r>
-            <a:r>
-              <a:rPr lang="en-US" sz="2000" dirty="0" err="1" smtClean="0"/>
+              <a:rPr lang="en-US" sz="2400" dirty="0" smtClean="0"/>
+              <a:t> </a:t>
+            </a:r>
+            <a:r>
+              <a:rPr lang="en-US" sz="2400" dirty="0" err="1" smtClean="0"/>
               <a:t>dengan</a:t>
             </a:r>
             <a:r>
-              <a:rPr lang="en-US" sz="2000" dirty="0" smtClean="0"/>
-              <a:t> </a:t>
-            </a:r>
-            <a:r>
-              <a:rPr lang="en-US" sz="2000" dirty="0" err="1" smtClean="0"/>
+              <a:rPr lang="en-US" sz="2400" dirty="0" smtClean="0"/>
+              <a:t> </a:t>
+            </a:r>
+            <a:r>
+              <a:rPr lang="en-US" sz="2400" dirty="0" err="1" smtClean="0"/>
               <a:t>sistem</a:t>
             </a:r>
             <a:r>
-              <a:rPr lang="en-US" sz="2000" dirty="0" smtClean="0"/>
+              <a:rPr lang="en-US" sz="2400" dirty="0" smtClean="0"/>
               <a:t> email</a:t>
             </a:r>
           </a:p>
           <a:p>
             <a:r>
-              <a:rPr lang="en-US" sz="2000" dirty="0" err="1" smtClean="0"/>
+              <a:rPr lang="en-US" sz="2400" dirty="0" err="1" smtClean="0"/>
               <a:t>Menentukan</a:t>
             </a:r>
             <a:r>
-              <a:rPr lang="en-US" sz="2000" dirty="0" smtClean="0"/>
-              <a:t> </a:t>
-            </a:r>
-            <a:r>
-              <a:rPr lang="en-US" sz="2000" dirty="0" err="1" smtClean="0"/>
+              <a:rPr lang="en-US" sz="2400" dirty="0" smtClean="0"/>
+              <a:t> </a:t>
+            </a:r>
+            <a:r>
+              <a:rPr lang="en-US" sz="2400" dirty="0" err="1" smtClean="0"/>
               <a:t>mekanisme</a:t>
             </a:r>
             <a:r>
-              <a:rPr lang="en-US" sz="2000" dirty="0" smtClean="0"/>
-              <a:t> </a:t>
-            </a:r>
-            <a:r>
-              <a:rPr lang="en-US" sz="2000" dirty="0" err="1" smtClean="0"/>
+              <a:rPr lang="en-US" sz="2400" dirty="0" smtClean="0"/>
+              <a:t> </a:t>
+            </a:r>
+            <a:r>
+              <a:rPr lang="en-US" sz="2400" dirty="0" err="1" smtClean="0"/>
               <a:t>propagasi</a:t>
             </a:r>
             <a:r>
-              <a:rPr lang="en-US" sz="2000" dirty="0" smtClean="0"/>
-              <a:t> </a:t>
-            </a:r>
-            <a:r>
-              <a:rPr lang="en-US" sz="2000" dirty="0" err="1" smtClean="0"/>
+              <a:rPr lang="en-US" sz="2400" dirty="0" smtClean="0"/>
+              <a:t> </a:t>
+            </a:r>
+            <a:r>
+              <a:rPr lang="en-US" sz="2400" dirty="0" err="1" smtClean="0"/>
               <a:t>dan</a:t>
             </a:r>
             <a:r>
-              <a:rPr lang="en-US" sz="2000" dirty="0" smtClean="0"/>
-              <a:t> </a:t>
-            </a:r>
-            <a:r>
-              <a:rPr lang="en-US" sz="2000" dirty="0" err="1" smtClean="0"/>
+              <a:rPr lang="en-US" sz="2400" dirty="0" smtClean="0"/>
+              <a:t> </a:t>
+            </a:r>
+            <a:r>
+              <a:rPr lang="en-US" sz="2400" dirty="0" err="1" smtClean="0"/>
               <a:t>mengintegrasikan</a:t>
             </a:r>
             <a:r>
-              <a:rPr lang="en-US" sz="2000" dirty="0" smtClean="0"/>
-              <a:t> </a:t>
-            </a:r>
-            <a:r>
-              <a:rPr lang="en-US" sz="2000" i="1" dirty="0" smtClean="0"/>
+              <a:rPr lang="en-US" sz="2400" dirty="0" smtClean="0"/>
+              <a:t> </a:t>
+            </a:r>
+            <a:r>
+              <a:rPr lang="en-US" sz="2400" i="1" dirty="0" smtClean="0"/>
               <a:t>workflow </a:t>
             </a:r>
             <a:r>
-              <a:rPr lang="en-US" sz="2000" dirty="0" err="1" smtClean="0"/>
+              <a:rPr lang="en-US" sz="2400" dirty="0" err="1" smtClean="0"/>
               <a:t>dengan</a:t>
             </a:r>
             <a:r>
-              <a:rPr lang="en-US" sz="2000" dirty="0" smtClean="0"/>
-              <a:t> </a:t>
-            </a:r>
-            <a:r>
-              <a:rPr lang="en-US" sz="2000" dirty="0" err="1" smtClean="0"/>
+              <a:rPr lang="en-US" sz="2400" dirty="0" smtClean="0"/>
+              <a:t> </a:t>
+            </a:r>
+            <a:r>
+              <a:rPr lang="en-US" sz="2400" dirty="0" err="1" smtClean="0"/>
               <a:t>sistem</a:t>
             </a:r>
             <a:r>
-              <a:rPr lang="en-US" sz="2000" dirty="0" smtClean="0"/>
+              <a:rPr lang="en-US" sz="2400" dirty="0" smtClean="0"/>
               <a:t> email</a:t>
             </a:r>
           </a:p>
           <a:p>
             <a:r>
-              <a:rPr lang="en-US" sz="2000" dirty="0" err="1" smtClean="0"/>
+              <a:rPr lang="en-US" sz="2400" dirty="0" err="1" smtClean="0"/>
               <a:t>Menguji</a:t>
             </a:r>
             <a:r>
-              <a:rPr lang="en-US" sz="2000" dirty="0" smtClean="0"/>
-              <a:t> </a:t>
-            </a:r>
-            <a:r>
-              <a:rPr lang="en-US" sz="2000" dirty="0" err="1" smtClean="0"/>
+              <a:rPr lang="en-US" sz="2400" dirty="0" smtClean="0"/>
+              <a:t> </a:t>
+            </a:r>
+            <a:r>
+              <a:rPr lang="en-US" sz="2400" dirty="0" err="1" smtClean="0"/>
               <a:t>integrasi</a:t>
             </a:r>
             <a:r>
-              <a:rPr lang="en-US" sz="2000" dirty="0" smtClean="0"/>
-              <a:t> </a:t>
-            </a:r>
-            <a:r>
-              <a:rPr lang="en-US" sz="2000" i="1" dirty="0" smtClean="0"/>
+              <a:rPr lang="en-US" sz="2400" dirty="0" smtClean="0"/>
+              <a:t> </a:t>
+            </a:r>
+            <a:r>
+              <a:rPr lang="en-US" sz="2400" i="1" dirty="0" smtClean="0"/>
               <a:t>workflow </a:t>
             </a:r>
             <a:r>
-              <a:rPr lang="en-US" sz="2000" dirty="0" err="1" smtClean="0"/>
+              <a:rPr lang="en-US" sz="2400" dirty="0" err="1" smtClean="0"/>
               <a:t>dengan</a:t>
             </a:r>
             <a:r>
-              <a:rPr lang="en-US" sz="2000" dirty="0" smtClean="0"/>
-              <a:t> </a:t>
-            </a:r>
-            <a:r>
-              <a:rPr lang="en-US" sz="2000" dirty="0" err="1" smtClean="0"/>
+              <a:rPr lang="en-US" sz="2400" dirty="0" smtClean="0"/>
+              <a:t> </a:t>
+            </a:r>
+            <a:r>
+              <a:rPr lang="en-US" sz="2400" dirty="0" err="1" smtClean="0"/>
               <a:t>sistem</a:t>
             </a:r>
             <a:r>
-              <a:rPr lang="en-US" sz="2000" dirty="0" smtClean="0"/>
+              <a:rPr lang="en-US" sz="2400" dirty="0" smtClean="0"/>
               <a:t> email</a:t>
             </a:r>
-            <a:endParaRPr lang="en-US" sz="2000" dirty="0"/>
+            <a:endParaRPr lang="en-US" sz="2400" dirty="0"/>
           </a:p>
         </p:txBody>
       </p:sp>
@@ -15513,7 +20252,7 @@
           </p:nvPr>
         </p:nvPicPr>
         <p:blipFill>
-          <a:blip r:embed="rId2">
+          <a:blip r:embed="rId3">
             <a:extLst>
               <a:ext uri="{28A0092B-C50C-407E-A947-70E740481C1C}">
                 <a14:useLocalDpi xmlns:a14="http://schemas.microsoft.com/office/drawing/2010/main" val="0"/>
@@ -15526,8 +20265,8 @@
         </p:blipFill>
         <p:spPr>
           <a:xfrm>
-            <a:off x="1805744" y="2290462"/>
-            <a:ext cx="8260895" cy="4246649"/>
+            <a:off x="1273807" y="1889533"/>
+            <a:ext cx="9665029" cy="4968467"/>
           </a:xfrm>
         </p:spPr>
       </p:pic>
@@ -15541,6 +20280,14 @@
   <p:clrMapOvr>
     <a:masterClrMapping/>
   </p:clrMapOvr>
+  <mc:AlternateContent xmlns:mc="http://schemas.openxmlformats.org/markup-compatibility/2006">
+    <mc:Choice xmlns:p14="http://schemas.microsoft.com/office/powerpoint/2010/main" Requires="p14">
+      <p:transition spd="slow" p14:dur="2000"/>
+    </mc:Choice>
+    <mc:Fallback>
+      <p:transition spd="slow"/>
+    </mc:Fallback>
+  </mc:AlternateContent>
   <p:timing>
     <p:tnLst>
       <p:par>
@@ -15609,81 +20356,81 @@
           <a:lstStyle/>
           <a:p>
             <a:r>
-              <a:rPr lang="en-US" sz="2200" dirty="0" err="1" smtClean="0"/>
+              <a:rPr lang="en-US" sz="2400" dirty="0" err="1" smtClean="0"/>
               <a:t>Notasi</a:t>
             </a:r>
             <a:r>
-              <a:rPr lang="en-US" sz="2200" dirty="0" smtClean="0"/>
-              <a:t> </a:t>
-            </a:r>
-            <a:r>
-              <a:rPr lang="en-US" sz="2200" dirty="0" err="1" smtClean="0"/>
+              <a:rPr lang="en-US" sz="2400" dirty="0" smtClean="0"/>
+              <a:t> </a:t>
+            </a:r>
+            <a:r>
+              <a:rPr lang="en-US" sz="2400" dirty="0" err="1" smtClean="0"/>
               <a:t>grafis</a:t>
             </a:r>
             <a:r>
-              <a:rPr lang="en-US" sz="2200" dirty="0" smtClean="0"/>
+              <a:rPr lang="en-US" sz="2400" dirty="0" smtClean="0"/>
               <a:t> yang </a:t>
             </a:r>
             <a:r>
-              <a:rPr lang="en-US" sz="2200" dirty="0" err="1" smtClean="0"/>
+              <a:rPr lang="en-US" sz="2400" dirty="0" err="1" smtClean="0"/>
               <a:t>menggambarkan</a:t>
             </a:r>
             <a:r>
-              <a:rPr lang="en-US" sz="2200" dirty="0" smtClean="0"/>
-              <a:t> </a:t>
-            </a:r>
-            <a:r>
-              <a:rPr lang="en-US" sz="2200" dirty="0" err="1" smtClean="0"/>
+              <a:rPr lang="en-US" sz="2400" dirty="0" smtClean="0"/>
+              <a:t> </a:t>
+            </a:r>
+            <a:r>
+              <a:rPr lang="en-US" sz="2400" dirty="0" err="1" smtClean="0"/>
               <a:t>langkah-langkah</a:t>
             </a:r>
             <a:r>
-              <a:rPr lang="en-US" sz="2200" dirty="0" smtClean="0"/>
-              <a:t> </a:t>
-            </a:r>
-            <a:r>
-              <a:rPr lang="en-US" sz="2200" dirty="0" err="1" smtClean="0"/>
+              <a:rPr lang="en-US" sz="2400" dirty="0" smtClean="0"/>
+              <a:t> </a:t>
+            </a:r>
+            <a:r>
+              <a:rPr lang="en-US" sz="2400" dirty="0" err="1" smtClean="0"/>
               <a:t>daram</a:t>
             </a:r>
             <a:r>
-              <a:rPr lang="en-US" sz="2200" dirty="0" smtClean="0"/>
+              <a:rPr lang="en-US" sz="2400" dirty="0" smtClean="0"/>
               <a:t> proses </a:t>
             </a:r>
             <a:r>
-              <a:rPr lang="en-US" sz="2200" dirty="0" err="1" smtClean="0"/>
+              <a:rPr lang="en-US" sz="2400" dirty="0" err="1" smtClean="0"/>
               <a:t>bisnis</a:t>
             </a:r>
-            <a:endParaRPr lang="en-US" sz="2200" dirty="0" smtClean="0"/>
-          </a:p>
-          <a:p>
-            <a:r>
-              <a:rPr lang="en-US" sz="2200" dirty="0" err="1" smtClean="0"/>
+            <a:endParaRPr lang="en-US" sz="2400" dirty="0" smtClean="0"/>
+          </a:p>
+          <a:p>
+            <a:r>
+              <a:rPr lang="en-US" sz="2400" dirty="0" err="1" smtClean="0"/>
               <a:t>Terdiri</a:t>
             </a:r>
             <a:r>
-              <a:rPr lang="en-US" sz="2200" dirty="0" smtClean="0"/>
-              <a:t> </a:t>
-            </a:r>
-            <a:r>
-              <a:rPr lang="en-US" sz="2200" dirty="0" err="1" smtClean="0"/>
+              <a:rPr lang="en-US" sz="2400" dirty="0" smtClean="0"/>
+              <a:t> </a:t>
+            </a:r>
+            <a:r>
+              <a:rPr lang="en-US" sz="2400" dirty="0" err="1" smtClean="0"/>
               <a:t>dari</a:t>
             </a:r>
             <a:r>
-              <a:rPr lang="en-US" sz="2200" dirty="0" smtClean="0"/>
-              <a:t> </a:t>
-            </a:r>
-            <a:r>
-              <a:rPr lang="en-US" sz="2200" i="1" dirty="0" smtClean="0"/>
+              <a:rPr lang="en-US" sz="2400" dirty="0" smtClean="0"/>
+              <a:t> </a:t>
+            </a:r>
+            <a:r>
+              <a:rPr lang="en-US" sz="2400" i="1" dirty="0" smtClean="0"/>
               <a:t>event, activity, gateway, data, artifact, pool, </a:t>
             </a:r>
             <a:r>
-              <a:rPr lang="en-US" sz="2200" i="1" dirty="0" err="1" smtClean="0"/>
+              <a:rPr lang="en-US" sz="2400" i="1" dirty="0" err="1" smtClean="0"/>
               <a:t>dan</a:t>
             </a:r>
             <a:r>
-              <a:rPr lang="en-US" sz="2200" i="1" dirty="0" smtClean="0"/>
+              <a:rPr lang="en-US" sz="2400" i="1" dirty="0" smtClean="0"/>
               <a:t> lane</a:t>
             </a:r>
-            <a:endParaRPr lang="en-US" sz="2200" dirty="0" smtClean="0"/>
+            <a:endParaRPr lang="en-US" sz="2400" dirty="0" smtClean="0"/>
           </a:p>
           <a:p>
             <a:pPr lvl="1"/>
@@ -15774,97 +20521,97 @@
           <a:lstStyle/>
           <a:p>
             <a:r>
-              <a:rPr lang="en-US" sz="2000" dirty="0" err="1" smtClean="0"/>
+              <a:rPr lang="en-US" sz="2400" dirty="0" err="1" smtClean="0"/>
               <a:t>Kejadian</a:t>
             </a:r>
             <a:r>
-              <a:rPr lang="en-US" sz="2000" dirty="0" smtClean="0"/>
+              <a:rPr lang="en-US" sz="2400" dirty="0" smtClean="0"/>
               <a:t> yang </a:t>
             </a:r>
             <a:r>
-              <a:rPr lang="en-US" sz="2000" dirty="0" err="1" smtClean="0"/>
+              <a:rPr lang="en-US" sz="2400" dirty="0" err="1" smtClean="0"/>
               <a:t>terjadi</a:t>
             </a:r>
             <a:r>
-              <a:rPr lang="en-US" sz="2000" dirty="0" smtClean="0"/>
-              <a:t> </a:t>
-            </a:r>
-            <a:r>
-              <a:rPr lang="en-US" sz="2000" dirty="0" err="1" smtClean="0"/>
+              <a:rPr lang="en-US" sz="2400" dirty="0" smtClean="0"/>
+              <a:t> </a:t>
+            </a:r>
+            <a:r>
+              <a:rPr lang="en-US" sz="2400" dirty="0" err="1" smtClean="0"/>
               <a:t>pada</a:t>
             </a:r>
             <a:r>
-              <a:rPr lang="en-US" sz="2000" dirty="0" smtClean="0"/>
+              <a:rPr lang="en-US" sz="2400" dirty="0" smtClean="0"/>
               <a:t> proses </a:t>
             </a:r>
             <a:r>
-              <a:rPr lang="en-US" sz="2000" dirty="0" err="1" smtClean="0"/>
+              <a:rPr lang="en-US" sz="2400" dirty="0" err="1" smtClean="0"/>
               <a:t>bisnis</a:t>
             </a:r>
             <a:r>
-              <a:rPr lang="en-US" sz="2000" dirty="0" smtClean="0"/>
+              <a:rPr lang="en-US" sz="2400" dirty="0" smtClean="0"/>
               <a:t> yang </a:t>
             </a:r>
             <a:r>
-              <a:rPr lang="en-US" sz="2000" dirty="0" err="1" smtClean="0"/>
+              <a:rPr lang="en-US" sz="2400" dirty="0" err="1" smtClean="0"/>
               <a:t>dilambangkan</a:t>
             </a:r>
             <a:r>
-              <a:rPr lang="en-US" sz="2000" dirty="0" smtClean="0"/>
-              <a:t> </a:t>
-            </a:r>
-            <a:r>
-              <a:rPr lang="en-US" sz="2000" dirty="0" err="1" smtClean="0"/>
+              <a:rPr lang="en-US" sz="2400" dirty="0" smtClean="0"/>
+              <a:t> </a:t>
+            </a:r>
+            <a:r>
+              <a:rPr lang="en-US" sz="2400" dirty="0" err="1" smtClean="0"/>
               <a:t>dengan</a:t>
             </a:r>
             <a:r>
-              <a:rPr lang="en-US" sz="2000" dirty="0" smtClean="0"/>
-              <a:t> </a:t>
-            </a:r>
-            <a:r>
-              <a:rPr lang="en-US" sz="2000" dirty="0" err="1" smtClean="0"/>
+              <a:rPr lang="en-US" sz="2400" dirty="0" smtClean="0"/>
+              <a:t> </a:t>
+            </a:r>
+            <a:r>
+              <a:rPr lang="en-US" sz="2400" dirty="0" err="1" smtClean="0"/>
               <a:t>lingkaran</a:t>
             </a:r>
-            <a:endParaRPr lang="en-US" sz="2000" dirty="0" smtClean="0"/>
-          </a:p>
-          <a:p>
-            <a:r>
-              <a:rPr lang="en-US" sz="2000" dirty="0" err="1" smtClean="0"/>
+            <a:endParaRPr lang="en-US" sz="2400" dirty="0" smtClean="0"/>
+          </a:p>
+          <a:p>
+            <a:r>
+              <a:rPr lang="en-US" sz="2400" dirty="0" err="1" smtClean="0"/>
               <a:t>Secara</a:t>
             </a:r>
             <a:r>
-              <a:rPr lang="en-US" sz="2000" dirty="0" smtClean="0"/>
-              <a:t> </a:t>
-            </a:r>
-            <a:r>
-              <a:rPr lang="en-US" sz="2000" dirty="0" err="1" smtClean="0"/>
+              <a:rPr lang="en-US" sz="2400" dirty="0" smtClean="0"/>
+              <a:t> </a:t>
+            </a:r>
+            <a:r>
+              <a:rPr lang="en-US" sz="2400" dirty="0" err="1" smtClean="0"/>
               <a:t>umum</a:t>
             </a:r>
             <a:r>
-              <a:rPr lang="en-US" sz="2000" dirty="0" smtClean="0"/>
+              <a:rPr lang="en-US" sz="2400" dirty="0" smtClean="0"/>
               <a:t>, </a:t>
             </a:r>
             <a:r>
-              <a:rPr lang="en-US" sz="2000" dirty="0" err="1" smtClean="0"/>
+              <a:rPr lang="en-US" sz="2400" dirty="0" err="1" smtClean="0"/>
               <a:t>terbagi</a:t>
             </a:r>
             <a:r>
-              <a:rPr lang="en-US" sz="2000" dirty="0" smtClean="0"/>
-              <a:t> </a:t>
-            </a:r>
-            <a:r>
-              <a:rPr lang="en-US" sz="2000" dirty="0" err="1" smtClean="0"/>
+              <a:rPr lang="en-US" sz="2400" dirty="0" smtClean="0"/>
+              <a:t> </a:t>
+            </a:r>
+            <a:r>
+              <a:rPr lang="en-US" sz="2400" dirty="0" err="1" smtClean="0"/>
               <a:t>menjadi</a:t>
             </a:r>
             <a:r>
-              <a:rPr lang="en-US" sz="2000" dirty="0" smtClean="0"/>
-              <a:t> </a:t>
-            </a:r>
-            <a:r>
-              <a:rPr lang="en-US" sz="2000" i="1" dirty="0" smtClean="0"/>
+              <a:rPr lang="en-US" sz="2400" dirty="0" smtClean="0"/>
+              <a:t> </a:t>
+            </a:r>
+            <a:r>
+              <a:rPr lang="en-US" sz="2400" i="1" dirty="0" smtClean="0"/>
               <a:t>Start Event, Intermediate Event, End Event</a:t>
             </a:r>
-            <a:endParaRPr lang="en-US" sz="2000" dirty="0" smtClean="0"/>
+            <a:endParaRPr lang="en-US" sz="2400" dirty="0" smtClean="0"/>
           </a:p>
         </p:txBody>
       </p:sp>
@@ -15890,7 +20637,7 @@
         </p:blipFill>
         <p:spPr>
           <a:xfrm>
-            <a:off x="2531579" y="4183195"/>
+            <a:off x="2351276" y="4358145"/>
             <a:ext cx="6128956" cy="1883100"/>
           </a:xfrm>
           <a:prstGeom prst="rect">
@@ -15952,7 +20699,7 @@
           <a:p>
             <a:r>
               <a:rPr lang="en-US" dirty="0" smtClean="0"/>
-              <a:t>BPMN - Activity</a:t>
+              <a:t>BPMN - Gateway</a:t>
             </a:r>
             <a:endParaRPr lang="en-US" dirty="0"/>
           </a:p>
@@ -15981,61 +20728,61 @@
           <a:lstStyle/>
           <a:p>
             <a:r>
-              <a:rPr lang="en-US" sz="2000" dirty="0" smtClean="0"/>
-              <a:t>Kumpulan </a:t>
-            </a:r>
-            <a:r>
-              <a:rPr lang="en-US" sz="2000" dirty="0" err="1" smtClean="0"/>
-              <a:t>kegiatan</a:t>
-            </a:r>
-            <a:r>
-              <a:rPr lang="en-US" sz="2000" dirty="0" smtClean="0"/>
+              <a:rPr lang="en-US" sz="2400" dirty="0" err="1" smtClean="0"/>
+              <a:t>Simbol</a:t>
+            </a:r>
+            <a:r>
+              <a:rPr lang="en-US" sz="2400" dirty="0" smtClean="0"/>
               <a:t> yang </a:t>
             </a:r>
             <a:r>
-              <a:rPr lang="en-US" sz="2000" dirty="0" err="1" smtClean="0"/>
-              <a:t>dapat</a:t>
-            </a:r>
-            <a:r>
-              <a:rPr lang="en-US" sz="2000" dirty="0" smtClean="0"/>
-              <a:t> </a:t>
-            </a:r>
-            <a:r>
-              <a:rPr lang="en-US" sz="2000" dirty="0" err="1" smtClean="0"/>
-              <a:t>dikerjakan</a:t>
-            </a:r>
-            <a:endParaRPr lang="en-US" sz="2000" dirty="0" smtClean="0"/>
-          </a:p>
-          <a:p>
-            <a:r>
-              <a:rPr lang="en-US" sz="2000" dirty="0" smtClean="0"/>
-              <a:t>Task </a:t>
-            </a:r>
-            <a:r>
-              <a:rPr lang="en-US" sz="2000" dirty="0" err="1" smtClean="0"/>
-              <a:t>merupakan</a:t>
-            </a:r>
-            <a:r>
-              <a:rPr lang="en-US" sz="2000" dirty="0" smtClean="0"/>
-              <a:t> </a:t>
-            </a:r>
-            <a:r>
-              <a:rPr lang="en-US" sz="2000" dirty="0" err="1" smtClean="0"/>
-              <a:t>bagian</a:t>
-            </a:r>
-            <a:r>
-              <a:rPr lang="en-US" sz="2000" dirty="0" smtClean="0"/>
-              <a:t> </a:t>
-            </a:r>
-            <a:r>
-              <a:rPr lang="en-US" sz="2000" dirty="0" err="1" smtClean="0"/>
-              <a:t>dari</a:t>
-            </a:r>
-            <a:r>
-              <a:rPr lang="en-US" sz="2000" dirty="0" smtClean="0"/>
-              <a:t> Activity</a:t>
-            </a:r>
-            <a:endParaRPr lang="en-US" sz="2000" dirty="0" smtClean="0"/>
+              <a:rPr lang="en-US" sz="2400" dirty="0" err="1" smtClean="0"/>
+              <a:t>menentukan</a:t>
+            </a:r>
+            <a:r>
+              <a:rPr lang="en-US" sz="2400" dirty="0" smtClean="0"/>
+              <a:t> </a:t>
+            </a:r>
+            <a:r>
+              <a:rPr lang="en-US" sz="2400" dirty="0" err="1" smtClean="0"/>
+              <a:t>percabangan</a:t>
+            </a:r>
+            <a:r>
+              <a:rPr lang="en-US" sz="2400" dirty="0" smtClean="0"/>
+              <a:t> </a:t>
+            </a:r>
+            <a:r>
+              <a:rPr lang="en-US" sz="2400" dirty="0" err="1" smtClean="0"/>
+              <a:t>maupun</a:t>
+            </a:r>
+            <a:r>
+              <a:rPr lang="en-US" sz="2400" dirty="0" smtClean="0"/>
+              <a:t> </a:t>
+            </a:r>
+            <a:r>
+              <a:rPr lang="en-US" sz="2400" dirty="0" err="1" smtClean="0"/>
+              <a:t>penggabungan</a:t>
+            </a:r>
+            <a:r>
+              <a:rPr lang="en-US" sz="2400" dirty="0" smtClean="0"/>
+              <a:t> </a:t>
+            </a:r>
+            <a:r>
+              <a:rPr lang="en-US" sz="2400" dirty="0" err="1" smtClean="0"/>
+              <a:t>jalur</a:t>
+            </a:r>
+            <a:r>
+              <a:rPr lang="en-US" sz="2400" dirty="0" smtClean="0"/>
+              <a:t> </a:t>
+            </a:r>
+            <a:r>
+              <a:rPr lang="en-US" sz="2400" dirty="0" err="1" smtClean="0"/>
+              <a:t>dalam</a:t>
+            </a:r>
+            <a:r>
+              <a:rPr lang="en-US" sz="2400" dirty="0" smtClean="0"/>
+              <a:t> proses</a:t>
+            </a:r>
           </a:p>
         </p:txBody>
       </p:sp>
@@ -16048,7 +20795,7 @@
           <p:nvPr/>
         </p:nvPicPr>
         <p:blipFill>
-          <a:blip r:embed="rId2">
+          <a:blip r:embed="rId3">
             <a:extLst>
               <a:ext uri="{28A0092B-C50C-407E-A947-70E740481C1C}">
                 <a14:useLocalDpi xmlns:a14="http://schemas.microsoft.com/office/drawing/2010/main" val="0"/>
@@ -16061,8 +20808,8 @@
         </p:blipFill>
         <p:spPr>
           <a:xfrm>
-            <a:off x="1398866" y="3591508"/>
-            <a:ext cx="9375558" cy="2769535"/>
+            <a:off x="2140268" y="3654858"/>
+            <a:ext cx="7626584" cy="2297165"/>
           </a:xfrm>
           <a:prstGeom prst="rect">
             <a:avLst/>
@@ -16072,7 +20819,7 @@
     </p:spTree>
     <p:extLst>
       <p:ext uri="{BB962C8B-B14F-4D97-AF65-F5344CB8AC3E}">
-        <p14:creationId xmlns:p14="http://schemas.microsoft.com/office/powerpoint/2010/main" val="3058764471"/>
+        <p14:creationId xmlns:p14="http://schemas.microsoft.com/office/powerpoint/2010/main" val="1019130044"/>
       </p:ext>
     </p:extLst>
   </p:cSld>
@@ -16123,7 +20870,7 @@
           <a:p>
             <a:r>
               <a:rPr lang="en-US" dirty="0" smtClean="0"/>
-              <a:t>BPMN - Gateway</a:t>
+              <a:t>BPMN - Activity</a:t>
             </a:r>
             <a:endParaRPr lang="en-US" dirty="0"/>
           </a:p>
@@ -16152,60 +20899,59 @@
           <a:lstStyle/>
           <a:p>
             <a:r>
-              <a:rPr lang="en-US" sz="2000" dirty="0" err="1" smtClean="0"/>
-              <a:t>Simbol</a:t>
-            </a:r>
-            <a:r>
-              <a:rPr lang="en-US" sz="2000" dirty="0" smtClean="0"/>
+              <a:rPr lang="en-US" sz="2400" dirty="0" smtClean="0"/>
+              <a:t>Kumpulan </a:t>
+            </a:r>
+            <a:r>
+              <a:rPr lang="en-US" sz="2400" dirty="0" err="1" smtClean="0"/>
+              <a:t>kegiatan</a:t>
+            </a:r>
+            <a:r>
+              <a:rPr lang="en-US" sz="2400" dirty="0" smtClean="0"/>
               <a:t> yang </a:t>
             </a:r>
             <a:r>
-              <a:rPr lang="en-US" sz="2000" dirty="0" err="1" smtClean="0"/>
-              <a:t>menentukan</a:t>
-            </a:r>
-            <a:r>
-              <a:rPr lang="en-US" sz="2000" dirty="0" smtClean="0"/>
-              <a:t> </a:t>
-            </a:r>
-            <a:r>
-              <a:rPr lang="en-US" sz="2000" dirty="0" err="1" smtClean="0"/>
-              <a:t>percabangan</a:t>
-            </a:r>
-            <a:r>
-              <a:rPr lang="en-US" sz="2000" dirty="0" smtClean="0"/>
-              <a:t> </a:t>
-            </a:r>
-            <a:r>
-              <a:rPr lang="en-US" sz="2000" dirty="0" err="1" smtClean="0"/>
-              <a:t>maupun</a:t>
-            </a:r>
-            <a:r>
-              <a:rPr lang="en-US" sz="2000" dirty="0" smtClean="0"/>
-              <a:t> </a:t>
-            </a:r>
-            <a:r>
-              <a:rPr lang="en-US" sz="2000" dirty="0" err="1" smtClean="0"/>
-              <a:t>penggabungan</a:t>
-            </a:r>
-            <a:r>
-              <a:rPr lang="en-US" sz="2000" dirty="0" smtClean="0"/>
-              <a:t> </a:t>
-            </a:r>
-            <a:r>
-              <a:rPr lang="en-US" sz="2000" dirty="0" err="1" smtClean="0"/>
-              <a:t>jalur</a:t>
-            </a:r>
-            <a:r>
-              <a:rPr lang="en-US" sz="2000" dirty="0" smtClean="0"/>
-              <a:t> </a:t>
-            </a:r>
-            <a:r>
-              <a:rPr lang="en-US" sz="2000" dirty="0" err="1" smtClean="0"/>
-              <a:t>dalam</a:t>
-            </a:r>
-            <a:r>
-              <a:rPr lang="en-US" sz="2000" dirty="0" smtClean="0"/>
-              <a:t> proses</a:t>
+              <a:rPr lang="en-US" sz="2400" dirty="0" err="1" smtClean="0"/>
+              <a:t>dapat</a:t>
+            </a:r>
+            <a:r>
+              <a:rPr lang="en-US" sz="2400" dirty="0" smtClean="0"/>
+              <a:t> </a:t>
+            </a:r>
+            <a:r>
+              <a:rPr lang="en-US" sz="2400" dirty="0" err="1" smtClean="0"/>
+              <a:t>dikerjakan</a:t>
+            </a:r>
+            <a:endParaRPr lang="en-US" sz="2400" dirty="0" smtClean="0"/>
+          </a:p>
+          <a:p>
+            <a:r>
+              <a:rPr lang="en-US" sz="2400" dirty="0" smtClean="0"/>
+              <a:t>Task </a:t>
+            </a:r>
+            <a:r>
+              <a:rPr lang="en-US" sz="2400" dirty="0" err="1" smtClean="0"/>
+              <a:t>merupakan</a:t>
+            </a:r>
+            <a:r>
+              <a:rPr lang="en-US" sz="2400" dirty="0" smtClean="0"/>
+              <a:t> </a:t>
+            </a:r>
+            <a:r>
+              <a:rPr lang="en-US" sz="2400" dirty="0" err="1" smtClean="0"/>
+              <a:t>bagian</a:t>
+            </a:r>
+            <a:r>
+              <a:rPr lang="en-US" sz="2400" dirty="0" smtClean="0"/>
+              <a:t> </a:t>
+            </a:r>
+            <a:r>
+              <a:rPr lang="en-US" sz="2400" dirty="0" err="1" smtClean="0"/>
+              <a:t>dari</a:t>
+            </a:r>
+            <a:r>
+              <a:rPr lang="en-US" sz="2400" dirty="0" smtClean="0"/>
+              <a:t> Activity</a:t>
             </a:r>
           </a:p>
         </p:txBody>
@@ -16219,7 +20965,7 @@
           <p:nvPr/>
         </p:nvPicPr>
         <p:blipFill>
-          <a:blip r:embed="rId2">
+          <a:blip r:embed="rId3">
             <a:extLst>
               <a:ext uri="{28A0092B-C50C-407E-A947-70E740481C1C}">
                 <a14:useLocalDpi xmlns:a14="http://schemas.microsoft.com/office/drawing/2010/main" val="0"/>
@@ -16232,8 +20978,8 @@
         </p:blipFill>
         <p:spPr>
           <a:xfrm>
-            <a:off x="2140268" y="3654858"/>
-            <a:ext cx="7626584" cy="2297165"/>
+            <a:off x="1398866" y="3591508"/>
+            <a:ext cx="9375558" cy="2769535"/>
           </a:xfrm>
           <a:prstGeom prst="rect">
             <a:avLst/>
@@ -16243,7 +20989,7 @@
     </p:spTree>
     <p:extLst>
       <p:ext uri="{BB962C8B-B14F-4D97-AF65-F5344CB8AC3E}">
-        <p14:creationId xmlns:p14="http://schemas.microsoft.com/office/powerpoint/2010/main" val="1019130044"/>
+        <p14:creationId xmlns:p14="http://schemas.microsoft.com/office/powerpoint/2010/main" val="3058764471"/>
       </p:ext>
     </p:extLst>
   </p:cSld>
@@ -16331,85 +21077,84 @@
           <a:lstStyle/>
           <a:p>
             <a:r>
-              <a:rPr lang="en-US" sz="2000" dirty="0" smtClean="0"/>
+              <a:rPr lang="en-US" sz="2400" dirty="0" smtClean="0"/>
               <a:t>Lane </a:t>
             </a:r>
             <a:r>
-              <a:rPr lang="en-US" sz="2000" dirty="0" err="1" smtClean="0"/>
+              <a:rPr lang="en-US" sz="2400" dirty="0" err="1" smtClean="0"/>
               <a:t>untuk</a:t>
             </a:r>
             <a:r>
-              <a:rPr lang="en-US" sz="2000" dirty="0" smtClean="0"/>
-              <a:t> </a:t>
-            </a:r>
-            <a:r>
-              <a:rPr lang="en-US" sz="2000" dirty="0" err="1" smtClean="0"/>
+              <a:rPr lang="en-US" sz="2400" dirty="0" smtClean="0"/>
+              <a:t> </a:t>
+            </a:r>
+            <a:r>
+              <a:rPr lang="en-US" sz="2400" dirty="0" err="1" smtClean="0"/>
               <a:t>mengelompokkan</a:t>
             </a:r>
             <a:r>
-              <a:rPr lang="en-US" sz="2000" dirty="0" smtClean="0"/>
+              <a:rPr lang="en-US" sz="2400" dirty="0" smtClean="0"/>
               <a:t> task yang </a:t>
             </a:r>
             <a:r>
-              <a:rPr lang="en-US" sz="2000" dirty="0" err="1" smtClean="0"/>
+              <a:rPr lang="en-US" sz="2400" dirty="0" err="1" smtClean="0"/>
               <a:t>menjadi</a:t>
             </a:r>
             <a:r>
-              <a:rPr lang="en-US" sz="2000" dirty="0" smtClean="0"/>
-              <a:t> </a:t>
-            </a:r>
-            <a:r>
-              <a:rPr lang="en-US" sz="2000" dirty="0" err="1" smtClean="0"/>
+              <a:rPr lang="en-US" sz="2400" dirty="0" smtClean="0"/>
+              <a:t> </a:t>
+            </a:r>
+            <a:r>
+              <a:rPr lang="en-US" sz="2400" dirty="0" err="1" smtClean="0"/>
               <a:t>tanggung</a:t>
             </a:r>
             <a:r>
-              <a:rPr lang="en-US" sz="2000" dirty="0" smtClean="0"/>
-              <a:t> </a:t>
-            </a:r>
-            <a:r>
-              <a:rPr lang="en-US" sz="2000" dirty="0" err="1" smtClean="0"/>
+              <a:rPr lang="en-US" sz="2400" dirty="0" smtClean="0"/>
+              <a:t> </a:t>
+            </a:r>
+            <a:r>
+              <a:rPr lang="en-US" sz="2400" dirty="0" err="1" smtClean="0"/>
               <a:t>jawab</a:t>
             </a:r>
             <a:r>
-              <a:rPr lang="en-US" sz="2000" dirty="0" smtClean="0"/>
-              <a:t> </a:t>
-            </a:r>
-            <a:r>
-              <a:rPr lang="en-US" sz="2000" dirty="0" err="1" smtClean="0"/>
-              <a:t>seseorang</a:t>
-            </a:r>
-            <a:endParaRPr lang="en-US" sz="2000" dirty="0" smtClean="0"/>
-          </a:p>
-          <a:p>
-            <a:r>
-              <a:rPr lang="en-US" sz="2000" dirty="0" smtClean="0"/>
+              <a:rPr lang="en-US" sz="2400" dirty="0" smtClean="0"/>
+              <a:t> </a:t>
+            </a:r>
+            <a:r>
+              <a:rPr lang="en-US" sz="2400" dirty="0" err="1" smtClean="0"/>
+              <a:t>aktor</a:t>
+            </a:r>
+            <a:endParaRPr lang="en-US" sz="2400" dirty="0" smtClean="0"/>
+          </a:p>
+          <a:p>
+            <a:r>
+              <a:rPr lang="en-US" sz="2400" dirty="0" smtClean="0"/>
               <a:t>Pool </a:t>
             </a:r>
             <a:r>
-              <a:rPr lang="en-US" sz="2000" dirty="0" err="1" smtClean="0"/>
+              <a:rPr lang="en-US" sz="2400" dirty="0" err="1" smtClean="0"/>
               <a:t>merupakan</a:t>
             </a:r>
             <a:r>
-              <a:rPr lang="en-US" sz="2000" dirty="0" smtClean="0"/>
-              <a:t> </a:t>
-            </a:r>
-            <a:r>
-              <a:rPr lang="en-US" sz="2000" dirty="0" err="1" smtClean="0"/>
+              <a:rPr lang="en-US" sz="2400" dirty="0" smtClean="0"/>
+              <a:t> </a:t>
+            </a:r>
+            <a:r>
+              <a:rPr lang="en-US" sz="2400" dirty="0" err="1" smtClean="0"/>
               <a:t>kumpulan</a:t>
             </a:r>
             <a:r>
-              <a:rPr lang="en-US" sz="2000" dirty="0" smtClean="0"/>
-              <a:t> </a:t>
-            </a:r>
-            <a:r>
-              <a:rPr lang="en-US" sz="2000" dirty="0" err="1" smtClean="0"/>
+              <a:rPr lang="en-US" sz="2400" dirty="0" smtClean="0"/>
+              <a:t> </a:t>
+            </a:r>
+            <a:r>
+              <a:rPr lang="en-US" sz="2400" dirty="0" err="1" smtClean="0"/>
               <a:t>dari</a:t>
             </a:r>
             <a:r>
-              <a:rPr lang="en-US" sz="2000" dirty="0" smtClean="0"/>
+              <a:rPr lang="en-US" sz="2400" dirty="0" smtClean="0"/>
               <a:t> Lane</a:t>
             </a:r>
-            <a:endParaRPr lang="en-US" sz="2000" dirty="0" smtClean="0"/>
           </a:p>
         </p:txBody>
       </p:sp>
@@ -16435,7 +21180,7 @@
         </p:blipFill>
         <p:spPr>
           <a:xfrm>
-            <a:off x="2799996" y="3786565"/>
+            <a:off x="2851512" y="4018385"/>
             <a:ext cx="4912769" cy="2691930"/>
           </a:xfrm>
           <a:prstGeom prst="rect">
@@ -16725,4 +21470,265 @@
     </a:ext>
   </a:extLst>
 </a:theme>
+</file>
+
+<file path=ppt/theme/theme2.xml><?xml version="1.0" encoding="utf-8"?>
+<a:theme xmlns:a="http://schemas.openxmlformats.org/drawingml/2006/main" name="Office Theme">
+  <a:themeElements>
+    <a:clrScheme name="Office">
+      <a:dk1>
+        <a:sysClr val="windowText" lastClr="000000"/>
+      </a:dk1>
+      <a:lt1>
+        <a:sysClr val="window" lastClr="FFFFFF"/>
+      </a:lt1>
+      <a:dk2>
+        <a:srgbClr val="44546A"/>
+      </a:dk2>
+      <a:lt2>
+        <a:srgbClr val="E7E6E6"/>
+      </a:lt2>
+      <a:accent1>
+        <a:srgbClr val="5B9BD5"/>
+      </a:accent1>
+      <a:accent2>
+        <a:srgbClr val="ED7D31"/>
+      </a:accent2>
+      <a:accent3>
+        <a:srgbClr val="A5A5A5"/>
+      </a:accent3>
+      <a:accent4>
+        <a:srgbClr val="FFC000"/>
+      </a:accent4>
+      <a:accent5>
+        <a:srgbClr val="4472C4"/>
+      </a:accent5>
+      <a:accent6>
+        <a:srgbClr val="70AD47"/>
+      </a:accent6>
+      <a:hlink>
+        <a:srgbClr val="0563C1"/>
+      </a:hlink>
+      <a:folHlink>
+        <a:srgbClr val="954F72"/>
+      </a:folHlink>
+    </a:clrScheme>
+    <a:fontScheme name="Office">
+      <a:majorFont>
+        <a:latin typeface="Calibri Light" panose="020F0302020204030204"/>
+        <a:ea typeface=""/>
+        <a:cs typeface=""/>
+        <a:font script="Jpan" typeface="ＭＳ Ｐゴシック"/>
+        <a:font script="Hang" typeface="맑은 고딕"/>
+        <a:font script="Hans" typeface="宋体"/>
+        <a:font script="Hant" typeface="新細明體"/>
+        <a:font script="Arab" typeface="Times New Roman"/>
+        <a:font script="Hebr" typeface="Times New Roman"/>
+        <a:font script="Thai" typeface="Angsana New"/>
+        <a:font script="Ethi" typeface="Nyala"/>
+        <a:font script="Beng" typeface="Vrinda"/>
+        <a:font script="Gujr" typeface="Shruti"/>
+        <a:font script="Khmr" typeface="MoolBoran"/>
+        <a:font script="Knda" typeface="Tunga"/>
+        <a:font script="Guru" typeface="Raavi"/>
+        <a:font script="Cans" typeface="Euphemia"/>
+        <a:font script="Cher" typeface="Plantagenet Cherokee"/>
+        <a:font script="Yiii" typeface="Microsoft Yi Baiti"/>
+        <a:font script="Tibt" typeface="Microsoft Himalaya"/>
+        <a:font script="Thaa" typeface="MV Boli"/>
+        <a:font script="Deva" typeface="Mangal"/>
+        <a:font script="Telu" typeface="Gautami"/>
+        <a:font script="Taml" typeface="Latha"/>
+        <a:font script="Syrc" typeface="Estrangelo Edessa"/>
+        <a:font script="Orya" typeface="Kalinga"/>
+        <a:font script="Mlym" typeface="Kartika"/>
+        <a:font script="Laoo" typeface="DokChampa"/>
+        <a:font script="Sinh" typeface="Iskoola Pota"/>
+        <a:font script="Mong" typeface="Mongolian Baiti"/>
+        <a:font script="Viet" typeface="Times New Roman"/>
+        <a:font script="Uigh" typeface="Microsoft Uighur"/>
+        <a:font script="Geor" typeface="Sylfaen"/>
+      </a:majorFont>
+      <a:minorFont>
+        <a:latin typeface="Calibri" panose="020F0502020204030204"/>
+        <a:ea typeface=""/>
+        <a:cs typeface=""/>
+        <a:font script="Jpan" typeface="ＭＳ Ｐゴシック"/>
+        <a:font script="Hang" typeface="맑은 고딕"/>
+        <a:font script="Hans" typeface="宋体"/>
+        <a:font script="Hant" typeface="新細明體"/>
+        <a:font script="Arab" typeface="Arial"/>
+        <a:font script="Hebr" typeface="Arial"/>
+        <a:font script="Thai" typeface="Cordia New"/>
+        <a:font script="Ethi" typeface="Nyala"/>
+        <a:font script="Beng" typeface="Vrinda"/>
+        <a:font script="Gujr" typeface="Shruti"/>
+        <a:font script="Khmr" typeface="DaunPenh"/>
+        <a:font script="Knda" typeface="Tunga"/>
+        <a:font script="Guru" typeface="Raavi"/>
+        <a:font script="Cans" typeface="Euphemia"/>
+        <a:font script="Cher" typeface="Plantagenet Cherokee"/>
+        <a:font script="Yiii" typeface="Microsoft Yi Baiti"/>
+        <a:font script="Tibt" typeface="Microsoft Himalaya"/>
+        <a:font script="Thaa" typeface="MV Boli"/>
+        <a:font script="Deva" typeface="Mangal"/>
+        <a:font script="Telu" typeface="Gautami"/>
+        <a:font script="Taml" typeface="Latha"/>
+        <a:font script="Syrc" typeface="Estrangelo Edessa"/>
+        <a:font script="Orya" typeface="Kalinga"/>
+        <a:font script="Mlym" typeface="Kartika"/>
+        <a:font script="Laoo" typeface="DokChampa"/>
+        <a:font script="Sinh" typeface="Iskoola Pota"/>
+        <a:font script="Mong" typeface="Mongolian Baiti"/>
+        <a:font script="Viet" typeface="Arial"/>
+        <a:font script="Uigh" typeface="Microsoft Uighur"/>
+        <a:font script="Geor" typeface="Sylfaen"/>
+      </a:minorFont>
+    </a:fontScheme>
+    <a:fmtScheme name="Office">
+      <a:fillStyleLst>
+        <a:solidFill>
+          <a:schemeClr val="phClr"/>
+        </a:solidFill>
+        <a:gradFill rotWithShape="1">
+          <a:gsLst>
+            <a:gs pos="0">
+              <a:schemeClr val="phClr">
+                <a:lumMod val="110000"/>
+                <a:satMod val="105000"/>
+                <a:tint val="67000"/>
+              </a:schemeClr>
+            </a:gs>
+            <a:gs pos="50000">
+              <a:schemeClr val="phClr">
+                <a:lumMod val="105000"/>
+                <a:satMod val="103000"/>
+                <a:tint val="73000"/>
+              </a:schemeClr>
+            </a:gs>
+            <a:gs pos="100000">
+              <a:schemeClr val="phClr">
+                <a:lumMod val="105000"/>
+                <a:satMod val="109000"/>
+                <a:tint val="81000"/>
+              </a:schemeClr>
+            </a:gs>
+          </a:gsLst>
+          <a:lin ang="5400000" scaled="0"/>
+        </a:gradFill>
+        <a:gradFill rotWithShape="1">
+          <a:gsLst>
+            <a:gs pos="0">
+              <a:schemeClr val="phClr">
+                <a:satMod val="103000"/>
+                <a:lumMod val="102000"/>
+                <a:tint val="94000"/>
+              </a:schemeClr>
+            </a:gs>
+            <a:gs pos="50000">
+              <a:schemeClr val="phClr">
+                <a:satMod val="110000"/>
+                <a:lumMod val="100000"/>
+                <a:shade val="100000"/>
+              </a:schemeClr>
+            </a:gs>
+            <a:gs pos="100000">
+              <a:schemeClr val="phClr">
+                <a:lumMod val="99000"/>
+                <a:satMod val="120000"/>
+                <a:shade val="78000"/>
+              </a:schemeClr>
+            </a:gs>
+          </a:gsLst>
+          <a:lin ang="5400000" scaled="0"/>
+        </a:gradFill>
+      </a:fillStyleLst>
+      <a:lnStyleLst>
+        <a:ln w="6350" cap="flat" cmpd="sng" algn="ctr">
+          <a:solidFill>
+            <a:schemeClr val="phClr"/>
+          </a:solidFill>
+          <a:prstDash val="solid"/>
+          <a:miter lim="800000"/>
+        </a:ln>
+        <a:ln w="12700" cap="flat" cmpd="sng" algn="ctr">
+          <a:solidFill>
+            <a:schemeClr val="phClr"/>
+          </a:solidFill>
+          <a:prstDash val="solid"/>
+          <a:miter lim="800000"/>
+        </a:ln>
+        <a:ln w="19050" cap="flat" cmpd="sng" algn="ctr">
+          <a:solidFill>
+            <a:schemeClr val="phClr"/>
+          </a:solidFill>
+          <a:prstDash val="solid"/>
+          <a:miter lim="800000"/>
+        </a:ln>
+      </a:lnStyleLst>
+      <a:effectStyleLst>
+        <a:effectStyle>
+          <a:effectLst/>
+        </a:effectStyle>
+        <a:effectStyle>
+          <a:effectLst/>
+        </a:effectStyle>
+        <a:effectStyle>
+          <a:effectLst>
+            <a:outerShdw blurRad="57150" dist="19050" dir="5400000" algn="ctr" rotWithShape="0">
+              <a:srgbClr val="000000">
+                <a:alpha val="63000"/>
+              </a:srgbClr>
+            </a:outerShdw>
+          </a:effectLst>
+        </a:effectStyle>
+      </a:effectStyleLst>
+      <a:bgFillStyleLst>
+        <a:solidFill>
+          <a:schemeClr val="phClr"/>
+        </a:solidFill>
+        <a:solidFill>
+          <a:schemeClr val="phClr">
+            <a:tint val="95000"/>
+            <a:satMod val="170000"/>
+          </a:schemeClr>
+        </a:solidFill>
+        <a:gradFill rotWithShape="1">
+          <a:gsLst>
+            <a:gs pos="0">
+              <a:schemeClr val="phClr">
+                <a:tint val="93000"/>
+                <a:satMod val="150000"/>
+                <a:shade val="98000"/>
+                <a:lumMod val="102000"/>
+              </a:schemeClr>
+            </a:gs>
+            <a:gs pos="50000">
+              <a:schemeClr val="phClr">
+                <a:tint val="98000"/>
+                <a:satMod val="130000"/>
+                <a:shade val="90000"/>
+                <a:lumMod val="103000"/>
+              </a:schemeClr>
+            </a:gs>
+            <a:gs pos="100000">
+              <a:schemeClr val="phClr">
+                <a:shade val="63000"/>
+                <a:satMod val="120000"/>
+              </a:schemeClr>
+            </a:gs>
+          </a:gsLst>
+          <a:lin ang="5400000" scaled="0"/>
+        </a:gradFill>
+      </a:bgFillStyleLst>
+    </a:fmtScheme>
+  </a:themeElements>
+  <a:objectDefaults/>
+  <a:extraClrSchemeLst/>
+  <a:extLst>
+    <a:ext uri="{05A4C25C-085E-4340-85A3-A5531E510DB2}">
+      <thm15:themeFamily xmlns:thm15="http://schemas.microsoft.com/office/thememl/2012/main" name="Office Theme" id="{62F939B6-93AF-4DB8-9C6B-D6C7DFDC589F}" vid="{4A3C46E8-61CC-4603-A589-7422A47A8E4A}"/>
+    </a:ext>
+  </a:extLst>
+</a:theme>
 </file>
--- a/10. Sidang/Sidang.pptx
+++ b/10. Sidang/Sidang.pptx
@@ -15,8 +15,8 @@
     <p:sldId id="260" r:id="rId6"/>
     <p:sldId id="262" r:id="rId7"/>
     <p:sldId id="273" r:id="rId8"/>
-    <p:sldId id="272" r:id="rId9"/>
-    <p:sldId id="274" r:id="rId10"/>
+    <p:sldId id="274" r:id="rId9"/>
+    <p:sldId id="272" r:id="rId10"/>
     <p:sldId id="286" r:id="rId11"/>
     <p:sldId id="281" r:id="rId12"/>
     <p:sldId id="285" r:id="rId13"/>
@@ -1709,7 +1709,7 @@
           <a:p>
             <a:fld id="{59700E2D-599E-4FDC-8A15-369AA87525D7}" type="slidenum">
               <a:rPr lang="en-US" smtClean="0"/>
-              <a:t>8</a:t>
+              <a:t>9</a:t>
             </a:fld>
             <a:endParaRPr lang="en-US"/>
           </a:p>
@@ -19537,8 +19537,8 @@
         </p:nvSpPr>
         <p:spPr>
           <a:xfrm>
-            <a:off x="1154954" y="2294407"/>
-            <a:ext cx="8825659" cy="3416300"/>
+            <a:off x="1154954" y="2294406"/>
+            <a:ext cx="8825659" cy="4055593"/>
           </a:xfrm>
         </p:spPr>
         <p:txBody>
@@ -19593,7 +19593,7 @@
             </a:r>
             <a:r>
               <a:rPr lang="en-US" sz="2200" dirty="0" err="1" smtClean="0"/>
-              <a:t>divisualisasikan</a:t>
+              <a:t>diotomasi</a:t>
             </a:r>
             <a:r>
               <a:rPr lang="en-US" sz="2200" dirty="0" smtClean="0"/>
@@ -20870,7 +20870,15 @@
           <a:p>
             <a:r>
               <a:rPr lang="en-US" dirty="0" smtClean="0"/>
-              <a:t>BPMN - Activity</a:t>
+              <a:t>BPMN – Lane </a:t>
+            </a:r>
+            <a:r>
+              <a:rPr lang="en-US" dirty="0" err="1" smtClean="0"/>
+              <a:t>dan</a:t>
+            </a:r>
+            <a:r>
+              <a:rPr lang="en-US" dirty="0" smtClean="0"/>
+              <a:t> Pool</a:t>
             </a:r>
             <a:endParaRPr lang="en-US" dirty="0"/>
           </a:p>
@@ -20900,34 +20908,58 @@
           <a:p>
             <a:r>
               <a:rPr lang="en-US" sz="2400" dirty="0" smtClean="0"/>
-              <a:t>Kumpulan </a:t>
+              <a:t>Lane </a:t>
             </a:r>
             <a:r>
               <a:rPr lang="en-US" sz="2400" dirty="0" err="1" smtClean="0"/>
-              <a:t>kegiatan</a:t>
+              <a:t>untuk</a:t>
             </a:r>
             <a:r>
               <a:rPr lang="en-US" sz="2400" dirty="0" smtClean="0"/>
-              <a:t> yang </a:t>
+              <a:t> </a:t>
             </a:r>
             <a:r>
               <a:rPr lang="en-US" sz="2400" dirty="0" err="1" smtClean="0"/>
-              <a:t>dapat</a:t>
+              <a:t>mengelompokkan</a:t>
             </a:r>
             <a:r>
               <a:rPr lang="en-US" sz="2400" dirty="0" smtClean="0"/>
-              <a:t> </a:t>
+              <a:t> task yang </a:t>
             </a:r>
             <a:r>
               <a:rPr lang="en-US" sz="2400" dirty="0" err="1" smtClean="0"/>
-              <a:t>dikerjakan</a:t>
+              <a:t>menjadi</a:t>
+            </a:r>
+            <a:r>
+              <a:rPr lang="en-US" sz="2400" dirty="0" smtClean="0"/>
+              <a:t> </a:t>
+            </a:r>
+            <a:r>
+              <a:rPr lang="en-US" sz="2400" dirty="0" err="1" smtClean="0"/>
+              <a:t>tanggung</a:t>
+            </a:r>
+            <a:r>
+              <a:rPr lang="en-US" sz="2400" dirty="0" smtClean="0"/>
+              <a:t> </a:t>
+            </a:r>
+            <a:r>
+              <a:rPr lang="en-US" sz="2400" dirty="0" err="1" smtClean="0"/>
+              <a:t>jawab</a:t>
+            </a:r>
+            <a:r>
+              <a:rPr lang="en-US" sz="2400" dirty="0" smtClean="0"/>
+              <a:t> </a:t>
+            </a:r>
+            <a:r>
+              <a:rPr lang="en-US" sz="2400" dirty="0" err="1" smtClean="0"/>
+              <a:t>aktor</a:t>
             </a:r>
             <a:endParaRPr lang="en-US" sz="2400" dirty="0" smtClean="0"/>
           </a:p>
           <a:p>
             <a:r>
               <a:rPr lang="en-US" sz="2400" dirty="0" smtClean="0"/>
-              <a:t>Task </a:t>
+              <a:t>Pool </a:t>
             </a:r>
             <a:r>
               <a:rPr lang="en-US" sz="2400" dirty="0" err="1" smtClean="0"/>
@@ -20939,7 +20971,7 @@
             </a:r>
             <a:r>
               <a:rPr lang="en-US" sz="2400" dirty="0" err="1" smtClean="0"/>
-              <a:t>bagian</a:t>
+              <a:t>kumpulan</a:t>
             </a:r>
             <a:r>
               <a:rPr lang="en-US" sz="2400" dirty="0" smtClean="0"/>
@@ -20951,21 +20983,21 @@
             </a:r>
             <a:r>
               <a:rPr lang="en-US" sz="2400" dirty="0" smtClean="0"/>
-              <a:t> Activity</a:t>
+              <a:t> Lane</a:t>
             </a:r>
           </a:p>
         </p:txBody>
       </p:sp>
       <p:pic>
         <p:nvPicPr>
-          <p:cNvPr id="5" name="Picture 4"/>
+          <p:cNvPr id="4" name="Picture 3"/>
           <p:cNvPicPr>
             <a:picLocks noChangeAspect="1"/>
           </p:cNvPicPr>
           <p:nvPr/>
         </p:nvPicPr>
         <p:blipFill>
-          <a:blip r:embed="rId3">
+          <a:blip r:embed="rId2">
             <a:extLst>
               <a:ext uri="{28A0092B-C50C-407E-A947-70E740481C1C}">
                 <a14:useLocalDpi xmlns:a14="http://schemas.microsoft.com/office/drawing/2010/main" val="0"/>
@@ -20978,8 +21010,8 @@
         </p:blipFill>
         <p:spPr>
           <a:xfrm>
-            <a:off x="1398866" y="3591508"/>
-            <a:ext cx="9375558" cy="2769535"/>
+            <a:off x="2851512" y="4018385"/>
+            <a:ext cx="4912769" cy="2691930"/>
           </a:xfrm>
           <a:prstGeom prst="rect">
             <a:avLst/>
@@ -20989,7 +21021,7 @@
     </p:spTree>
     <p:extLst>
       <p:ext uri="{BB962C8B-B14F-4D97-AF65-F5344CB8AC3E}">
-        <p14:creationId xmlns:p14="http://schemas.microsoft.com/office/powerpoint/2010/main" val="3058764471"/>
+        <p14:creationId xmlns:p14="http://schemas.microsoft.com/office/powerpoint/2010/main" val="2126331868"/>
       </p:ext>
     </p:extLst>
   </p:cSld>
@@ -21040,15 +21072,7 @@
           <a:p>
             <a:r>
               <a:rPr lang="en-US" dirty="0" smtClean="0"/>
-              <a:t>BPMN – Lane </a:t>
-            </a:r>
-            <a:r>
-              <a:rPr lang="en-US" dirty="0" err="1" smtClean="0"/>
-              <a:t>dan</a:t>
-            </a:r>
-            <a:r>
-              <a:rPr lang="en-US" dirty="0" smtClean="0"/>
-              <a:t> Pool</a:t>
+              <a:t>BPMN - Activity</a:t>
             </a:r>
             <a:endParaRPr lang="en-US" dirty="0"/>
           </a:p>
@@ -21078,58 +21102,34 @@
           <a:p>
             <a:r>
               <a:rPr lang="en-US" sz="2400" dirty="0" smtClean="0"/>
-              <a:t>Lane </a:t>
+              <a:t>Kumpulan </a:t>
             </a:r>
             <a:r>
               <a:rPr lang="en-US" sz="2400" dirty="0" err="1" smtClean="0"/>
-              <a:t>untuk</a:t>
+              <a:t>kegiatan</a:t>
             </a:r>
             <a:r>
               <a:rPr lang="en-US" sz="2400" dirty="0" smtClean="0"/>
-              <a:t> </a:t>
+              <a:t> yang </a:t>
             </a:r>
             <a:r>
               <a:rPr lang="en-US" sz="2400" dirty="0" err="1" smtClean="0"/>
-              <a:t>mengelompokkan</a:t>
+              <a:t>dapat</a:t>
             </a:r>
             <a:r>
               <a:rPr lang="en-US" sz="2400" dirty="0" smtClean="0"/>
-              <a:t> task yang </a:t>
+              <a:t> </a:t>
             </a:r>
             <a:r>
               <a:rPr lang="en-US" sz="2400" dirty="0" err="1" smtClean="0"/>
-              <a:t>menjadi</a:t>
-            </a:r>
+              <a:t>dikerjakan</a:t>
+            </a:r>
+            <a:endParaRPr lang="en-US" sz="2400" dirty="0" smtClean="0"/>
+          </a:p>
+          <a:p>
             <a:r>
               <a:rPr lang="en-US" sz="2400" dirty="0" smtClean="0"/>
-              <a:t> </a:t>
-            </a:r>
-            <a:r>
-              <a:rPr lang="en-US" sz="2400" dirty="0" err="1" smtClean="0"/>
-              <a:t>tanggung</a:t>
-            </a:r>
-            <a:r>
-              <a:rPr lang="en-US" sz="2400" dirty="0" smtClean="0"/>
-              <a:t> </a:t>
-            </a:r>
-            <a:r>
-              <a:rPr lang="en-US" sz="2400" dirty="0" err="1" smtClean="0"/>
-              <a:t>jawab</a:t>
-            </a:r>
-            <a:r>
-              <a:rPr lang="en-US" sz="2400" dirty="0" smtClean="0"/>
-              <a:t> </a:t>
-            </a:r>
-            <a:r>
-              <a:rPr lang="en-US" sz="2400" dirty="0" err="1" smtClean="0"/>
-              <a:t>aktor</a:t>
-            </a:r>
-            <a:endParaRPr lang="en-US" sz="2400" dirty="0" smtClean="0"/>
-          </a:p>
-          <a:p>
-            <a:r>
-              <a:rPr lang="en-US" sz="2400" dirty="0" smtClean="0"/>
-              <a:t>Pool </a:t>
+              <a:t>Task </a:t>
             </a:r>
             <a:r>
               <a:rPr lang="en-US" sz="2400" dirty="0" err="1" smtClean="0"/>
@@ -21141,7 +21141,7 @@
             </a:r>
             <a:r>
               <a:rPr lang="en-US" sz="2400" dirty="0" err="1" smtClean="0"/>
-              <a:t>kumpulan</a:t>
+              <a:t>bagian</a:t>
             </a:r>
             <a:r>
               <a:rPr lang="en-US" sz="2400" dirty="0" smtClean="0"/>
@@ -21153,21 +21153,21 @@
             </a:r>
             <a:r>
               <a:rPr lang="en-US" sz="2400" dirty="0" smtClean="0"/>
-              <a:t> Lane</a:t>
+              <a:t> Activity</a:t>
             </a:r>
           </a:p>
         </p:txBody>
       </p:sp>
       <p:pic>
         <p:nvPicPr>
-          <p:cNvPr id="4" name="Picture 3"/>
+          <p:cNvPr id="5" name="Picture 4"/>
           <p:cNvPicPr>
             <a:picLocks noChangeAspect="1"/>
           </p:cNvPicPr>
           <p:nvPr/>
         </p:nvPicPr>
         <p:blipFill>
-          <a:blip r:embed="rId2">
+          <a:blip r:embed="rId3">
             <a:extLst>
               <a:ext uri="{28A0092B-C50C-407E-A947-70E740481C1C}">
                 <a14:useLocalDpi xmlns:a14="http://schemas.microsoft.com/office/drawing/2010/main" val="0"/>
@@ -21180,8 +21180,8 @@
         </p:blipFill>
         <p:spPr>
           <a:xfrm>
-            <a:off x="2851512" y="4018385"/>
-            <a:ext cx="4912769" cy="2691930"/>
+            <a:off x="1398866" y="3591508"/>
+            <a:ext cx="9375558" cy="2769535"/>
           </a:xfrm>
           <a:prstGeom prst="rect">
             <a:avLst/>
@@ -21191,7 +21191,7 @@
     </p:spTree>
     <p:extLst>
       <p:ext uri="{BB962C8B-B14F-4D97-AF65-F5344CB8AC3E}">
-        <p14:creationId xmlns:p14="http://schemas.microsoft.com/office/powerpoint/2010/main" val="2126331868"/>
+        <p14:creationId xmlns:p14="http://schemas.microsoft.com/office/powerpoint/2010/main" val="3058764471"/>
       </p:ext>
     </p:extLst>
   </p:cSld>
